--- a/Trustworthy Autonomous Systems.pptx
+++ b/Trustworthy Autonomous Systems.pptx
@@ -4,26 +4,32 @@
   <p:sldMasterIdLst>
     <p:sldMasterId id="2147483648" r:id="rId1"/>
   </p:sldMasterIdLst>
+  <p:notesMasterIdLst>
+    <p:notesMasterId r:id="rId24"/>
+  </p:notesMasterIdLst>
   <p:sldIdLst>
     <p:sldId id="256" r:id="rId2"/>
     <p:sldId id="257" r:id="rId3"/>
     <p:sldId id="258" r:id="rId4"/>
     <p:sldId id="259" r:id="rId5"/>
-    <p:sldId id="260" r:id="rId6"/>
-    <p:sldId id="273" r:id="rId7"/>
-    <p:sldId id="274" r:id="rId8"/>
-    <p:sldId id="261" r:id="rId9"/>
-    <p:sldId id="262" r:id="rId10"/>
-    <p:sldId id="263" r:id="rId11"/>
-    <p:sldId id="271" r:id="rId12"/>
-    <p:sldId id="264" r:id="rId13"/>
-    <p:sldId id="265" r:id="rId14"/>
-    <p:sldId id="267" r:id="rId15"/>
-    <p:sldId id="268" r:id="rId16"/>
-    <p:sldId id="266" r:id="rId17"/>
-    <p:sldId id="272" r:id="rId18"/>
-    <p:sldId id="269" r:id="rId19"/>
-    <p:sldId id="270" r:id="rId20"/>
+    <p:sldId id="278" r:id="rId6"/>
+    <p:sldId id="260" r:id="rId7"/>
+    <p:sldId id="273" r:id="rId8"/>
+    <p:sldId id="274" r:id="rId9"/>
+    <p:sldId id="275" r:id="rId10"/>
+    <p:sldId id="261" r:id="rId11"/>
+    <p:sldId id="262" r:id="rId12"/>
+    <p:sldId id="271" r:id="rId13"/>
+    <p:sldId id="276" r:id="rId14"/>
+    <p:sldId id="263" r:id="rId15"/>
+    <p:sldId id="264" r:id="rId16"/>
+    <p:sldId id="265" r:id="rId17"/>
+    <p:sldId id="266" r:id="rId18"/>
+    <p:sldId id="267" r:id="rId19"/>
+    <p:sldId id="268" r:id="rId20"/>
+    <p:sldId id="269" r:id="rId21"/>
+    <p:sldId id="277" r:id="rId22"/>
+    <p:sldId id="270" r:id="rId23"/>
   </p:sldIdLst>
   <p:sldSz cx="12192000" cy="6858000"/>
   <p:notesSz cx="6858000" cy="9144000"/>
@@ -122,7 +128,361 @@
       </a:defRPr>
     </a:lvl9pPr>
   </p:defaultTextStyle>
+  <p:extLst>
+    <p:ext uri="{EFAFB233-063F-42B5-8137-9DF3F51BA10A}">
+      <p15:sldGuideLst xmlns:p15="http://schemas.microsoft.com/office/powerpoint/2012/main"/>
+    </p:ext>
+  </p:extLst>
 </p:presentation>
+</file>
+
+<file path=ppt/notesMasters/notesMaster1.xml><?xml version="1.0" encoding="utf-8"?>
+<p:notesMaster xmlns:a="http://schemas.openxmlformats.org/drawingml/2006/main" xmlns:r="http://schemas.openxmlformats.org/officeDocument/2006/relationships" xmlns:p="http://schemas.openxmlformats.org/presentationml/2006/main">
+  <p:cSld>
+    <p:bg>
+      <p:bgRef idx="1001">
+        <a:schemeClr val="bg1"/>
+      </p:bgRef>
+    </p:bg>
+    <p:spTree>
+      <p:nvGrpSpPr>
+        <p:cNvPr id="1" name=""/>
+        <p:cNvGrpSpPr/>
+        <p:nvPr/>
+      </p:nvGrpSpPr>
+      <p:grpSpPr>
+        <a:xfrm>
+          <a:off x="0" y="0"/>
+          <a:ext cx="0" cy="0"/>
+          <a:chOff x="0" y="0"/>
+          <a:chExt cx="0" cy="0"/>
+        </a:xfrm>
+      </p:grpSpPr>
+      <p:sp>
+        <p:nvSpPr>
+          <p:cNvPr id="2" name="Header Placeholder 1"/>
+          <p:cNvSpPr>
+            <a:spLocks noGrp="1"/>
+          </p:cNvSpPr>
+          <p:nvPr>
+            <p:ph type="hdr" sz="quarter"/>
+          </p:nvPr>
+        </p:nvSpPr>
+        <p:spPr>
+          <a:xfrm>
+            <a:off x="0" y="0"/>
+            <a:ext cx="2971800" cy="458788"/>
+          </a:xfrm>
+          <a:prstGeom prst="rect">
+            <a:avLst/>
+          </a:prstGeom>
+        </p:spPr>
+        <p:txBody>
+          <a:bodyPr vert="horz" lIns="91440" tIns="45720" rIns="91440" bIns="45720" rtlCol="0"/>
+          <a:lstStyle>
+            <a:lvl1pPr algn="l">
+              <a:defRPr sz="1200"/>
+            </a:lvl1pPr>
+          </a:lstStyle>
+          <a:p>
+            <a:endParaRPr lang="en-GB"/>
+          </a:p>
+        </p:txBody>
+      </p:sp>
+      <p:sp>
+        <p:nvSpPr>
+          <p:cNvPr id="3" name="Date Placeholder 2"/>
+          <p:cNvSpPr>
+            <a:spLocks noGrp="1"/>
+          </p:cNvSpPr>
+          <p:nvPr>
+            <p:ph type="dt" idx="1"/>
+          </p:nvPr>
+        </p:nvSpPr>
+        <p:spPr>
+          <a:xfrm>
+            <a:off x="3884613" y="0"/>
+            <a:ext cx="2971800" cy="458788"/>
+          </a:xfrm>
+          <a:prstGeom prst="rect">
+            <a:avLst/>
+          </a:prstGeom>
+        </p:spPr>
+        <p:txBody>
+          <a:bodyPr vert="horz" lIns="91440" tIns="45720" rIns="91440" bIns="45720" rtlCol="0"/>
+          <a:lstStyle>
+            <a:lvl1pPr algn="r">
+              <a:defRPr sz="1200"/>
+            </a:lvl1pPr>
+          </a:lstStyle>
+          <a:p>
+            <a:fld id="{111F7B45-FB52-6943-9C41-7A6F9963BE8C}" type="datetimeFigureOut">
+              <a:rPr lang="en-GB" smtClean="0"/>
+              <a:t>20/06/2025</a:t>
+            </a:fld>
+            <a:endParaRPr lang="en-GB"/>
+          </a:p>
+        </p:txBody>
+      </p:sp>
+      <p:sp>
+        <p:nvSpPr>
+          <p:cNvPr id="4" name="Slide Image Placeholder 3"/>
+          <p:cNvSpPr>
+            <a:spLocks noGrp="1" noRot="1" noChangeAspect="1"/>
+          </p:cNvSpPr>
+          <p:nvPr>
+            <p:ph type="sldImg" idx="2"/>
+          </p:nvPr>
+        </p:nvSpPr>
+        <p:spPr>
+          <a:xfrm>
+            <a:off x="685800" y="1143000"/>
+            <a:ext cx="5486400" cy="3086100"/>
+          </a:xfrm>
+          <a:prstGeom prst="rect">
+            <a:avLst/>
+          </a:prstGeom>
+          <a:noFill/>
+          <a:ln w="12700">
+            <a:solidFill>
+              <a:prstClr val="black"/>
+            </a:solidFill>
+          </a:ln>
+        </p:spPr>
+        <p:txBody>
+          <a:bodyPr vert="horz" lIns="91440" tIns="45720" rIns="91440" bIns="45720" rtlCol="0" anchor="ctr"/>
+          <a:lstStyle/>
+          <a:p>
+            <a:endParaRPr lang="en-GB"/>
+          </a:p>
+        </p:txBody>
+      </p:sp>
+      <p:sp>
+        <p:nvSpPr>
+          <p:cNvPr id="5" name="Notes Placeholder 4"/>
+          <p:cNvSpPr>
+            <a:spLocks noGrp="1"/>
+          </p:cNvSpPr>
+          <p:nvPr>
+            <p:ph type="body" sz="quarter" idx="3"/>
+          </p:nvPr>
+        </p:nvSpPr>
+        <p:spPr>
+          <a:xfrm>
+            <a:off x="685800" y="4400550"/>
+            <a:ext cx="5486400" cy="3600450"/>
+          </a:xfrm>
+          <a:prstGeom prst="rect">
+            <a:avLst/>
+          </a:prstGeom>
+        </p:spPr>
+        <p:txBody>
+          <a:bodyPr vert="horz" lIns="91440" tIns="45720" rIns="91440" bIns="45720" rtlCol="0"/>
+          <a:lstStyle/>
+          <a:p>
+            <a:pPr lvl="0"/>
+            <a:r>
+              <a:rPr lang="en-GB"/>
+              <a:t>Click to edit Master text styles</a:t>
+            </a:r>
+          </a:p>
+          <a:p>
+            <a:pPr lvl="1"/>
+            <a:r>
+              <a:rPr lang="en-GB"/>
+              <a:t>Second level</a:t>
+            </a:r>
+          </a:p>
+          <a:p>
+            <a:pPr lvl="2"/>
+            <a:r>
+              <a:rPr lang="en-GB"/>
+              <a:t>Third level</a:t>
+            </a:r>
+          </a:p>
+          <a:p>
+            <a:pPr lvl="3"/>
+            <a:r>
+              <a:rPr lang="en-GB"/>
+              <a:t>Fourth level</a:t>
+            </a:r>
+          </a:p>
+          <a:p>
+            <a:pPr lvl="4"/>
+            <a:r>
+              <a:rPr lang="en-GB"/>
+              <a:t>Fifth level</a:t>
+            </a:r>
+          </a:p>
+        </p:txBody>
+      </p:sp>
+      <p:sp>
+        <p:nvSpPr>
+          <p:cNvPr id="6" name="Footer Placeholder 5"/>
+          <p:cNvSpPr>
+            <a:spLocks noGrp="1"/>
+          </p:cNvSpPr>
+          <p:nvPr>
+            <p:ph type="ftr" sz="quarter" idx="4"/>
+          </p:nvPr>
+        </p:nvSpPr>
+        <p:spPr>
+          <a:xfrm>
+            <a:off x="0" y="8685213"/>
+            <a:ext cx="2971800" cy="458787"/>
+          </a:xfrm>
+          <a:prstGeom prst="rect">
+            <a:avLst/>
+          </a:prstGeom>
+        </p:spPr>
+        <p:txBody>
+          <a:bodyPr vert="horz" lIns="91440" tIns="45720" rIns="91440" bIns="45720" rtlCol="0" anchor="b"/>
+          <a:lstStyle>
+            <a:lvl1pPr algn="l">
+              <a:defRPr sz="1200"/>
+            </a:lvl1pPr>
+          </a:lstStyle>
+          <a:p>
+            <a:endParaRPr lang="en-GB"/>
+          </a:p>
+        </p:txBody>
+      </p:sp>
+      <p:sp>
+        <p:nvSpPr>
+          <p:cNvPr id="7" name="Slide Number Placeholder 6"/>
+          <p:cNvSpPr>
+            <a:spLocks noGrp="1"/>
+          </p:cNvSpPr>
+          <p:nvPr>
+            <p:ph type="sldNum" sz="quarter" idx="5"/>
+          </p:nvPr>
+        </p:nvSpPr>
+        <p:spPr>
+          <a:xfrm>
+            <a:off x="3884613" y="8685213"/>
+            <a:ext cx="2971800" cy="458787"/>
+          </a:xfrm>
+          <a:prstGeom prst="rect">
+            <a:avLst/>
+          </a:prstGeom>
+        </p:spPr>
+        <p:txBody>
+          <a:bodyPr vert="horz" lIns="91440" tIns="45720" rIns="91440" bIns="45720" rtlCol="0" anchor="b"/>
+          <a:lstStyle>
+            <a:lvl1pPr algn="r">
+              <a:defRPr sz="1200"/>
+            </a:lvl1pPr>
+          </a:lstStyle>
+          <a:p>
+            <a:fld id="{7BE65DE3-F810-AB40-AF45-97AF60EBC8A2}" type="slidenum">
+              <a:rPr lang="en-GB" smtClean="0"/>
+              <a:t>‹#›</a:t>
+            </a:fld>
+            <a:endParaRPr lang="en-GB"/>
+          </a:p>
+        </p:txBody>
+      </p:sp>
+    </p:spTree>
+    <p:extLst>
+      <p:ext uri="{BB962C8B-B14F-4D97-AF65-F5344CB8AC3E}">
+        <p14:creationId xmlns:p14="http://schemas.microsoft.com/office/powerpoint/2010/main" val="1435002630"/>
+      </p:ext>
+    </p:extLst>
+  </p:cSld>
+  <p:clrMap bg1="lt1" tx1="dk1" bg2="lt2" tx2="dk2" accent1="accent1" accent2="accent2" accent3="accent3" accent4="accent4" accent5="accent5" accent6="accent6" hlink="hlink" folHlink="folHlink"/>
+  <p:notesStyle>
+    <a:lvl1pPr marL="0" algn="l" defTabSz="914400" rtl="0" eaLnBrk="1" latinLnBrk="0" hangingPunct="1">
+      <a:defRPr sz="1200" kern="1200">
+        <a:solidFill>
+          <a:schemeClr val="tx1"/>
+        </a:solidFill>
+        <a:latin typeface="+mn-lt"/>
+        <a:ea typeface="+mn-ea"/>
+        <a:cs typeface="+mn-cs"/>
+      </a:defRPr>
+    </a:lvl1pPr>
+    <a:lvl2pPr marL="457200" algn="l" defTabSz="914400" rtl="0" eaLnBrk="1" latinLnBrk="0" hangingPunct="1">
+      <a:defRPr sz="1200" kern="1200">
+        <a:solidFill>
+          <a:schemeClr val="tx1"/>
+        </a:solidFill>
+        <a:latin typeface="+mn-lt"/>
+        <a:ea typeface="+mn-ea"/>
+        <a:cs typeface="+mn-cs"/>
+      </a:defRPr>
+    </a:lvl2pPr>
+    <a:lvl3pPr marL="914400" algn="l" defTabSz="914400" rtl="0" eaLnBrk="1" latinLnBrk="0" hangingPunct="1">
+      <a:defRPr sz="1200" kern="1200">
+        <a:solidFill>
+          <a:schemeClr val="tx1"/>
+        </a:solidFill>
+        <a:latin typeface="+mn-lt"/>
+        <a:ea typeface="+mn-ea"/>
+        <a:cs typeface="+mn-cs"/>
+      </a:defRPr>
+    </a:lvl3pPr>
+    <a:lvl4pPr marL="1371600" algn="l" defTabSz="914400" rtl="0" eaLnBrk="1" latinLnBrk="0" hangingPunct="1">
+      <a:defRPr sz="1200" kern="1200">
+        <a:solidFill>
+          <a:schemeClr val="tx1"/>
+        </a:solidFill>
+        <a:latin typeface="+mn-lt"/>
+        <a:ea typeface="+mn-ea"/>
+        <a:cs typeface="+mn-cs"/>
+      </a:defRPr>
+    </a:lvl4pPr>
+    <a:lvl5pPr marL="1828800" algn="l" defTabSz="914400" rtl="0" eaLnBrk="1" latinLnBrk="0" hangingPunct="1">
+      <a:defRPr sz="1200" kern="1200">
+        <a:solidFill>
+          <a:schemeClr val="tx1"/>
+        </a:solidFill>
+        <a:latin typeface="+mn-lt"/>
+        <a:ea typeface="+mn-ea"/>
+        <a:cs typeface="+mn-cs"/>
+      </a:defRPr>
+    </a:lvl5pPr>
+    <a:lvl6pPr marL="2286000" algn="l" defTabSz="914400" rtl="0" eaLnBrk="1" latinLnBrk="0" hangingPunct="1">
+      <a:defRPr sz="1200" kern="1200">
+        <a:solidFill>
+          <a:schemeClr val="tx1"/>
+        </a:solidFill>
+        <a:latin typeface="+mn-lt"/>
+        <a:ea typeface="+mn-ea"/>
+        <a:cs typeface="+mn-cs"/>
+      </a:defRPr>
+    </a:lvl6pPr>
+    <a:lvl7pPr marL="2743200" algn="l" defTabSz="914400" rtl="0" eaLnBrk="1" latinLnBrk="0" hangingPunct="1">
+      <a:defRPr sz="1200" kern="1200">
+        <a:solidFill>
+          <a:schemeClr val="tx1"/>
+        </a:solidFill>
+        <a:latin typeface="+mn-lt"/>
+        <a:ea typeface="+mn-ea"/>
+        <a:cs typeface="+mn-cs"/>
+      </a:defRPr>
+    </a:lvl7pPr>
+    <a:lvl8pPr marL="3200400" algn="l" defTabSz="914400" rtl="0" eaLnBrk="1" latinLnBrk="0" hangingPunct="1">
+      <a:defRPr sz="1200" kern="1200">
+        <a:solidFill>
+          <a:schemeClr val="tx1"/>
+        </a:solidFill>
+        <a:latin typeface="+mn-lt"/>
+        <a:ea typeface="+mn-ea"/>
+        <a:cs typeface="+mn-cs"/>
+      </a:defRPr>
+    </a:lvl8pPr>
+    <a:lvl9pPr marL="3657600" algn="l" defTabSz="914400" rtl="0" eaLnBrk="1" latinLnBrk="0" hangingPunct="1">
+      <a:defRPr sz="1200" kern="1200">
+        <a:solidFill>
+          <a:schemeClr val="tx1"/>
+        </a:solidFill>
+        <a:latin typeface="+mn-lt"/>
+        <a:ea typeface="+mn-ea"/>
+        <a:cs typeface="+mn-cs"/>
+      </a:defRPr>
+    </a:lvl9pPr>
+  </p:notesStyle>
+</p:notesMaster>
 </file>
 
 <file path=ppt/slideLayouts/slideLayout1.xml><?xml version="1.0" encoding="utf-8"?>
@@ -245,10 +605,9 @@
           </a:lstStyle>
           <a:p>
             <a:pPr lvl="0"/>
-            <a:fld id="{CA127D0E-6E9F-48E2-A6F6-958C5757F840}" type="datetime1">
-              <a:rPr lang="en-US"/>
-              <a:pPr lvl="0"/>
-              <a:t>6/20/2025</a:t>
+            <a:fld id="{44118C3E-6504-2443-8EAB-FB8F3C93C48A}" type="datetime1">
+              <a:rPr lang="de-CH" smtClean="0"/>
+              <a:t>20.06.25</a:t>
             </a:fld>
             <a:endParaRPr lang="en-US"/>
           </a:p>
@@ -327,7 +686,6 @@
   <p:clrMapOvr>
     <a:masterClrMapping/>
   </p:clrMapOvr>
-  <p:hf sldNum="0" hdr="0" ftr="0" dt="0"/>
 </p:sldLayout>
 </file>
 
@@ -480,10 +838,9 @@
           </a:lstStyle>
           <a:p>
             <a:pPr lvl="0"/>
-            <a:fld id="{BA388914-9250-48C9-AB13-0C713AF22295}" type="datetime1">
-              <a:rPr lang="en-US"/>
-              <a:pPr lvl="0"/>
-              <a:t>6/20/2025</a:t>
+            <a:fld id="{7339E242-9A56-304A-AFC3-8AEC628171D2}" type="datetime1">
+              <a:rPr lang="de-CH" smtClean="0"/>
+              <a:t>20.06.25</a:t>
             </a:fld>
             <a:endParaRPr lang="en-US"/>
           </a:p>
@@ -724,10 +1081,9 @@
           </a:lstStyle>
           <a:p>
             <a:pPr lvl="0"/>
-            <a:fld id="{516391FC-CEE7-4B3D-A05D-2A21D3EC145C}" type="datetime1">
-              <a:rPr lang="en-US"/>
-              <a:pPr lvl="0"/>
-              <a:t>6/20/2025</a:t>
+            <a:fld id="{49E40743-AD7F-1141-922E-C39DCCFF6C11}" type="datetime1">
+              <a:rPr lang="de-CH" smtClean="0"/>
+              <a:t>20.06.25</a:t>
             </a:fld>
             <a:endParaRPr lang="en-US"/>
           </a:p>
@@ -958,10 +1314,9 @@
           </a:lstStyle>
           <a:p>
             <a:pPr lvl="0"/>
-            <a:fld id="{A9A7864D-7EAA-4A5B-944E-AEF443142B94}" type="datetime1">
-              <a:rPr lang="en-US"/>
-              <a:pPr lvl="0"/>
-              <a:t>6/20/2025</a:t>
+            <a:fld id="{17B832AB-1CD7-134E-80A3-8E8CB05B7048}" type="datetime1">
+              <a:rPr lang="de-CH" smtClean="0"/>
+              <a:t>20.06.25</a:t>
             </a:fld>
             <a:endParaRPr lang="en-US"/>
           </a:p>
@@ -1040,7 +1395,6 @@
   <p:clrMapOvr>
     <a:masterClrMapping/>
   </p:clrMapOvr>
-  <p:hf sldNum="0" hdr="0" ftr="0" dt="0"/>
 </p:sldLayout>
 </file>
 
@@ -1168,10 +1522,9 @@
           </a:lstStyle>
           <a:p>
             <a:pPr lvl="0"/>
-            <a:fld id="{32AE62DA-F4D7-43F8-9A19-B20963314169}" type="datetime1">
-              <a:rPr lang="en-US"/>
-              <a:pPr lvl="0"/>
-              <a:t>6/20/2025</a:t>
+            <a:fld id="{6DE874C7-E477-8945-89C7-0D2B3F0ECDD6}" type="datetime1">
+              <a:rPr lang="de-CH" smtClean="0"/>
+              <a:t>20.06.25</a:t>
             </a:fld>
             <a:endParaRPr lang="en-US"/>
           </a:p>
@@ -1485,10 +1838,9 @@
           </a:lstStyle>
           <a:p>
             <a:pPr lvl="0"/>
-            <a:fld id="{686F7FDD-E2B5-4231-A8A0-994D1C9330B1}" type="datetime1">
-              <a:rPr lang="en-US"/>
-              <a:pPr lvl="0"/>
-              <a:t>6/20/2025</a:t>
+            <a:fld id="{19DBA2D9-514B-CF45-B671-28351EA95063}" type="datetime1">
+              <a:rPr lang="de-CH" smtClean="0"/>
+              <a:t>20.06.25</a:t>
             </a:fld>
             <a:endParaRPr lang="en-US"/>
           </a:p>
@@ -1889,10 +2241,9 @@
           </a:lstStyle>
           <a:p>
             <a:pPr lvl="0"/>
-            <a:fld id="{013318B1-3585-44EE-BEB6-DB8B4D2B2D14}" type="datetime1">
-              <a:rPr lang="en-US"/>
-              <a:pPr lvl="0"/>
-              <a:t>6/20/2025</a:t>
+            <a:fld id="{E72DAFC8-10A8-944A-952A-70D40049CC07}" type="datetime1">
+              <a:rPr lang="de-CH" smtClean="0"/>
+              <a:t>20.06.25</a:t>
             </a:fld>
             <a:endParaRPr lang="en-US"/>
           </a:p>
@@ -2050,10 +2401,9 @@
           </a:lstStyle>
           <a:p>
             <a:pPr lvl="0"/>
-            <a:fld id="{445BE790-ED22-4BC6-BAC3-61972C018AFA}" type="datetime1">
-              <a:rPr lang="en-US"/>
-              <a:pPr lvl="0"/>
-              <a:t>6/20/2025</a:t>
+            <a:fld id="{04968418-F272-2A4B-9A0C-5558B69EB9CB}" type="datetime1">
+              <a:rPr lang="de-CH" smtClean="0"/>
+              <a:t>20.06.25</a:t>
             </a:fld>
             <a:endParaRPr lang="en-US"/>
           </a:p>
@@ -2178,10 +2528,9 @@
           </a:lstStyle>
           <a:p>
             <a:pPr lvl="0"/>
-            <a:fld id="{2673AF8D-ACF5-48E8-A1C8-D2D44794544B}" type="datetime1">
-              <a:rPr lang="en-US"/>
-              <a:pPr lvl="0"/>
-              <a:t>6/20/2025</a:t>
+            <a:fld id="{F67657A6-FD19-0648-A496-6E1D8E422836}" type="datetime1">
+              <a:rPr lang="de-CH" smtClean="0"/>
+              <a:t>20.06.25</a:t>
             </a:fld>
             <a:endParaRPr lang="en-US"/>
           </a:p>
@@ -2461,10 +2810,9 @@
           </a:lstStyle>
           <a:p>
             <a:pPr lvl="0"/>
-            <a:fld id="{C3BB0D39-2DD7-40E0-8F33-84472BC7D2E5}" type="datetime1">
-              <a:rPr lang="en-US"/>
-              <a:pPr lvl="0"/>
-              <a:t>6/20/2025</a:t>
+            <a:fld id="{FDF58C0B-27E2-0744-AB01-64BC40BD87CD}" type="datetime1">
+              <a:rPr lang="de-CH" smtClean="0"/>
+              <a:t>20.06.25</a:t>
             </a:fld>
             <a:endParaRPr lang="en-US"/>
           </a:p>
@@ -2705,10 +3053,9 @@
           </a:lstStyle>
           <a:p>
             <a:pPr lvl="0"/>
-            <a:fld id="{DCD08CB4-E42C-4DBC-9B4E-36AB2F670088}" type="datetime1">
-              <a:rPr lang="en-US"/>
-              <a:pPr lvl="0"/>
-              <a:t>6/20/2025</a:t>
+            <a:fld id="{77D1E375-A264-904C-B987-1F3ACB244BE6}" type="datetime1">
+              <a:rPr lang="de-CH" smtClean="0"/>
+              <a:t>20.06.25</a:t>
             </a:fld>
             <a:endParaRPr lang="en-US"/>
           </a:p>
@@ -2787,7 +3134,6 @@
   <p:clrMapOvr>
     <a:masterClrMapping/>
   </p:clrMapOvr>
-  <p:hf sldNum="0" hdr="0" ftr="0" dt="0"/>
 </p:sldLayout>
 </file>
 
@@ -2987,10 +3333,9 @@
           </a:lstStyle>
           <a:p>
             <a:pPr lvl="0"/>
-            <a:fld id="{1F966D0A-C26C-4195-8AB2-E82ED9AE9284}" type="datetime1">
-              <a:rPr lang="en-US"/>
-              <a:pPr lvl="0"/>
-              <a:t>6/20/2025</a:t>
+            <a:fld id="{A9210A49-F2D8-F343-B6B4-1DCB1AD1C655}" type="datetime1">
+              <a:rPr lang="de-CH" smtClean="0"/>
+              <a:t>20.06.25</a:t>
             </a:fld>
             <a:endParaRPr lang="en-US"/>
           </a:p>
@@ -3197,6 +3542,7 @@
     <p:sldLayoutId id="2147483658" r:id="rId10"/>
     <p:sldLayoutId id="2147483659" r:id="rId11"/>
   </p:sldLayoutIdLst>
+  <p:hf hdr="0" ftr="0" dt="0"/>
   <p:txStyles>
     <p:titleStyle>
       <a:lvl1pPr marL="0" marR="0" lvl="0" indent="0" algn="l" defTabSz="914400" rtl="0" fontAlgn="auto" hangingPunct="1">
@@ -3857,11 +4203,53 @@
           </a:ln>
         </p:spPr>
       </p:cxnSp>
+      <p:sp>
+        <p:nvSpPr>
+          <p:cNvPr id="9" name="Slide Number Placeholder 8">
+            <a:extLst>
+              <a:ext uri="{FF2B5EF4-FFF2-40B4-BE49-F238E27FC236}">
+                <a16:creationId xmlns:a16="http://schemas.microsoft.com/office/drawing/2014/main" id="{6B474A34-96CA-E2E2-2293-73C9C355C732}"/>
+              </a:ext>
+            </a:extLst>
+          </p:cNvPr>
+          <p:cNvSpPr>
+            <a:spLocks noGrp="1"/>
+          </p:cNvSpPr>
+          <p:nvPr>
+            <p:ph type="sldNum" sz="quarter" idx="8"/>
+          </p:nvPr>
+        </p:nvSpPr>
+        <p:spPr/>
+        <p:txBody>
+          <a:bodyPr/>
+          <a:lstStyle/>
+          <a:p>
+            <a:pPr lvl="0"/>
+            <a:fld id="{B6147AFE-B9AE-4699-A291-61225CDA94C4}" type="slidenum">
+              <a:rPr lang="en-CH" smtClean="0"/>
+              <a:t>1</a:t>
+            </a:fld>
+            <a:endParaRPr lang="en-CH"/>
+          </a:p>
+        </p:txBody>
+      </p:sp>
     </p:spTree>
   </p:cSld>
   <p:clrMapOvr>
     <a:masterClrMapping/>
   </p:clrMapOvr>
+  <mc:AlternateContent xmlns:mc="http://schemas.openxmlformats.org/markup-compatibility/2006">
+    <mc:Choice xmlns:p159="http://schemas.microsoft.com/office/powerpoint/2015/09/main" Requires="p159">
+      <p:transition xmlns:p14="http://schemas.microsoft.com/office/powerpoint/2010/main" spd="slow" p14:dur="2000">
+        <p159:morph option="byWord"/>
+      </p:transition>
+    </mc:Choice>
+    <mc:Fallback>
+      <p:transition spd="slow">
+        <p:fade/>
+      </p:transition>
+    </mc:Fallback>
+  </mc:AlternateContent>
   <p:timing>
     <p:tnLst>
       <p:par>
@@ -4005,7 +4393,7 @@
 
 <file path=ppt/slides/slide10.xml><?xml version="1.0" encoding="utf-8"?>
 <p:sld xmlns:a="http://schemas.openxmlformats.org/drawingml/2006/main" xmlns:r="http://schemas.openxmlformats.org/officeDocument/2006/relationships" xmlns:p="http://schemas.openxmlformats.org/presentationml/2006/main">
-  <p:cSld name="Slide8">
+  <p:cSld name="Slide6">
     <p:spTree>
       <p:nvGrpSpPr>
         <p:cNvPr id="1" name=""/>
@@ -4025,7 +4413,7 @@
           <p:cNvPr id="2" name="Title 1">
             <a:extLst>
               <a:ext uri="{FF2B5EF4-FFF2-40B4-BE49-F238E27FC236}">
-                <a16:creationId xmlns:a16="http://schemas.microsoft.com/office/drawing/2014/main" id="{96C4E1D3-CF62-E053-C37B-B8382B6EC480}"/>
+                <a16:creationId xmlns:a16="http://schemas.microsoft.com/office/drawing/2014/main" id="{55EB9E50-01A2-9DD3-B3D8-5870874889CD}"/>
               </a:ext>
             </a:extLst>
           </p:cNvPr>
@@ -4036,15 +4424,20 @@
             <p:ph type="title"/>
           </p:nvPr>
         </p:nvSpPr>
-        <p:spPr/>
+        <p:spPr>
+          <a:xfrm>
+            <a:off x="700631" y="1065376"/>
+            <a:ext cx="10691265" cy="782918"/>
+          </a:xfrm>
+        </p:spPr>
         <p:txBody>
           <a:bodyPr/>
           <a:lstStyle/>
           <a:p>
             <a:pPr lvl="0"/>
             <a:r>
-              <a:rPr lang="en-CA"/>
-              <a:t>Local shap</a:t>
+              <a:rPr lang="en-CA" sz="3600"/>
+              <a:t>Initial Models development and prioritization</a:t>
             </a:r>
           </a:p>
         </p:txBody>
@@ -4054,7 +4447,7 @@
           <p:cNvPr id="3" name="Content Placeholder 2">
             <a:extLst>
               <a:ext uri="{FF2B5EF4-FFF2-40B4-BE49-F238E27FC236}">
-                <a16:creationId xmlns:a16="http://schemas.microsoft.com/office/drawing/2014/main" id="{325678ED-9B53-C954-D425-FE99D105D72C}"/>
+                <a16:creationId xmlns:a16="http://schemas.microsoft.com/office/drawing/2014/main" id="{7FAAE895-101C-3E39-1114-96B5602607E3}"/>
               </a:ext>
             </a:extLst>
           </p:cNvPr>
@@ -4065,12 +4458,578 @@
             <p:ph idx="1"/>
           </p:nvPr>
         </p:nvSpPr>
-        <p:spPr/>
+        <p:spPr>
+          <a:xfrm>
+            <a:off x="700631" y="3040764"/>
+            <a:ext cx="3429109" cy="3288319"/>
+          </a:xfrm>
+        </p:spPr>
         <p:txBody>
           <a:bodyPr/>
           <a:lstStyle/>
           <a:p>
-            <a:endParaRPr lang="en-CA"/>
+            <a:pPr lvl="0"/>
+            <a:r>
+              <a:rPr lang="en-CA" dirty="0"/>
+              <a:t>Model 1</a:t>
+            </a:r>
+          </a:p>
+          <a:p>
+            <a:pPr lvl="1"/>
+            <a:r>
+              <a:rPr lang="en-CA" dirty="0"/>
+              <a:t>Random forest classifier</a:t>
+            </a:r>
+          </a:p>
+          <a:p>
+            <a:pPr marL="457200" lvl="1" indent="0">
+              <a:buNone/>
+            </a:pPr>
+            <a:r>
+              <a:rPr lang="en-CA" dirty="0"/>
+              <a:t>	- min leaf sample: 1</a:t>
+            </a:r>
+          </a:p>
+          <a:p>
+            <a:pPr marL="457200" lvl="1" indent="0">
+              <a:buNone/>
+            </a:pPr>
+            <a:r>
+              <a:rPr lang="en-CA" dirty="0"/>
+              <a:t>	- min sample split: 3</a:t>
+            </a:r>
+          </a:p>
+          <a:p>
+            <a:pPr marL="457200" lvl="1" indent="0">
+              <a:buNone/>
+            </a:pPr>
+            <a:r>
+              <a:rPr lang="en-CA" dirty="0"/>
+              <a:t>	- </a:t>
+            </a:r>
+            <a:r>
+              <a:rPr lang="en-CA" dirty="0" err="1"/>
+              <a:t>n_estimators</a:t>
+            </a:r>
+            <a:r>
+              <a:rPr lang="en-CA" dirty="0"/>
+              <a:t>: 155</a:t>
+            </a:r>
+          </a:p>
+        </p:txBody>
+      </p:sp>
+      <p:sp>
+        <p:nvSpPr>
+          <p:cNvPr id="4" name="Content Placeholder 2">
+            <a:extLst>
+              <a:ext uri="{FF2B5EF4-FFF2-40B4-BE49-F238E27FC236}">
+                <a16:creationId xmlns:a16="http://schemas.microsoft.com/office/drawing/2014/main" id="{19CE05BA-753C-8E01-85A6-7269046F5EAF}"/>
+              </a:ext>
+            </a:extLst>
+          </p:cNvPr>
+          <p:cNvSpPr txBox="1"/>
+          <p:nvPr/>
+        </p:nvSpPr>
+        <p:spPr>
+          <a:xfrm>
+            <a:off x="4331704" y="3040764"/>
+            <a:ext cx="3429109" cy="3288319"/>
+          </a:xfrm>
+          <a:prstGeom prst="rect">
+            <a:avLst/>
+          </a:prstGeom>
+          <a:noFill/>
+          <a:ln cap="flat">
+            <a:noFill/>
+          </a:ln>
+        </p:spPr>
+        <p:txBody>
+          <a:bodyPr vert="horz" wrap="square" lIns="91440" tIns="45720" rIns="91440" bIns="45720" anchor="t" anchorCtr="0" compatLnSpc="1">
+            <a:normAutofit/>
+          </a:bodyPr>
+          <a:lstStyle/>
+          <a:p>
+            <a:pPr marL="228600" marR="0" lvl="0" indent="-228600" algn="l" defTabSz="914400" rtl="0" fontAlgn="auto" hangingPunct="1">
+              <a:lnSpc>
+                <a:spcPct val="110000"/>
+              </a:lnSpc>
+              <a:spcBef>
+                <a:spcPts val="1000"/>
+              </a:spcBef>
+              <a:spcAft>
+                <a:spcPts val="0"/>
+              </a:spcAft>
+              <a:buSzPct val="100000"/>
+              <a:buFont typeface="Arial" pitchFamily="34"/>
+              <a:buChar char="•"/>
+              <a:tabLst/>
+              <a:defRPr sz="1800" b="0" i="0" u="none" strike="noStrike" kern="0" cap="none" spc="0" baseline="0">
+                <a:solidFill>
+                  <a:srgbClr val="000000"/>
+                </a:solidFill>
+                <a:uFillTx/>
+              </a:defRPr>
+            </a:pPr>
+            <a:r>
+              <a:rPr lang="en-CA" sz="2000" b="0" i="0" u="none" strike="noStrike" kern="1200" cap="none" spc="0" baseline="0" dirty="0">
+                <a:solidFill>
+                  <a:srgbClr val="000000"/>
+                </a:solidFill>
+                <a:uFillTx/>
+                <a:latin typeface="Calisto MT"/>
+              </a:rPr>
+              <a:t>Model 2</a:t>
+            </a:r>
+          </a:p>
+          <a:p>
+            <a:pPr marL="685800" marR="0" lvl="1" indent="-228600" algn="l" defTabSz="914400" rtl="0" fontAlgn="auto" hangingPunct="1">
+              <a:lnSpc>
+                <a:spcPct val="110000"/>
+              </a:lnSpc>
+              <a:spcBef>
+                <a:spcPts val="500"/>
+              </a:spcBef>
+              <a:spcAft>
+                <a:spcPts val="0"/>
+              </a:spcAft>
+              <a:buSzPct val="100000"/>
+              <a:buFont typeface="Arial" pitchFamily="34"/>
+              <a:buChar char="•"/>
+              <a:tabLst/>
+              <a:defRPr sz="1800" b="0" i="0" u="none" strike="noStrike" kern="0" cap="none" spc="0" baseline="0">
+                <a:solidFill>
+                  <a:srgbClr val="000000"/>
+                </a:solidFill>
+                <a:uFillTx/>
+              </a:defRPr>
+            </a:pPr>
+            <a:r>
+              <a:rPr lang="en-CA" sz="1800" b="0" i="0" u="none" strike="noStrike" kern="1200" cap="none" spc="0" baseline="0" dirty="0">
+                <a:solidFill>
+                  <a:srgbClr val="000000"/>
+                </a:solidFill>
+                <a:uFillTx/>
+                <a:latin typeface="Calisto MT"/>
+              </a:rPr>
+              <a:t>XGB classifier</a:t>
+            </a:r>
+          </a:p>
+          <a:p>
+            <a:pPr marL="457200" marR="0" lvl="1" indent="0" algn="l" defTabSz="914400" rtl="0" fontAlgn="auto" hangingPunct="1">
+              <a:lnSpc>
+                <a:spcPct val="110000"/>
+              </a:lnSpc>
+              <a:spcBef>
+                <a:spcPts val="500"/>
+              </a:spcBef>
+              <a:spcAft>
+                <a:spcPts val="0"/>
+              </a:spcAft>
+              <a:buNone/>
+              <a:tabLst/>
+              <a:defRPr sz="1800" b="0" i="0" u="none" strike="noStrike" kern="0" cap="none" spc="0" baseline="0">
+                <a:solidFill>
+                  <a:srgbClr val="000000"/>
+                </a:solidFill>
+                <a:uFillTx/>
+              </a:defRPr>
+            </a:pPr>
+            <a:r>
+              <a:rPr lang="en-CA" sz="1800" b="0" i="0" u="none" strike="noStrike" kern="1200" cap="none" spc="0" baseline="0" dirty="0">
+                <a:solidFill>
+                  <a:srgbClr val="000000"/>
+                </a:solidFill>
+                <a:uFillTx/>
+                <a:latin typeface="Calisto MT"/>
+              </a:rPr>
+              <a:t>	- learning rate: 0.1</a:t>
+            </a:r>
+          </a:p>
+          <a:p>
+            <a:pPr marL="457200" marR="0" lvl="1" indent="0" algn="l" defTabSz="914400" rtl="0" fontAlgn="auto" hangingPunct="1">
+              <a:lnSpc>
+                <a:spcPct val="110000"/>
+              </a:lnSpc>
+              <a:spcBef>
+                <a:spcPts val="500"/>
+              </a:spcBef>
+              <a:spcAft>
+                <a:spcPts val="0"/>
+              </a:spcAft>
+              <a:buNone/>
+              <a:tabLst/>
+              <a:defRPr sz="1800" b="0" i="0" u="none" strike="noStrike" kern="0" cap="none" spc="0" baseline="0">
+                <a:solidFill>
+                  <a:srgbClr val="000000"/>
+                </a:solidFill>
+                <a:uFillTx/>
+              </a:defRPr>
+            </a:pPr>
+            <a:r>
+              <a:rPr lang="en-CA" sz="1800" b="0" i="0" u="none" strike="noStrike" kern="1200" cap="none" spc="0" baseline="0" dirty="0">
+                <a:solidFill>
+                  <a:srgbClr val="000000"/>
+                </a:solidFill>
+                <a:uFillTx/>
+                <a:latin typeface="Calisto MT"/>
+              </a:rPr>
+              <a:t>	- </a:t>
+            </a:r>
+            <a:r>
+              <a:rPr lang="en-CA" sz="1800" b="0" i="0" u="none" strike="noStrike" kern="1200" cap="none" spc="0" baseline="0" dirty="0" err="1">
+                <a:solidFill>
+                  <a:srgbClr val="000000"/>
+                </a:solidFill>
+                <a:uFillTx/>
+                <a:latin typeface="Calisto MT"/>
+              </a:rPr>
+              <a:t>max_depth</a:t>
+            </a:r>
+            <a:r>
+              <a:rPr lang="en-CA" sz="1800" b="0" i="0" u="none" strike="noStrike" kern="1200" cap="none" spc="0" baseline="0" dirty="0">
+                <a:solidFill>
+                  <a:srgbClr val="000000"/>
+                </a:solidFill>
+                <a:uFillTx/>
+                <a:latin typeface="Calisto MT"/>
+              </a:rPr>
+              <a:t>: 2</a:t>
+            </a:r>
+          </a:p>
+          <a:p>
+            <a:pPr marL="457200" marR="0" lvl="1" indent="0" algn="l" defTabSz="914400" rtl="0" fontAlgn="auto" hangingPunct="1">
+              <a:lnSpc>
+                <a:spcPct val="110000"/>
+              </a:lnSpc>
+              <a:spcBef>
+                <a:spcPts val="500"/>
+              </a:spcBef>
+              <a:spcAft>
+                <a:spcPts val="0"/>
+              </a:spcAft>
+              <a:buNone/>
+              <a:tabLst/>
+              <a:defRPr sz="1800" b="0" i="0" u="none" strike="noStrike" kern="0" cap="none" spc="0" baseline="0">
+                <a:solidFill>
+                  <a:srgbClr val="000000"/>
+                </a:solidFill>
+                <a:uFillTx/>
+              </a:defRPr>
+            </a:pPr>
+            <a:r>
+              <a:rPr lang="en-CA" sz="1800" b="0" i="0" u="none" strike="noStrike" kern="1200" cap="none" spc="0" baseline="0" dirty="0">
+                <a:solidFill>
+                  <a:srgbClr val="000000"/>
+                </a:solidFill>
+                <a:uFillTx/>
+                <a:latin typeface="Calisto MT"/>
+              </a:rPr>
+              <a:t>	- </a:t>
+            </a:r>
+            <a:r>
+              <a:rPr lang="en-CA" sz="1800" b="0" i="0" u="none" strike="noStrike" kern="1200" cap="none" spc="0" baseline="0" dirty="0" err="1">
+                <a:solidFill>
+                  <a:srgbClr val="000000"/>
+                </a:solidFill>
+                <a:uFillTx/>
+                <a:latin typeface="Calisto MT"/>
+              </a:rPr>
+              <a:t>n_estimators</a:t>
+            </a:r>
+            <a:r>
+              <a:rPr lang="en-CA" sz="1800" b="0" i="0" u="none" strike="noStrike" kern="1200" cap="none" spc="0" baseline="0" dirty="0">
+                <a:solidFill>
+                  <a:srgbClr val="000000"/>
+                </a:solidFill>
+                <a:uFillTx/>
+                <a:latin typeface="Calisto MT"/>
+              </a:rPr>
+              <a:t>: 95</a:t>
+            </a:r>
+          </a:p>
+        </p:txBody>
+      </p:sp>
+      <p:sp>
+        <p:nvSpPr>
+          <p:cNvPr id="5" name="Content Placeholder 2">
+            <a:extLst>
+              <a:ext uri="{FF2B5EF4-FFF2-40B4-BE49-F238E27FC236}">
+                <a16:creationId xmlns:a16="http://schemas.microsoft.com/office/drawing/2014/main" id="{AD49F45B-5D49-E225-E2D2-75ACE2E6FC9A}"/>
+              </a:ext>
+            </a:extLst>
+          </p:cNvPr>
+          <p:cNvSpPr txBox="1"/>
+          <p:nvPr/>
+        </p:nvSpPr>
+        <p:spPr>
+          <a:xfrm>
+            <a:off x="7962787" y="3040764"/>
+            <a:ext cx="3631082" cy="3288319"/>
+          </a:xfrm>
+          <a:prstGeom prst="rect">
+            <a:avLst/>
+          </a:prstGeom>
+          <a:noFill/>
+          <a:ln cap="flat">
+            <a:noFill/>
+          </a:ln>
+        </p:spPr>
+        <p:txBody>
+          <a:bodyPr vert="horz" wrap="square" lIns="91440" tIns="45720" rIns="91440" bIns="45720" anchor="t" anchorCtr="0" compatLnSpc="1">
+            <a:normAutofit/>
+          </a:bodyPr>
+          <a:lstStyle/>
+          <a:p>
+            <a:pPr marL="228600" marR="0" lvl="0" indent="-228600" algn="l" defTabSz="914400" rtl="0" fontAlgn="auto" hangingPunct="1">
+              <a:lnSpc>
+                <a:spcPct val="110000"/>
+              </a:lnSpc>
+              <a:spcBef>
+                <a:spcPts val="1000"/>
+              </a:spcBef>
+              <a:spcAft>
+                <a:spcPts val="0"/>
+              </a:spcAft>
+              <a:buSzPct val="100000"/>
+              <a:buFont typeface="Arial" pitchFamily="34"/>
+              <a:buChar char="•"/>
+              <a:tabLst/>
+              <a:defRPr sz="1800" b="0" i="0" u="none" strike="noStrike" kern="0" cap="none" spc="0" baseline="0">
+                <a:solidFill>
+                  <a:srgbClr val="000000"/>
+                </a:solidFill>
+                <a:uFillTx/>
+              </a:defRPr>
+            </a:pPr>
+            <a:r>
+              <a:rPr lang="en-CA" sz="2000" b="0" i="0" u="none" strike="noStrike" kern="1200" cap="none" spc="0" baseline="0" dirty="0">
+                <a:solidFill>
+                  <a:srgbClr val="000000"/>
+                </a:solidFill>
+                <a:uFillTx/>
+                <a:latin typeface="Calisto MT"/>
+              </a:rPr>
+              <a:t>Model 3</a:t>
+            </a:r>
+          </a:p>
+          <a:p>
+            <a:pPr marL="685800" marR="0" lvl="1" indent="-228600" algn="l" defTabSz="914400" rtl="0" fontAlgn="auto" hangingPunct="1">
+              <a:lnSpc>
+                <a:spcPct val="110000"/>
+              </a:lnSpc>
+              <a:spcBef>
+                <a:spcPts val="500"/>
+              </a:spcBef>
+              <a:spcAft>
+                <a:spcPts val="0"/>
+              </a:spcAft>
+              <a:buSzPct val="100000"/>
+              <a:buFont typeface="Arial" pitchFamily="34"/>
+              <a:buChar char="•"/>
+              <a:tabLst/>
+              <a:defRPr sz="1800" b="0" i="0" u="none" strike="noStrike" kern="0" cap="none" spc="0" baseline="0">
+                <a:solidFill>
+                  <a:srgbClr val="000000"/>
+                </a:solidFill>
+                <a:uFillTx/>
+              </a:defRPr>
+            </a:pPr>
+            <a:r>
+              <a:rPr lang="en-CA" sz="1800" b="0" i="0" u="none" strike="noStrike" kern="1200" cap="none" spc="0" baseline="0" dirty="0">
+                <a:solidFill>
+                  <a:srgbClr val="000000"/>
+                </a:solidFill>
+                <a:uFillTx/>
+                <a:latin typeface="Calisto MT"/>
+              </a:rPr>
+              <a:t>MLP classifier</a:t>
+            </a:r>
+          </a:p>
+          <a:p>
+            <a:pPr marL="457200" marR="0" lvl="1" indent="0" algn="l" defTabSz="914400" rtl="0" fontAlgn="auto" hangingPunct="1">
+              <a:lnSpc>
+                <a:spcPct val="110000"/>
+              </a:lnSpc>
+              <a:spcBef>
+                <a:spcPts val="500"/>
+              </a:spcBef>
+              <a:spcAft>
+                <a:spcPts val="0"/>
+              </a:spcAft>
+              <a:buNone/>
+              <a:tabLst/>
+              <a:defRPr sz="1800" b="0" i="0" u="none" strike="noStrike" kern="0" cap="none" spc="0" baseline="0">
+                <a:solidFill>
+                  <a:srgbClr val="000000"/>
+                </a:solidFill>
+                <a:uFillTx/>
+              </a:defRPr>
+            </a:pPr>
+            <a:r>
+              <a:rPr lang="en-CA" sz="1800" b="0" i="0" u="none" strike="noStrike" kern="1200" cap="none" spc="0" baseline="0" dirty="0">
+                <a:solidFill>
+                  <a:srgbClr val="000000"/>
+                </a:solidFill>
+                <a:uFillTx/>
+                <a:latin typeface="Calisto MT"/>
+              </a:rPr>
+              <a:t>	- activation: tanh</a:t>
+            </a:r>
+          </a:p>
+          <a:p>
+            <a:pPr marL="457200" marR="0" lvl="1" indent="0" algn="l" defTabSz="914400" rtl="0" fontAlgn="auto" hangingPunct="1">
+              <a:lnSpc>
+                <a:spcPct val="110000"/>
+              </a:lnSpc>
+              <a:spcBef>
+                <a:spcPts val="500"/>
+              </a:spcBef>
+              <a:spcAft>
+                <a:spcPts val="0"/>
+              </a:spcAft>
+              <a:buNone/>
+              <a:tabLst/>
+              <a:defRPr sz="1800" b="0" i="0" u="none" strike="noStrike" kern="0" cap="none" spc="0" baseline="0">
+                <a:solidFill>
+                  <a:srgbClr val="000000"/>
+                </a:solidFill>
+                <a:uFillTx/>
+              </a:defRPr>
+            </a:pPr>
+            <a:r>
+              <a:rPr lang="en-CA" sz="1800" b="0" i="0" u="none" strike="noStrike" kern="1200" cap="none" spc="0" baseline="0" dirty="0">
+                <a:solidFill>
+                  <a:srgbClr val="000000"/>
+                </a:solidFill>
+                <a:uFillTx/>
+                <a:latin typeface="Calisto MT"/>
+              </a:rPr>
+              <a:t>	- alpha: 0.08</a:t>
+            </a:r>
+          </a:p>
+          <a:p>
+            <a:pPr marL="457200" marR="0" lvl="1" indent="0" algn="l" defTabSz="914400" rtl="0" fontAlgn="auto" hangingPunct="1">
+              <a:lnSpc>
+                <a:spcPct val="110000"/>
+              </a:lnSpc>
+              <a:spcBef>
+                <a:spcPts val="500"/>
+              </a:spcBef>
+              <a:spcAft>
+                <a:spcPts val="0"/>
+              </a:spcAft>
+              <a:buNone/>
+              <a:tabLst/>
+              <a:defRPr sz="1800" b="0" i="0" u="none" strike="noStrike" kern="0" cap="none" spc="0" baseline="0">
+                <a:solidFill>
+                  <a:srgbClr val="000000"/>
+                </a:solidFill>
+                <a:uFillTx/>
+              </a:defRPr>
+            </a:pPr>
+            <a:r>
+              <a:rPr lang="en-CA" sz="1800" b="0" i="0" u="none" strike="noStrike" kern="1200" cap="none" spc="0" baseline="0" dirty="0">
+                <a:solidFill>
+                  <a:srgbClr val="000000"/>
+                </a:solidFill>
+                <a:uFillTx/>
+                <a:latin typeface="Calisto MT"/>
+              </a:rPr>
+              <a:t>	- hidden layer size: (100, )</a:t>
+            </a:r>
+          </a:p>
+        </p:txBody>
+      </p:sp>
+      <p:sp>
+        <p:nvSpPr>
+          <p:cNvPr id="6" name="TextBox 6">
+            <a:extLst>
+              <a:ext uri="{FF2B5EF4-FFF2-40B4-BE49-F238E27FC236}">
+                <a16:creationId xmlns:a16="http://schemas.microsoft.com/office/drawing/2014/main" id="{1ED96FDD-153D-1CE7-9B71-88C3F6075DA6}"/>
+              </a:ext>
+            </a:extLst>
+          </p:cNvPr>
+          <p:cNvSpPr txBox="1"/>
+          <p:nvPr/>
+        </p:nvSpPr>
+        <p:spPr>
+          <a:xfrm>
+            <a:off x="3237570" y="2107280"/>
+            <a:ext cx="5716865" cy="415494"/>
+          </a:xfrm>
+          <a:prstGeom prst="rect">
+            <a:avLst/>
+          </a:prstGeom>
+          <a:noFill/>
+          <a:ln cap="flat">
+            <a:noFill/>
+          </a:ln>
+        </p:spPr>
+        <p:txBody>
+          <a:bodyPr vert="horz" wrap="square" lIns="91440" tIns="45720" rIns="91440" bIns="45720" anchor="t" anchorCtr="0" compatLnSpc="1">
+            <a:spAutoFit/>
+          </a:bodyPr>
+          <a:lstStyle/>
+          <a:p>
+            <a:pPr marL="0" marR="0" lvl="0" indent="0" algn="l" defTabSz="914400" rtl="0" fontAlgn="auto" hangingPunct="1">
+              <a:lnSpc>
+                <a:spcPct val="100000"/>
+              </a:lnSpc>
+              <a:spcBef>
+                <a:spcPts val="0"/>
+              </a:spcBef>
+              <a:spcAft>
+                <a:spcPts val="0"/>
+              </a:spcAft>
+              <a:buNone/>
+              <a:tabLst/>
+              <a:defRPr sz="1800" b="0" i="0" u="none" strike="noStrike" kern="0" cap="none" spc="0" baseline="0">
+                <a:solidFill>
+                  <a:srgbClr val="000000"/>
+                </a:solidFill>
+                <a:uFillTx/>
+              </a:defRPr>
+            </a:pPr>
+            <a:r>
+              <a:rPr lang="en-CA" sz="2100" b="1" i="0" u="none" strike="noStrike" kern="1200" cap="none" spc="0" baseline="0">
+                <a:solidFill>
+                  <a:srgbClr val="000000"/>
+                </a:solidFill>
+                <a:uFillTx/>
+                <a:latin typeface="Aptos"/>
+              </a:rPr>
+              <a:t>Optimize parameters using Grid Search CV (5)</a:t>
+            </a:r>
+          </a:p>
+        </p:txBody>
+      </p:sp>
+      <p:sp>
+        <p:nvSpPr>
+          <p:cNvPr id="7" name="Slide Number Placeholder 6">
+            <a:extLst>
+              <a:ext uri="{FF2B5EF4-FFF2-40B4-BE49-F238E27FC236}">
+                <a16:creationId xmlns:a16="http://schemas.microsoft.com/office/drawing/2014/main" id="{A024A91B-E2DA-E120-E787-2F32A690C73E}"/>
+              </a:ext>
+            </a:extLst>
+          </p:cNvPr>
+          <p:cNvSpPr>
+            <a:spLocks noGrp="1"/>
+          </p:cNvSpPr>
+          <p:nvPr>
+            <p:ph type="sldNum" sz="quarter" idx="8"/>
+          </p:nvPr>
+        </p:nvSpPr>
+        <p:spPr/>
+        <p:txBody>
+          <a:bodyPr/>
+          <a:lstStyle/>
+          <a:p>
+            <a:pPr lvl="0"/>
+            <a:fld id="{D77B7DE3-5275-4141-B2BD-BBADDBD1929D}" type="slidenum">
+              <a:rPr lang="en-CH" smtClean="0"/>
+              <a:t>10</a:t>
+            </a:fld>
+            <a:endParaRPr lang="en-CH"/>
           </a:p>
         </p:txBody>
       </p:sp>
@@ -4079,10 +5038,458 @@
   <p:clrMapOvr>
     <a:masterClrMapping/>
   </p:clrMapOvr>
+  <mc:AlternateContent xmlns:mc="http://schemas.openxmlformats.org/markup-compatibility/2006">
+    <mc:Choice xmlns:p159="http://schemas.microsoft.com/office/powerpoint/2015/09/main" Requires="p159">
+      <p:transition xmlns:p14="http://schemas.microsoft.com/office/powerpoint/2010/main" spd="slow" p14:dur="2000">
+        <p159:morph option="byWord"/>
+      </p:transition>
+    </mc:Choice>
+    <mc:Fallback>
+      <p:transition spd="slow">
+        <p:fade/>
+      </p:transition>
+    </mc:Fallback>
+  </mc:AlternateContent>
 </p:sld>
 </file>
 
 <file path=ppt/slides/slide11.xml><?xml version="1.0" encoding="utf-8"?>
+<p:sld xmlns:a="http://schemas.openxmlformats.org/drawingml/2006/main" xmlns:r="http://schemas.openxmlformats.org/officeDocument/2006/relationships" xmlns:p="http://schemas.openxmlformats.org/presentationml/2006/main">
+  <p:cSld name="Slide7">
+    <p:spTree>
+      <p:nvGrpSpPr>
+        <p:cNvPr id="1" name=""/>
+        <p:cNvGrpSpPr/>
+        <p:nvPr/>
+      </p:nvGrpSpPr>
+      <p:grpSpPr>
+        <a:xfrm>
+          <a:off x="0" y="0"/>
+          <a:ext cx="0" cy="0"/>
+          <a:chOff x="0" y="0"/>
+          <a:chExt cx="0" cy="0"/>
+        </a:xfrm>
+      </p:grpSpPr>
+      <p:sp>
+        <p:nvSpPr>
+          <p:cNvPr id="2" name="Rectangle 11">
+            <a:extLst>
+              <a:ext uri="{FF2B5EF4-FFF2-40B4-BE49-F238E27FC236}">
+                <a16:creationId xmlns:a16="http://schemas.microsoft.com/office/drawing/2014/main" id="{B90C477B-4DBC-865E-2CED-51CDBF63F2C5}"/>
+              </a:ext>
+            </a:extLst>
+          </p:cNvPr>
+          <p:cNvSpPr/>
+          <p:nvPr/>
+        </p:nvSpPr>
+        <p:spPr>
+          <a:xfrm>
+            <a:off x="3974357" y="2014066"/>
+            <a:ext cx="3913732" cy="4046073"/>
+          </a:xfrm>
+          <a:prstGeom prst="rect">
+            <a:avLst/>
+          </a:prstGeom>
+          <a:solidFill>
+            <a:srgbClr val="B4E5A2">
+              <a:alpha val="85000"/>
+            </a:srgbClr>
+          </a:solidFill>
+          <a:ln w="19046" cap="flat">
+            <a:solidFill>
+              <a:srgbClr val="042433"/>
+            </a:solidFill>
+            <a:prstDash val="solid"/>
+            <a:miter/>
+          </a:ln>
+        </p:spPr>
+        <p:txBody>
+          <a:bodyPr vert="horz" wrap="square" lIns="91440" tIns="45720" rIns="91440" bIns="45720" anchor="ctr" anchorCtr="1" compatLnSpc="1">
+            <a:noAutofit/>
+          </a:bodyPr>
+          <a:lstStyle/>
+          <a:p>
+            <a:pPr marL="0" marR="0" lvl="0" indent="0" algn="ctr" defTabSz="914400" rtl="0" fontAlgn="auto" hangingPunct="1">
+              <a:lnSpc>
+                <a:spcPct val="100000"/>
+              </a:lnSpc>
+              <a:spcBef>
+                <a:spcPts val="0"/>
+              </a:spcBef>
+              <a:spcAft>
+                <a:spcPts val="0"/>
+              </a:spcAft>
+              <a:buNone/>
+              <a:tabLst/>
+              <a:defRPr sz="1800" b="0" i="0" u="none" strike="noStrike" kern="0" cap="none" spc="0" baseline="0">
+                <a:solidFill>
+                  <a:srgbClr val="000000"/>
+                </a:solidFill>
+                <a:uFillTx/>
+              </a:defRPr>
+            </a:pPr>
+            <a:endParaRPr lang="en-CA" sz="1800" b="0" i="0" u="none" strike="noStrike" kern="1200" cap="none" spc="0" baseline="0">
+              <a:solidFill>
+                <a:srgbClr val="FFFFFF"/>
+              </a:solidFill>
+              <a:uFillTx/>
+              <a:latin typeface="Aptos"/>
+            </a:endParaRPr>
+          </a:p>
+        </p:txBody>
+      </p:sp>
+      <p:sp>
+        <p:nvSpPr>
+          <p:cNvPr id="3" name="Title 1">
+            <a:extLst>
+              <a:ext uri="{FF2B5EF4-FFF2-40B4-BE49-F238E27FC236}">
+                <a16:creationId xmlns:a16="http://schemas.microsoft.com/office/drawing/2014/main" id="{5DEA9B52-A07A-DC47-8CEB-21EB889EEF0D}"/>
+              </a:ext>
+            </a:extLst>
+          </p:cNvPr>
+          <p:cNvSpPr txBox="1">
+            <a:spLocks noGrp="1"/>
+          </p:cNvSpPr>
+          <p:nvPr>
+            <p:ph type="title"/>
+          </p:nvPr>
+        </p:nvSpPr>
+        <p:spPr/>
+        <p:txBody>
+          <a:bodyPr/>
+          <a:lstStyle/>
+          <a:p>
+            <a:pPr lvl="0"/>
+            <a:r>
+              <a:rPr lang="en-CA"/>
+              <a:t>Model performance metrics</a:t>
+            </a:r>
+          </a:p>
+        </p:txBody>
+      </p:sp>
+      <p:sp>
+        <p:nvSpPr>
+          <p:cNvPr id="4" name="Content Placeholder 2">
+            <a:extLst>
+              <a:ext uri="{FF2B5EF4-FFF2-40B4-BE49-F238E27FC236}">
+                <a16:creationId xmlns:a16="http://schemas.microsoft.com/office/drawing/2014/main" id="{016BACA2-99A1-783B-1280-D777F9A53DB8}"/>
+              </a:ext>
+            </a:extLst>
+          </p:cNvPr>
+          <p:cNvSpPr txBox="1">
+            <a:spLocks noGrp="1"/>
+          </p:cNvSpPr>
+          <p:nvPr>
+            <p:ph idx="1"/>
+          </p:nvPr>
+        </p:nvSpPr>
+        <p:spPr>
+          <a:xfrm>
+            <a:off x="423211" y="2337279"/>
+            <a:ext cx="3245223" cy="467422"/>
+          </a:xfrm>
+        </p:spPr>
+        <p:txBody>
+          <a:bodyPr/>
+          <a:lstStyle/>
+          <a:p>
+            <a:pPr lvl="0"/>
+            <a:r>
+              <a:rPr lang="en-CA"/>
+              <a:t>Random Forest Classifier</a:t>
+            </a:r>
+          </a:p>
+        </p:txBody>
+      </p:sp>
+      <p:sp>
+        <p:nvSpPr>
+          <p:cNvPr id="5" name="Content Placeholder 2">
+            <a:extLst>
+              <a:ext uri="{FF2B5EF4-FFF2-40B4-BE49-F238E27FC236}">
+                <a16:creationId xmlns:a16="http://schemas.microsoft.com/office/drawing/2014/main" id="{1AB1BAD2-2C9D-6C14-3C84-8785F937C993}"/>
+              </a:ext>
+            </a:extLst>
+          </p:cNvPr>
+          <p:cNvSpPr txBox="1"/>
+          <p:nvPr/>
+        </p:nvSpPr>
+        <p:spPr>
+          <a:xfrm>
+            <a:off x="4853159" y="2337279"/>
+            <a:ext cx="2156118" cy="467422"/>
+          </a:xfrm>
+          <a:prstGeom prst="rect">
+            <a:avLst/>
+          </a:prstGeom>
+          <a:noFill/>
+          <a:ln cap="flat">
+            <a:noFill/>
+          </a:ln>
+        </p:spPr>
+        <p:txBody>
+          <a:bodyPr vert="horz" wrap="square" lIns="91440" tIns="45720" rIns="91440" bIns="45720" anchor="t" anchorCtr="0" compatLnSpc="1">
+            <a:normAutofit/>
+          </a:bodyPr>
+          <a:lstStyle/>
+          <a:p>
+            <a:pPr marL="228600" marR="0" lvl="0" indent="-228600" algn="l" defTabSz="914400" rtl="0" fontAlgn="auto" hangingPunct="1">
+              <a:lnSpc>
+                <a:spcPct val="110000"/>
+              </a:lnSpc>
+              <a:spcBef>
+                <a:spcPts val="1000"/>
+              </a:spcBef>
+              <a:spcAft>
+                <a:spcPts val="0"/>
+              </a:spcAft>
+              <a:buSzPct val="100000"/>
+              <a:buFont typeface="Arial" pitchFamily="34"/>
+              <a:buChar char="•"/>
+              <a:tabLst/>
+              <a:defRPr sz="1800" b="0" i="0" u="none" strike="noStrike" kern="0" cap="none" spc="0" baseline="0">
+                <a:solidFill>
+                  <a:srgbClr val="000000"/>
+                </a:solidFill>
+                <a:uFillTx/>
+              </a:defRPr>
+            </a:pPr>
+            <a:r>
+              <a:rPr lang="en-CA" sz="2000" b="0" i="0" u="none" strike="noStrike" kern="1200" cap="none" spc="0" baseline="0">
+                <a:solidFill>
+                  <a:srgbClr val="000000"/>
+                </a:solidFill>
+                <a:uFillTx/>
+                <a:latin typeface="Calisto MT"/>
+              </a:rPr>
+              <a:t>XGB Classifier</a:t>
+            </a:r>
+          </a:p>
+        </p:txBody>
+      </p:sp>
+      <p:sp>
+        <p:nvSpPr>
+          <p:cNvPr id="6" name="Content Placeholder 2">
+            <a:extLst>
+              <a:ext uri="{FF2B5EF4-FFF2-40B4-BE49-F238E27FC236}">
+                <a16:creationId xmlns:a16="http://schemas.microsoft.com/office/drawing/2014/main" id="{9BFC8251-35A0-3420-17A7-4DD4B51A7D57}"/>
+              </a:ext>
+            </a:extLst>
+          </p:cNvPr>
+          <p:cNvSpPr txBox="1"/>
+          <p:nvPr/>
+        </p:nvSpPr>
+        <p:spPr>
+          <a:xfrm>
+            <a:off x="8756998" y="2337755"/>
+            <a:ext cx="2156118" cy="467422"/>
+          </a:xfrm>
+          <a:prstGeom prst="rect">
+            <a:avLst/>
+          </a:prstGeom>
+          <a:noFill/>
+          <a:ln cap="flat">
+            <a:noFill/>
+          </a:ln>
+        </p:spPr>
+        <p:txBody>
+          <a:bodyPr vert="horz" wrap="square" lIns="91440" tIns="45720" rIns="91440" bIns="45720" anchor="t" anchorCtr="0" compatLnSpc="1">
+            <a:normAutofit/>
+          </a:bodyPr>
+          <a:lstStyle/>
+          <a:p>
+            <a:pPr marL="228600" marR="0" lvl="0" indent="-228600" algn="l" defTabSz="914400" rtl="0" fontAlgn="auto" hangingPunct="1">
+              <a:lnSpc>
+                <a:spcPct val="110000"/>
+              </a:lnSpc>
+              <a:spcBef>
+                <a:spcPts val="1000"/>
+              </a:spcBef>
+              <a:spcAft>
+                <a:spcPts val="0"/>
+              </a:spcAft>
+              <a:buSzPct val="100000"/>
+              <a:buFont typeface="Arial" pitchFamily="34"/>
+              <a:buChar char="•"/>
+              <a:tabLst/>
+              <a:defRPr sz="1800" b="0" i="0" u="none" strike="noStrike" kern="0" cap="none" spc="0" baseline="0">
+                <a:solidFill>
+                  <a:srgbClr val="000000"/>
+                </a:solidFill>
+                <a:uFillTx/>
+              </a:defRPr>
+            </a:pPr>
+            <a:r>
+              <a:rPr lang="en-CA" sz="2000" b="0" i="0" u="none" strike="noStrike" kern="1200" cap="none" spc="0" baseline="0">
+                <a:solidFill>
+                  <a:srgbClr val="000000"/>
+                </a:solidFill>
+                <a:uFillTx/>
+                <a:latin typeface="Calisto MT"/>
+              </a:rPr>
+              <a:t>MLP Classifier</a:t>
+            </a:r>
+          </a:p>
+        </p:txBody>
+      </p:sp>
+      <p:sp>
+        <p:nvSpPr>
+          <p:cNvPr id="10" name="Slide Number Placeholder 9">
+            <a:extLst>
+              <a:ext uri="{FF2B5EF4-FFF2-40B4-BE49-F238E27FC236}">
+                <a16:creationId xmlns:a16="http://schemas.microsoft.com/office/drawing/2014/main" id="{A22D6521-FB91-246C-9A6B-65AA0B869D4E}"/>
+              </a:ext>
+            </a:extLst>
+          </p:cNvPr>
+          <p:cNvSpPr>
+            <a:spLocks noGrp="1"/>
+          </p:cNvSpPr>
+          <p:nvPr>
+            <p:ph type="sldNum" sz="quarter" idx="8"/>
+          </p:nvPr>
+        </p:nvSpPr>
+        <p:spPr/>
+        <p:txBody>
+          <a:bodyPr/>
+          <a:lstStyle/>
+          <a:p>
+            <a:pPr lvl="0"/>
+            <a:fld id="{D77B7DE3-5275-4141-B2BD-BBADDBD1929D}" type="slidenum">
+              <a:rPr lang="en-CH" smtClean="0"/>
+              <a:t>11</a:t>
+            </a:fld>
+            <a:endParaRPr lang="en-CH"/>
+          </a:p>
+        </p:txBody>
+      </p:sp>
+      <p:pic>
+        <p:nvPicPr>
+          <p:cNvPr id="12" name="Picture 11" descr="A screenshot of a computer&#10;&#10;AI-generated content may be incorrect.">
+            <a:extLst>
+              <a:ext uri="{FF2B5EF4-FFF2-40B4-BE49-F238E27FC236}">
+                <a16:creationId xmlns:a16="http://schemas.microsoft.com/office/drawing/2014/main" id="{8C0BF8B5-1BA4-4A8B-2D05-DEB47B154D69}"/>
+              </a:ext>
+            </a:extLst>
+          </p:cNvPr>
+          <p:cNvPicPr>
+            <a:picLocks noChangeAspect="1"/>
+          </p:cNvPicPr>
+          <p:nvPr/>
+        </p:nvPicPr>
+        <p:blipFill>
+          <a:blip r:embed="rId2">
+            <a:extLst>
+              <a:ext uri="{28A0092B-C50C-407E-A947-70E740481C1C}">
+                <a14:useLocalDpi xmlns:a14="http://schemas.microsoft.com/office/drawing/2010/main" val="0"/>
+              </a:ext>
+            </a:extLst>
+          </a:blip>
+          <a:stretch>
+            <a:fillRect/>
+          </a:stretch>
+        </p:blipFill>
+        <p:spPr>
+          <a:xfrm>
+            <a:off x="28031" y="3641872"/>
+            <a:ext cx="3913732" cy="1637163"/>
+          </a:xfrm>
+          <a:prstGeom prst="rect">
+            <a:avLst/>
+          </a:prstGeom>
+        </p:spPr>
+      </p:pic>
+      <p:pic>
+        <p:nvPicPr>
+          <p:cNvPr id="14" name="Picture 13" descr="A screenshot of a computer screen&#10;&#10;AI-generated content may be incorrect.">
+            <a:extLst>
+              <a:ext uri="{FF2B5EF4-FFF2-40B4-BE49-F238E27FC236}">
+                <a16:creationId xmlns:a16="http://schemas.microsoft.com/office/drawing/2014/main" id="{177AC802-5BD4-C6D6-A295-0E7F96E3993B}"/>
+              </a:ext>
+            </a:extLst>
+          </p:cNvPr>
+          <p:cNvPicPr>
+            <a:picLocks noChangeAspect="1"/>
+          </p:cNvPicPr>
+          <p:nvPr/>
+        </p:nvPicPr>
+        <p:blipFill>
+          <a:blip r:embed="rId3">
+            <a:extLst>
+              <a:ext uri="{28A0092B-C50C-407E-A947-70E740481C1C}">
+                <a14:useLocalDpi xmlns:a14="http://schemas.microsoft.com/office/drawing/2010/main" val="0"/>
+              </a:ext>
+            </a:extLst>
+          </a:blip>
+          <a:stretch>
+            <a:fillRect/>
+          </a:stretch>
+        </p:blipFill>
+        <p:spPr>
+          <a:xfrm>
+            <a:off x="4028287" y="3641872"/>
+            <a:ext cx="3805873" cy="1637163"/>
+          </a:xfrm>
+          <a:prstGeom prst="rect">
+            <a:avLst/>
+          </a:prstGeom>
+        </p:spPr>
+      </p:pic>
+      <p:pic>
+        <p:nvPicPr>
+          <p:cNvPr id="16" name="Picture 15" descr="A screenshot of a computer screen&#10;&#10;AI-generated content may be incorrect.">
+            <a:extLst>
+              <a:ext uri="{FF2B5EF4-FFF2-40B4-BE49-F238E27FC236}">
+                <a16:creationId xmlns:a16="http://schemas.microsoft.com/office/drawing/2014/main" id="{F68A81EB-57A7-2530-FFFB-45D8F6837512}"/>
+              </a:ext>
+            </a:extLst>
+          </p:cNvPr>
+          <p:cNvPicPr>
+            <a:picLocks noChangeAspect="1"/>
+          </p:cNvPicPr>
+          <p:nvPr/>
+        </p:nvPicPr>
+        <p:blipFill>
+          <a:blip r:embed="rId4">
+            <a:extLst>
+              <a:ext uri="{28A0092B-C50C-407E-A947-70E740481C1C}">
+                <a14:useLocalDpi xmlns:a14="http://schemas.microsoft.com/office/drawing/2010/main" val="0"/>
+              </a:ext>
+            </a:extLst>
+          </a:blip>
+          <a:stretch>
+            <a:fillRect/>
+          </a:stretch>
+        </p:blipFill>
+        <p:spPr>
+          <a:xfrm>
+            <a:off x="7987212" y="3627043"/>
+            <a:ext cx="3913732" cy="1651992"/>
+          </a:xfrm>
+          <a:prstGeom prst="rect">
+            <a:avLst/>
+          </a:prstGeom>
+        </p:spPr>
+      </p:pic>
+    </p:spTree>
+  </p:cSld>
+  <p:clrMapOvr>
+    <a:masterClrMapping/>
+  </p:clrMapOvr>
+  <mc:AlternateContent xmlns:mc="http://schemas.openxmlformats.org/markup-compatibility/2006">
+    <mc:Choice xmlns:p159="http://schemas.microsoft.com/office/powerpoint/2015/09/main" Requires="p159">
+      <p:transition xmlns:p14="http://schemas.microsoft.com/office/powerpoint/2010/main" spd="slow" p14:dur="2000">
+        <p159:morph option="byWord"/>
+      </p:transition>
+    </mc:Choice>
+    <mc:Fallback>
+      <p:transition spd="slow">
+        <p:fade/>
+      </p:transition>
+    </mc:Fallback>
+  </mc:AlternateContent>
+</p:sld>
+</file>
+
+<file path=ppt/slides/slide12.xml><?xml version="1.0" encoding="utf-8"?>
 <p:sld xmlns:a="http://schemas.openxmlformats.org/drawingml/2006/main" xmlns:r="http://schemas.openxmlformats.org/officeDocument/2006/relationships" xmlns:p="http://schemas.openxmlformats.org/presentationml/2006/main">
   <p:cSld name="Slide16">
     <p:spTree>
@@ -4128,20 +5535,50 @@
           </a:p>
         </p:txBody>
       </p:sp>
-      <p:sp>
-        <p:nvSpPr>
-          <p:cNvPr id="3" name="Content Placeholder 2">
-            <a:extLst>
-              <a:ext uri="{FF2B5EF4-FFF2-40B4-BE49-F238E27FC236}">
-                <a16:creationId xmlns:a16="http://schemas.microsoft.com/office/drawing/2014/main" id="{4B9710A0-3E06-BA36-84D5-1C7120ABD5F7}"/>
-              </a:ext>
-            </a:extLst>
-          </p:cNvPr>
-          <p:cNvSpPr txBox="1">
-            <a:spLocks noGrp="1"/>
-          </p:cNvSpPr>
-          <p:nvPr>
-            <p:ph idx="1"/>
+      <p:pic>
+        <p:nvPicPr>
+          <p:cNvPr id="4" name="Picture 3">
+            <a:extLst>
+              <a:ext uri="{FF2B5EF4-FFF2-40B4-BE49-F238E27FC236}">
+                <a16:creationId xmlns:a16="http://schemas.microsoft.com/office/drawing/2014/main" id="{78C1802C-D2B6-C6CB-D3D1-3CA5F4D71372}"/>
+              </a:ext>
+            </a:extLst>
+          </p:cNvPr>
+          <p:cNvPicPr>
+            <a:picLocks noChangeAspect="1"/>
+          </p:cNvPicPr>
+          <p:nvPr/>
+        </p:nvPicPr>
+        <p:blipFill>
+          <a:blip r:embed="rId2"/>
+          <a:stretch>
+            <a:fillRect/>
+          </a:stretch>
+        </p:blipFill>
+        <p:spPr>
+          <a:xfrm>
+            <a:off x="4063996" y="914400"/>
+            <a:ext cx="7327900" cy="5003800"/>
+          </a:xfrm>
+          <a:prstGeom prst="rect">
+            <a:avLst/>
+          </a:prstGeom>
+        </p:spPr>
+      </p:pic>
+      <p:sp>
+        <p:nvSpPr>
+          <p:cNvPr id="5" name="Slide Number Placeholder 4">
+            <a:extLst>
+              <a:ext uri="{FF2B5EF4-FFF2-40B4-BE49-F238E27FC236}">
+                <a16:creationId xmlns:a16="http://schemas.microsoft.com/office/drawing/2014/main" id="{F17F203D-EEFA-6402-B84D-5B1E3290F1F0}"/>
+              </a:ext>
+            </a:extLst>
+          </p:cNvPr>
+          <p:cNvSpPr>
+            <a:spLocks noGrp="1"/>
+          </p:cNvSpPr>
+          <p:nvPr>
+            <p:ph type="sldNum" sz="quarter" idx="8"/>
           </p:nvPr>
         </p:nvSpPr>
         <p:spPr/>
@@ -4149,7 +5586,12 @@
           <a:bodyPr/>
           <a:lstStyle/>
           <a:p>
-            <a:endParaRPr lang="en-CA"/>
+            <a:pPr lvl="0"/>
+            <a:fld id="{D77B7DE3-5275-4141-B2BD-BBADDBD1929D}" type="slidenum">
+              <a:rPr lang="en-CH" smtClean="0"/>
+              <a:t>12</a:t>
+            </a:fld>
+            <a:endParaRPr lang="en-CH"/>
           </a:p>
         </p:txBody>
       </p:sp>
@@ -4158,10 +5600,297 @@
   <p:clrMapOvr>
     <a:masterClrMapping/>
   </p:clrMapOvr>
+  <mc:AlternateContent xmlns:mc="http://schemas.openxmlformats.org/markup-compatibility/2006">
+    <mc:Choice xmlns:p159="http://schemas.microsoft.com/office/powerpoint/2015/09/main" Requires="p159">
+      <p:transition xmlns:p14="http://schemas.microsoft.com/office/powerpoint/2010/main" spd="slow" p14:dur="2000">
+        <p159:morph option="byWord"/>
+      </p:transition>
+    </mc:Choice>
+    <mc:Fallback>
+      <p:transition spd="slow">
+        <p:fade/>
+      </p:transition>
+    </mc:Fallback>
+  </mc:AlternateContent>
 </p:sld>
 </file>
 
-<file path=ppt/slides/slide12.xml><?xml version="1.0" encoding="utf-8"?>
+<file path=ppt/slides/slide13.xml><?xml version="1.0" encoding="utf-8"?>
+<p:sld xmlns:a="http://schemas.openxmlformats.org/drawingml/2006/main" xmlns:r="http://schemas.openxmlformats.org/officeDocument/2006/relationships" xmlns:p="http://schemas.openxmlformats.org/presentationml/2006/main">
+  <p:cSld>
+    <p:spTree>
+      <p:nvGrpSpPr>
+        <p:cNvPr id="1" name="">
+          <a:extLst>
+            <a:ext uri="{FF2B5EF4-FFF2-40B4-BE49-F238E27FC236}">
+              <a16:creationId xmlns:a16="http://schemas.microsoft.com/office/drawing/2014/main" id="{B8BABC28-F648-1643-B0AA-DEB5684EB0DC}"/>
+            </a:ext>
+          </a:extLst>
+        </p:cNvPr>
+        <p:cNvGrpSpPr/>
+        <p:nvPr/>
+      </p:nvGrpSpPr>
+      <p:grpSpPr>
+        <a:xfrm>
+          <a:off x="0" y="0"/>
+          <a:ext cx="0" cy="0"/>
+          <a:chOff x="0" y="0"/>
+          <a:chExt cx="0" cy="0"/>
+        </a:xfrm>
+      </p:grpSpPr>
+      <p:sp>
+        <p:nvSpPr>
+          <p:cNvPr id="2" name="Title 1">
+            <a:extLst>
+              <a:ext uri="{FF2B5EF4-FFF2-40B4-BE49-F238E27FC236}">
+                <a16:creationId xmlns:a16="http://schemas.microsoft.com/office/drawing/2014/main" id="{74B28A1D-995E-1C61-E2F8-9FABE1C57F3F}"/>
+              </a:ext>
+            </a:extLst>
+          </p:cNvPr>
+          <p:cNvSpPr txBox="1">
+            <a:spLocks noGrp="1"/>
+          </p:cNvSpPr>
+          <p:nvPr>
+            <p:ph type="title"/>
+          </p:nvPr>
+        </p:nvSpPr>
+        <p:spPr/>
+        <p:txBody>
+          <a:bodyPr/>
+          <a:lstStyle/>
+          <a:p>
+            <a:pPr lvl="0"/>
+            <a:r>
+              <a:rPr lang="en-CA"/>
+              <a:t>Global shap</a:t>
+            </a:r>
+          </a:p>
+        </p:txBody>
+      </p:sp>
+      <p:sp>
+        <p:nvSpPr>
+          <p:cNvPr id="5" name="Slide Number Placeholder 4">
+            <a:extLst>
+              <a:ext uri="{FF2B5EF4-FFF2-40B4-BE49-F238E27FC236}">
+                <a16:creationId xmlns:a16="http://schemas.microsoft.com/office/drawing/2014/main" id="{1D2E4787-4A59-2014-6A5D-82F7593A2DD1}"/>
+              </a:ext>
+            </a:extLst>
+          </p:cNvPr>
+          <p:cNvSpPr>
+            <a:spLocks noGrp="1"/>
+          </p:cNvSpPr>
+          <p:nvPr>
+            <p:ph type="sldNum" sz="quarter" idx="8"/>
+          </p:nvPr>
+        </p:nvSpPr>
+        <p:spPr/>
+        <p:txBody>
+          <a:bodyPr/>
+          <a:lstStyle/>
+          <a:p>
+            <a:pPr lvl="0"/>
+            <a:fld id="{D77B7DE3-5275-4141-B2BD-BBADDBD1929D}" type="slidenum">
+              <a:rPr lang="en-CH" smtClean="0"/>
+              <a:t>13</a:t>
+            </a:fld>
+            <a:endParaRPr lang="en-CH"/>
+          </a:p>
+        </p:txBody>
+      </p:sp>
+      <p:pic>
+        <p:nvPicPr>
+          <p:cNvPr id="3" name="Picture 2">
+            <a:extLst>
+              <a:ext uri="{FF2B5EF4-FFF2-40B4-BE49-F238E27FC236}">
+                <a16:creationId xmlns:a16="http://schemas.microsoft.com/office/drawing/2014/main" id="{ECE9D4B8-EFCA-4C33-766B-BBE72335067F}"/>
+              </a:ext>
+            </a:extLst>
+          </p:cNvPr>
+          <p:cNvPicPr>
+            <a:picLocks noChangeAspect="1"/>
+          </p:cNvPicPr>
+          <p:nvPr/>
+        </p:nvPicPr>
+        <p:blipFill>
+          <a:blip r:embed="rId2"/>
+          <a:stretch>
+            <a:fillRect/>
+          </a:stretch>
+        </p:blipFill>
+        <p:spPr>
+          <a:xfrm>
+            <a:off x="4480969" y="939800"/>
+            <a:ext cx="7010400" cy="5003800"/>
+          </a:xfrm>
+          <a:prstGeom prst="rect">
+            <a:avLst/>
+          </a:prstGeom>
+        </p:spPr>
+      </p:pic>
+    </p:spTree>
+    <p:extLst>
+      <p:ext uri="{BB962C8B-B14F-4D97-AF65-F5344CB8AC3E}">
+        <p14:creationId xmlns:p14="http://schemas.microsoft.com/office/powerpoint/2010/main" val="1325108168"/>
+      </p:ext>
+    </p:extLst>
+  </p:cSld>
+  <p:clrMapOvr>
+    <a:masterClrMapping/>
+  </p:clrMapOvr>
+  <mc:AlternateContent xmlns:mc="http://schemas.openxmlformats.org/markup-compatibility/2006">
+    <mc:Choice xmlns:p159="http://schemas.microsoft.com/office/powerpoint/2015/09/main" Requires="p159">
+      <p:transition xmlns:p14="http://schemas.microsoft.com/office/powerpoint/2010/main" spd="slow" p14:dur="2000">
+        <p159:morph option="byWord"/>
+      </p:transition>
+    </mc:Choice>
+    <mc:Fallback>
+      <p:transition spd="slow">
+        <p:fade/>
+      </p:transition>
+    </mc:Fallback>
+  </mc:AlternateContent>
+</p:sld>
+</file>
+
+<file path=ppt/slides/slide14.xml><?xml version="1.0" encoding="utf-8"?>
+<p:sld xmlns:a="http://schemas.openxmlformats.org/drawingml/2006/main" xmlns:r="http://schemas.openxmlformats.org/officeDocument/2006/relationships" xmlns:p="http://schemas.openxmlformats.org/presentationml/2006/main">
+  <p:cSld>
+    <p:spTree>
+      <p:nvGrpSpPr>
+        <p:cNvPr id="1" name=""/>
+        <p:cNvGrpSpPr/>
+        <p:nvPr/>
+      </p:nvGrpSpPr>
+      <p:grpSpPr>
+        <a:xfrm>
+          <a:off x="0" y="0"/>
+          <a:ext cx="0" cy="0"/>
+          <a:chOff x="0" y="0"/>
+          <a:chExt cx="0" cy="0"/>
+        </a:xfrm>
+      </p:grpSpPr>
+      <p:sp>
+        <p:nvSpPr>
+          <p:cNvPr id="2" name="Title 1">
+            <a:extLst>
+              <a:ext uri="{FF2B5EF4-FFF2-40B4-BE49-F238E27FC236}">
+                <a16:creationId xmlns:a16="http://schemas.microsoft.com/office/drawing/2014/main" id="{96C4E1D3-CF62-E053-C37B-B8382B6EC480}"/>
+              </a:ext>
+            </a:extLst>
+          </p:cNvPr>
+          <p:cNvSpPr txBox="1">
+            <a:spLocks noGrp="1"/>
+          </p:cNvSpPr>
+          <p:nvPr>
+            <p:ph type="title"/>
+          </p:nvPr>
+        </p:nvSpPr>
+        <p:spPr>
+          <a:xfrm>
+            <a:off x="836615" y="0"/>
+            <a:ext cx="4103434" cy="1317522"/>
+          </a:xfrm>
+        </p:spPr>
+        <p:txBody>
+          <a:bodyPr wrap="square" anchor="b">
+            <a:normAutofit/>
+          </a:bodyPr>
+          <a:lstStyle/>
+          <a:p>
+            <a:pPr lvl="0"/>
+            <a:r>
+              <a:rPr lang="en-CA" dirty="0"/>
+              <a:t>Local </a:t>
+            </a:r>
+            <a:r>
+              <a:rPr lang="en-CA" dirty="0" err="1"/>
+              <a:t>shap</a:t>
+            </a:r>
+            <a:endParaRPr lang="en-CA" dirty="0"/>
+          </a:p>
+        </p:txBody>
+      </p:sp>
+      <p:sp>
+        <p:nvSpPr>
+          <p:cNvPr id="5" name="Slide Number Placeholder 4">
+            <a:extLst>
+              <a:ext uri="{FF2B5EF4-FFF2-40B4-BE49-F238E27FC236}">
+                <a16:creationId xmlns:a16="http://schemas.microsoft.com/office/drawing/2014/main" id="{31685DA0-022B-3B36-8B9E-C18E1DCC33DB}"/>
+              </a:ext>
+            </a:extLst>
+          </p:cNvPr>
+          <p:cNvSpPr>
+            <a:spLocks noGrp="1"/>
+          </p:cNvSpPr>
+          <p:nvPr>
+            <p:ph type="sldNum" sz="quarter" idx="8"/>
+          </p:nvPr>
+        </p:nvSpPr>
+        <p:spPr/>
+        <p:txBody>
+          <a:bodyPr/>
+          <a:lstStyle/>
+          <a:p>
+            <a:pPr lvl="0"/>
+            <a:fld id="{6F19EE8F-DA5D-4E21-9425-475A35DECB26}" type="slidenum">
+              <a:rPr lang="en-CH" smtClean="0"/>
+              <a:t>14</a:t>
+            </a:fld>
+            <a:endParaRPr lang="en-CH"/>
+          </a:p>
+        </p:txBody>
+      </p:sp>
+      <p:pic>
+        <p:nvPicPr>
+          <p:cNvPr id="8" name="Picture 7">
+            <a:extLst>
+              <a:ext uri="{FF2B5EF4-FFF2-40B4-BE49-F238E27FC236}">
+                <a16:creationId xmlns:a16="http://schemas.microsoft.com/office/drawing/2014/main" id="{9499DCC9-280F-735C-E7CA-C64C3BBA4AB2}"/>
+              </a:ext>
+            </a:extLst>
+          </p:cNvPr>
+          <p:cNvPicPr>
+            <a:picLocks noChangeAspect="1"/>
+          </p:cNvPicPr>
+          <p:nvPr/>
+        </p:nvPicPr>
+        <p:blipFill>
+          <a:blip r:embed="rId2"/>
+          <a:stretch>
+            <a:fillRect/>
+          </a:stretch>
+        </p:blipFill>
+        <p:spPr>
+          <a:xfrm>
+            <a:off x="1098471" y="1263544"/>
+            <a:ext cx="9995057" cy="5048698"/>
+          </a:xfrm>
+          <a:prstGeom prst="rect">
+            <a:avLst/>
+          </a:prstGeom>
+        </p:spPr>
+      </p:pic>
+    </p:spTree>
+  </p:cSld>
+  <p:clrMapOvr>
+    <a:masterClrMapping/>
+  </p:clrMapOvr>
+  <mc:AlternateContent xmlns:mc="http://schemas.openxmlformats.org/markup-compatibility/2006">
+    <mc:Choice xmlns:p159="http://schemas.microsoft.com/office/powerpoint/2015/09/main" Requires="p159">
+      <p:transition xmlns:p14="http://schemas.microsoft.com/office/powerpoint/2010/main" spd="slow" p14:dur="2000">
+        <p159:morph option="byWord"/>
+      </p:transition>
+    </mc:Choice>
+    <mc:Fallback>
+      <p:transition spd="slow">
+        <p:fade/>
+      </p:transition>
+    </mc:Fallback>
+  </mc:AlternateContent>
+</p:sld>
+</file>
+
+<file path=ppt/slides/slide15.xml><?xml version="1.0" encoding="utf-8"?>
 <p:sld xmlns:a="http://schemas.openxmlformats.org/drawingml/2006/main" xmlns:r="http://schemas.openxmlformats.org/officeDocument/2006/relationships" xmlns:p="http://schemas.openxmlformats.org/presentationml/2006/main">
   <p:cSld name="Slide9">
     <p:spTree>
@@ -4209,18 +5938,18 @@
       </p:sp>
       <p:sp>
         <p:nvSpPr>
-          <p:cNvPr id="3" name="Content Placeholder 2">
-            <a:extLst>
-              <a:ext uri="{FF2B5EF4-FFF2-40B4-BE49-F238E27FC236}">
-                <a16:creationId xmlns:a16="http://schemas.microsoft.com/office/drawing/2014/main" id="{23684B4A-7A50-46BC-473C-7D6A1DD93357}"/>
-              </a:ext>
-            </a:extLst>
-          </p:cNvPr>
-          <p:cNvSpPr txBox="1">
-            <a:spLocks noGrp="1"/>
-          </p:cNvSpPr>
-          <p:nvPr>
-            <p:ph idx="1"/>
+          <p:cNvPr id="4" name="Slide Number Placeholder 3">
+            <a:extLst>
+              <a:ext uri="{FF2B5EF4-FFF2-40B4-BE49-F238E27FC236}">
+                <a16:creationId xmlns:a16="http://schemas.microsoft.com/office/drawing/2014/main" id="{45184DB1-3AFE-4E5C-E67D-5EE12C819530}"/>
+              </a:ext>
+            </a:extLst>
+          </p:cNvPr>
+          <p:cNvSpPr>
+            <a:spLocks noGrp="1"/>
+          </p:cNvSpPr>
+          <p:nvPr>
+            <p:ph type="sldNum" sz="quarter" idx="8"/>
           </p:nvPr>
         </p:nvSpPr>
         <p:spPr/>
@@ -4228,19 +5957,72 @@
           <a:bodyPr/>
           <a:lstStyle/>
           <a:p>
-            <a:endParaRPr lang="en-CA"/>
-          </a:p>
-        </p:txBody>
-      </p:sp>
+            <a:pPr lvl="0"/>
+            <a:fld id="{D77B7DE3-5275-4141-B2BD-BBADDBD1929D}" type="slidenum">
+              <a:rPr lang="en-CH" smtClean="0"/>
+              <a:t>15</a:t>
+            </a:fld>
+            <a:endParaRPr lang="en-CH"/>
+          </a:p>
+        </p:txBody>
+      </p:sp>
+      <p:pic>
+        <p:nvPicPr>
+          <p:cNvPr id="6" name="Picture 5" descr="A black background with white text&#10;&#10;AI-generated content may be incorrect.">
+            <a:extLst>
+              <a:ext uri="{FF2B5EF4-FFF2-40B4-BE49-F238E27FC236}">
+                <a16:creationId xmlns:a16="http://schemas.microsoft.com/office/drawing/2014/main" id="{81BE5AFD-AFA6-9D47-129A-5A86B132CAEB}"/>
+              </a:ext>
+            </a:extLst>
+          </p:cNvPr>
+          <p:cNvPicPr>
+            <a:picLocks noChangeAspect="1"/>
+          </p:cNvPicPr>
+          <p:nvPr/>
+        </p:nvPicPr>
+        <p:blipFill>
+          <a:blip r:embed="rId2">
+            <a:extLst>
+              <a:ext uri="{28A0092B-C50C-407E-A947-70E740481C1C}">
+                <a14:useLocalDpi xmlns:a14="http://schemas.microsoft.com/office/drawing/2010/main" val="0"/>
+              </a:ext>
+            </a:extLst>
+          </a:blip>
+          <a:stretch>
+            <a:fillRect/>
+          </a:stretch>
+        </p:blipFill>
+        <p:spPr>
+          <a:xfrm>
+            <a:off x="2370459" y="2915420"/>
+            <a:ext cx="7351608" cy="1720589"/>
+          </a:xfrm>
+          <a:prstGeom prst="rect">
+            <a:avLst/>
+          </a:prstGeom>
+        </p:spPr>
+      </p:pic>
     </p:spTree>
   </p:cSld>
   <p:clrMapOvr>
     <a:masterClrMapping/>
   </p:clrMapOvr>
+  <mc:AlternateContent xmlns:mc="http://schemas.openxmlformats.org/markup-compatibility/2006">
+    <mc:Choice xmlns:p159="http://schemas.microsoft.com/office/powerpoint/2015/09/main" Requires="p159">
+      <p:transition xmlns:p14="http://schemas.microsoft.com/office/powerpoint/2010/main" spd="slow" p14:dur="2000">
+        <p159:morph option="byWord"/>
+      </p:transition>
+    </mc:Choice>
+    <mc:Fallback>
+      <p:transition spd="slow">
+        <p:fade/>
+      </p:transition>
+    </mc:Fallback>
+  </mc:AlternateContent>
 </p:sld>
 </file>
 
-<file path=ppt/slides/slide13.xml><?xml version="1.0" encoding="utf-8"?>
+<file path=ppt/slides/slide16.xml><?xml version="1.0" encoding="utf-8"?>
 <p:sld xmlns:a="http://schemas.openxmlformats.org/drawingml/2006/main" xmlns:r="http://schemas.openxmlformats.org/officeDocument/2006/relationships" xmlns:p="http://schemas.openxmlformats.org/presentationml/2006/main">
   <p:cSld name="Slide10">
     <p:spTree>
@@ -4259,6 +6041,74 @@
       </p:grpSpPr>
       <p:sp>
         <p:nvSpPr>
+          <p:cNvPr id="13" name="Rectangle 11">
+            <a:extLst>
+              <a:ext uri="{FF2B5EF4-FFF2-40B4-BE49-F238E27FC236}">
+                <a16:creationId xmlns:a16="http://schemas.microsoft.com/office/drawing/2014/main" id="{791D45C3-9B5C-648D-5863-93BF56EE56FF}"/>
+              </a:ext>
+            </a:extLst>
+          </p:cNvPr>
+          <p:cNvSpPr/>
+          <p:nvPr/>
+        </p:nvSpPr>
+        <p:spPr>
+          <a:xfrm>
+            <a:off x="8000369" y="1822537"/>
+            <a:ext cx="3808739" cy="4022231"/>
+          </a:xfrm>
+          <a:prstGeom prst="rect">
+            <a:avLst/>
+          </a:prstGeom>
+          <a:solidFill>
+            <a:srgbClr val="B4E5A2">
+              <a:alpha val="56269"/>
+            </a:srgbClr>
+          </a:solidFill>
+          <a:ln w="19046" cap="flat">
+            <a:solidFill>
+              <a:srgbClr val="042433"/>
+            </a:solidFill>
+            <a:prstDash val="solid"/>
+            <a:miter/>
+          </a:ln>
+        </p:spPr>
+        <p:txBody>
+          <a:bodyPr vert="horz" wrap="square" lIns="91440" tIns="45720" rIns="91440" bIns="45720" anchor="ctr" anchorCtr="1" compatLnSpc="1">
+            <a:noAutofit/>
+          </a:bodyPr>
+          <a:lstStyle/>
+          <a:p>
+            <a:pPr marL="0" marR="0" lvl="0" indent="0" algn="ctr" defTabSz="914400" rtl="0" fontAlgn="auto" hangingPunct="1">
+              <a:lnSpc>
+                <a:spcPct val="100000"/>
+              </a:lnSpc>
+              <a:spcBef>
+                <a:spcPts val="0"/>
+              </a:spcBef>
+              <a:spcAft>
+                <a:spcPts val="0"/>
+              </a:spcAft>
+              <a:buNone/>
+              <a:tabLst/>
+              <a:defRPr sz="1800" b="0" i="0" u="none" strike="noStrike" kern="0" cap="none" spc="0" baseline="0">
+                <a:solidFill>
+                  <a:srgbClr val="000000"/>
+                </a:solidFill>
+                <a:uFillTx/>
+              </a:defRPr>
+            </a:pPr>
+            <a:endParaRPr lang="en-CA" sz="1800" b="0" i="0" u="none" strike="noStrike" kern="1200" cap="none" spc="0" baseline="0">
+              <a:solidFill>
+                <a:srgbClr val="FFFFFF"/>
+              </a:solidFill>
+              <a:uFillTx/>
+              <a:latin typeface="Aptos"/>
+            </a:endParaRPr>
+          </a:p>
+        </p:txBody>
+      </p:sp>
+      <p:sp>
+        <p:nvSpPr>
           <p:cNvPr id="2" name="Title 1">
             <a:extLst>
               <a:ext uri="{FF2B5EF4-FFF2-40B4-BE49-F238E27FC236}">
@@ -4280,7 +6130,7 @@
           <a:p>
             <a:pPr lvl="0"/>
             <a:r>
-              <a:rPr lang="en-CA"/>
+              <a:rPr lang="en-CA" dirty="0"/>
               <a:t>Fairness mitigation techniques</a:t>
             </a:r>
           </a:p>
@@ -4302,24 +6152,852 @@
             <p:ph idx="1"/>
           </p:nvPr>
         </p:nvSpPr>
-        <p:spPr/>
+        <p:spPr>
+          <a:xfrm>
+            <a:off x="541761" y="2220610"/>
+            <a:ext cx="3808739" cy="633943"/>
+          </a:xfrm>
+        </p:spPr>
         <p:txBody>
           <a:bodyPr/>
           <a:lstStyle/>
           <a:p>
-            <a:endParaRPr lang="en-CA"/>
-          </a:p>
-        </p:txBody>
-      </p:sp>
+            <a:pPr marL="0" indent="0">
+              <a:buNone/>
+            </a:pPr>
+            <a:r>
+              <a:rPr lang="en-CA" dirty="0"/>
+              <a:t>Fairness Through Unawareness</a:t>
+            </a:r>
+          </a:p>
+        </p:txBody>
+      </p:sp>
+      <p:sp>
+        <p:nvSpPr>
+          <p:cNvPr id="4" name="Slide Number Placeholder 3">
+            <a:extLst>
+              <a:ext uri="{FF2B5EF4-FFF2-40B4-BE49-F238E27FC236}">
+                <a16:creationId xmlns:a16="http://schemas.microsoft.com/office/drawing/2014/main" id="{6F5F0B64-3BAB-E741-E658-22594A09AA52}"/>
+              </a:ext>
+            </a:extLst>
+          </p:cNvPr>
+          <p:cNvSpPr>
+            <a:spLocks noGrp="1"/>
+          </p:cNvSpPr>
+          <p:nvPr>
+            <p:ph type="sldNum" sz="quarter" idx="8"/>
+          </p:nvPr>
+        </p:nvSpPr>
+        <p:spPr/>
+        <p:txBody>
+          <a:bodyPr/>
+          <a:lstStyle/>
+          <a:p>
+            <a:pPr lvl="0"/>
+            <a:fld id="{D77B7DE3-5275-4141-B2BD-BBADDBD1929D}" type="slidenum">
+              <a:rPr lang="en-CH" smtClean="0"/>
+              <a:t>16</a:t>
+            </a:fld>
+            <a:endParaRPr lang="en-CH"/>
+          </a:p>
+        </p:txBody>
+      </p:sp>
+      <p:sp>
+        <p:nvSpPr>
+          <p:cNvPr id="5" name="Content Placeholder 2">
+            <a:extLst>
+              <a:ext uri="{FF2B5EF4-FFF2-40B4-BE49-F238E27FC236}">
+                <a16:creationId xmlns:a16="http://schemas.microsoft.com/office/drawing/2014/main" id="{9594903B-8CCF-51E7-E951-576F71BAD6E8}"/>
+              </a:ext>
+            </a:extLst>
+          </p:cNvPr>
+          <p:cNvSpPr txBox="1">
+            <a:spLocks/>
+          </p:cNvSpPr>
+          <p:nvPr/>
+        </p:nvSpPr>
+        <p:spPr>
+          <a:xfrm>
+            <a:off x="4191630" y="2221990"/>
+            <a:ext cx="3808739" cy="633943"/>
+          </a:xfrm>
+          <a:prstGeom prst="rect">
+            <a:avLst/>
+          </a:prstGeom>
+          <a:noFill/>
+          <a:ln>
+            <a:noFill/>
+          </a:ln>
+        </p:spPr>
+        <p:txBody>
+          <a:bodyPr vert="horz" wrap="square" lIns="91440" tIns="45720" rIns="91440" bIns="45720" anchor="t" anchorCtr="0" compatLnSpc="1">
+            <a:normAutofit/>
+          </a:bodyPr>
+          <a:lstStyle>
+            <a:lvl1pPr marL="228600" marR="0" lvl="0" indent="-228600" algn="l" defTabSz="914400" rtl="0" fontAlgn="auto" hangingPunct="1">
+              <a:lnSpc>
+                <a:spcPct val="110000"/>
+              </a:lnSpc>
+              <a:spcBef>
+                <a:spcPts val="1000"/>
+              </a:spcBef>
+              <a:spcAft>
+                <a:spcPts val="0"/>
+              </a:spcAft>
+              <a:buSzPct val="100000"/>
+              <a:buFont typeface="Arial" pitchFamily="34"/>
+              <a:buChar char="•"/>
+              <a:tabLst/>
+              <a:defRPr lang="en-US" sz="2000" b="0" i="0" u="none" strike="noStrike" kern="1200" cap="none" spc="0" baseline="0">
+                <a:solidFill>
+                  <a:srgbClr val="000000"/>
+                </a:solidFill>
+                <a:uFillTx/>
+                <a:latin typeface="Calisto MT"/>
+              </a:defRPr>
+            </a:lvl1pPr>
+            <a:lvl2pPr marL="685800" marR="0" lvl="1" indent="-228600" algn="l" defTabSz="914400" rtl="0" fontAlgn="auto" hangingPunct="1">
+              <a:lnSpc>
+                <a:spcPct val="110000"/>
+              </a:lnSpc>
+              <a:spcBef>
+                <a:spcPts val="500"/>
+              </a:spcBef>
+              <a:spcAft>
+                <a:spcPts val="0"/>
+              </a:spcAft>
+              <a:buSzPct val="100000"/>
+              <a:buFont typeface="Arial" pitchFamily="34"/>
+              <a:buChar char="•"/>
+              <a:tabLst/>
+              <a:defRPr lang="en-US" sz="1800" b="0" i="0" u="none" strike="noStrike" kern="1200" cap="none" spc="0" baseline="0">
+                <a:solidFill>
+                  <a:srgbClr val="000000"/>
+                </a:solidFill>
+                <a:uFillTx/>
+                <a:latin typeface="Calisto MT"/>
+              </a:defRPr>
+            </a:lvl2pPr>
+            <a:lvl3pPr marL="1143000" marR="0" lvl="2" indent="-228600" algn="l" defTabSz="914400" rtl="0" fontAlgn="auto" hangingPunct="1">
+              <a:lnSpc>
+                <a:spcPct val="110000"/>
+              </a:lnSpc>
+              <a:spcBef>
+                <a:spcPts val="500"/>
+              </a:spcBef>
+              <a:spcAft>
+                <a:spcPts val="0"/>
+              </a:spcAft>
+              <a:buSzPct val="100000"/>
+              <a:buFont typeface="Arial" pitchFamily="34"/>
+              <a:buChar char="•"/>
+              <a:tabLst/>
+              <a:defRPr lang="en-US" sz="1600" b="0" i="0" u="none" strike="noStrike" kern="1200" cap="none" spc="0" baseline="0">
+                <a:solidFill>
+                  <a:srgbClr val="000000"/>
+                </a:solidFill>
+                <a:uFillTx/>
+                <a:latin typeface="Calisto MT"/>
+              </a:defRPr>
+            </a:lvl3pPr>
+            <a:lvl4pPr marL="1600200" marR="0" lvl="3" indent="-228600" algn="l" defTabSz="914400" rtl="0" fontAlgn="auto" hangingPunct="1">
+              <a:lnSpc>
+                <a:spcPct val="110000"/>
+              </a:lnSpc>
+              <a:spcBef>
+                <a:spcPts val="500"/>
+              </a:spcBef>
+              <a:spcAft>
+                <a:spcPts val="0"/>
+              </a:spcAft>
+              <a:buSzPct val="100000"/>
+              <a:buFont typeface="Arial" pitchFamily="34"/>
+              <a:buChar char="•"/>
+              <a:tabLst/>
+              <a:defRPr lang="en-US" sz="1400" b="0" i="0" u="none" strike="noStrike" kern="1200" cap="none" spc="0" baseline="0">
+                <a:solidFill>
+                  <a:srgbClr val="000000"/>
+                </a:solidFill>
+                <a:uFillTx/>
+                <a:latin typeface="Calisto MT"/>
+              </a:defRPr>
+            </a:lvl4pPr>
+            <a:lvl5pPr marL="2057400" marR="0" lvl="4" indent="-228600" algn="l" defTabSz="914400" rtl="0" fontAlgn="auto" hangingPunct="1">
+              <a:lnSpc>
+                <a:spcPct val="110000"/>
+              </a:lnSpc>
+              <a:spcBef>
+                <a:spcPts val="500"/>
+              </a:spcBef>
+              <a:spcAft>
+                <a:spcPts val="0"/>
+              </a:spcAft>
+              <a:buSzPct val="100000"/>
+              <a:buFont typeface="Arial" pitchFamily="34"/>
+              <a:buChar char="•"/>
+              <a:tabLst/>
+              <a:defRPr lang="en-US" sz="1400" b="0" i="0" u="none" strike="noStrike" kern="1200" cap="none" spc="0" baseline="0">
+                <a:solidFill>
+                  <a:srgbClr val="000000"/>
+                </a:solidFill>
+                <a:uFillTx/>
+                <a:latin typeface="Calisto MT"/>
+              </a:defRPr>
+            </a:lvl5pPr>
+            <a:lvl6pPr marL="2514600" indent="-228600" algn="l" defTabSz="914400" rtl="0" eaLnBrk="1" latinLnBrk="0" hangingPunct="1">
+              <a:lnSpc>
+                <a:spcPct val="90000"/>
+              </a:lnSpc>
+              <a:spcBef>
+                <a:spcPts val="500"/>
+              </a:spcBef>
+              <a:buFont typeface="Arial" panose="020B0604020202020204" pitchFamily="34" charset="0"/>
+              <a:buChar char="•"/>
+              <a:defRPr sz="1800" kern="1200">
+                <a:solidFill>
+                  <a:schemeClr val="tx1"/>
+                </a:solidFill>
+                <a:latin typeface="+mn-lt"/>
+                <a:ea typeface="+mn-ea"/>
+                <a:cs typeface="+mn-cs"/>
+              </a:defRPr>
+            </a:lvl6pPr>
+            <a:lvl7pPr marL="2971800" indent="-228600" algn="l" defTabSz="914400" rtl="0" eaLnBrk="1" latinLnBrk="0" hangingPunct="1">
+              <a:lnSpc>
+                <a:spcPct val="90000"/>
+              </a:lnSpc>
+              <a:spcBef>
+                <a:spcPts val="500"/>
+              </a:spcBef>
+              <a:buFont typeface="Arial" panose="020B0604020202020204" pitchFamily="34" charset="0"/>
+              <a:buChar char="•"/>
+              <a:defRPr sz="1800" kern="1200">
+                <a:solidFill>
+                  <a:schemeClr val="tx1"/>
+                </a:solidFill>
+                <a:latin typeface="+mn-lt"/>
+                <a:ea typeface="+mn-ea"/>
+                <a:cs typeface="+mn-cs"/>
+              </a:defRPr>
+            </a:lvl7pPr>
+            <a:lvl8pPr marL="3429000" indent="-228600" algn="l" defTabSz="914400" rtl="0" eaLnBrk="1" latinLnBrk="0" hangingPunct="1">
+              <a:lnSpc>
+                <a:spcPct val="90000"/>
+              </a:lnSpc>
+              <a:spcBef>
+                <a:spcPts val="500"/>
+              </a:spcBef>
+              <a:buFont typeface="Arial" panose="020B0604020202020204" pitchFamily="34" charset="0"/>
+              <a:buChar char="•"/>
+              <a:defRPr sz="1800" kern="1200">
+                <a:solidFill>
+                  <a:schemeClr val="tx1"/>
+                </a:solidFill>
+                <a:latin typeface="+mn-lt"/>
+                <a:ea typeface="+mn-ea"/>
+                <a:cs typeface="+mn-cs"/>
+              </a:defRPr>
+            </a:lvl8pPr>
+            <a:lvl9pPr marL="3886200" indent="-228600" algn="l" defTabSz="914400" rtl="0" eaLnBrk="1" latinLnBrk="0" hangingPunct="1">
+              <a:lnSpc>
+                <a:spcPct val="90000"/>
+              </a:lnSpc>
+              <a:spcBef>
+                <a:spcPts val="500"/>
+              </a:spcBef>
+              <a:buFont typeface="Arial" panose="020B0604020202020204" pitchFamily="34" charset="0"/>
+              <a:buChar char="•"/>
+              <a:defRPr sz="1800" kern="1200">
+                <a:solidFill>
+                  <a:schemeClr val="tx1"/>
+                </a:solidFill>
+                <a:latin typeface="+mn-lt"/>
+                <a:ea typeface="+mn-ea"/>
+                <a:cs typeface="+mn-cs"/>
+              </a:defRPr>
+            </a:lvl9pPr>
+          </a:lstStyle>
+          <a:p>
+            <a:pPr marL="0" indent="0">
+              <a:buFont typeface="Arial" pitchFamily="34"/>
+              <a:buNone/>
+            </a:pPr>
+            <a:r>
+              <a:rPr lang="en-CA" dirty="0"/>
+              <a:t>Fairness In Model Training</a:t>
+            </a:r>
+          </a:p>
+        </p:txBody>
+      </p:sp>
+      <p:pic>
+        <p:nvPicPr>
+          <p:cNvPr id="7" name="Picture 6" descr="A black background with white text&#10;&#10;AI-generated content may be incorrect.">
+            <a:extLst>
+              <a:ext uri="{FF2B5EF4-FFF2-40B4-BE49-F238E27FC236}">
+                <a16:creationId xmlns:a16="http://schemas.microsoft.com/office/drawing/2014/main" id="{65D0BB4C-BBEA-7FB8-42E8-EEA56E5B117D}"/>
+              </a:ext>
+            </a:extLst>
+          </p:cNvPr>
+          <p:cNvPicPr>
+            <a:picLocks noChangeAspect="1"/>
+          </p:cNvPicPr>
+          <p:nvPr/>
+        </p:nvPicPr>
+        <p:blipFill>
+          <a:blip r:embed="rId2">
+            <a:extLst>
+              <a:ext uri="{28A0092B-C50C-407E-A947-70E740481C1C}">
+                <a14:useLocalDpi xmlns:a14="http://schemas.microsoft.com/office/drawing/2010/main" val="0"/>
+              </a:ext>
+            </a:extLst>
+          </a:blip>
+          <a:stretch>
+            <a:fillRect/>
+          </a:stretch>
+        </p:blipFill>
+        <p:spPr>
+          <a:xfrm>
+            <a:off x="378347" y="3114717"/>
+            <a:ext cx="3692446" cy="750856"/>
+          </a:xfrm>
+          <a:prstGeom prst="rect">
+            <a:avLst/>
+          </a:prstGeom>
+        </p:spPr>
+      </p:pic>
+      <p:pic>
+        <p:nvPicPr>
+          <p:cNvPr id="9" name="Picture 8" descr="A black background with white text&#10;&#10;AI-generated content may be incorrect.">
+            <a:extLst>
+              <a:ext uri="{FF2B5EF4-FFF2-40B4-BE49-F238E27FC236}">
+                <a16:creationId xmlns:a16="http://schemas.microsoft.com/office/drawing/2014/main" id="{88D635FB-F355-A12D-6653-64082763BCD4}"/>
+              </a:ext>
+            </a:extLst>
+          </p:cNvPr>
+          <p:cNvPicPr>
+            <a:picLocks noChangeAspect="1"/>
+          </p:cNvPicPr>
+          <p:nvPr/>
+        </p:nvPicPr>
+        <p:blipFill>
+          <a:blip r:embed="rId3">
+            <a:extLst>
+              <a:ext uri="{28A0092B-C50C-407E-A947-70E740481C1C}">
+                <a14:useLocalDpi xmlns:a14="http://schemas.microsoft.com/office/drawing/2010/main" val="0"/>
+              </a:ext>
+            </a:extLst>
+          </a:blip>
+          <a:srcRect b="20274"/>
+          <a:stretch>
+            <a:fillRect/>
+          </a:stretch>
+        </p:blipFill>
+        <p:spPr>
+          <a:xfrm>
+            <a:off x="4191630" y="3114717"/>
+            <a:ext cx="3786886" cy="750857"/>
+          </a:xfrm>
+          <a:prstGeom prst="rect">
+            <a:avLst/>
+          </a:prstGeom>
+        </p:spPr>
+      </p:pic>
+      <p:sp>
+        <p:nvSpPr>
+          <p:cNvPr id="10" name="Content Placeholder 2">
+            <a:extLst>
+              <a:ext uri="{FF2B5EF4-FFF2-40B4-BE49-F238E27FC236}">
+                <a16:creationId xmlns:a16="http://schemas.microsoft.com/office/drawing/2014/main" id="{79E63A75-A15C-BAB0-842A-D6204C1A64AE}"/>
+              </a:ext>
+            </a:extLst>
+          </p:cNvPr>
+          <p:cNvSpPr txBox="1">
+            <a:spLocks/>
+          </p:cNvSpPr>
+          <p:nvPr/>
+        </p:nvSpPr>
+        <p:spPr>
+          <a:xfrm>
+            <a:off x="8000369" y="2224113"/>
+            <a:ext cx="3929824" cy="633943"/>
+          </a:xfrm>
+          <a:prstGeom prst="rect">
+            <a:avLst/>
+          </a:prstGeom>
+          <a:noFill/>
+          <a:ln>
+            <a:noFill/>
+          </a:ln>
+        </p:spPr>
+        <p:txBody>
+          <a:bodyPr vert="horz" wrap="square" lIns="91440" tIns="45720" rIns="91440" bIns="45720" anchor="t" anchorCtr="0" compatLnSpc="1">
+            <a:normAutofit fontScale="92500"/>
+          </a:bodyPr>
+          <a:lstStyle>
+            <a:lvl1pPr marL="228600" marR="0" lvl="0" indent="-228600" algn="l" defTabSz="914400" rtl="0" fontAlgn="auto" hangingPunct="1">
+              <a:lnSpc>
+                <a:spcPct val="110000"/>
+              </a:lnSpc>
+              <a:spcBef>
+                <a:spcPts val="1000"/>
+              </a:spcBef>
+              <a:spcAft>
+                <a:spcPts val="0"/>
+              </a:spcAft>
+              <a:buSzPct val="100000"/>
+              <a:buFont typeface="Arial" pitchFamily="34"/>
+              <a:buChar char="•"/>
+              <a:tabLst/>
+              <a:defRPr lang="en-US" sz="2000" b="0" i="0" u="none" strike="noStrike" kern="1200" cap="none" spc="0" baseline="0">
+                <a:solidFill>
+                  <a:srgbClr val="000000"/>
+                </a:solidFill>
+                <a:uFillTx/>
+                <a:latin typeface="Calisto MT"/>
+              </a:defRPr>
+            </a:lvl1pPr>
+            <a:lvl2pPr marL="685800" marR="0" lvl="1" indent="-228600" algn="l" defTabSz="914400" rtl="0" fontAlgn="auto" hangingPunct="1">
+              <a:lnSpc>
+                <a:spcPct val="110000"/>
+              </a:lnSpc>
+              <a:spcBef>
+                <a:spcPts val="500"/>
+              </a:spcBef>
+              <a:spcAft>
+                <a:spcPts val="0"/>
+              </a:spcAft>
+              <a:buSzPct val="100000"/>
+              <a:buFont typeface="Arial" pitchFamily="34"/>
+              <a:buChar char="•"/>
+              <a:tabLst/>
+              <a:defRPr lang="en-US" sz="1800" b="0" i="0" u="none" strike="noStrike" kern="1200" cap="none" spc="0" baseline="0">
+                <a:solidFill>
+                  <a:srgbClr val="000000"/>
+                </a:solidFill>
+                <a:uFillTx/>
+                <a:latin typeface="Calisto MT"/>
+              </a:defRPr>
+            </a:lvl2pPr>
+            <a:lvl3pPr marL="1143000" marR="0" lvl="2" indent="-228600" algn="l" defTabSz="914400" rtl="0" fontAlgn="auto" hangingPunct="1">
+              <a:lnSpc>
+                <a:spcPct val="110000"/>
+              </a:lnSpc>
+              <a:spcBef>
+                <a:spcPts val="500"/>
+              </a:spcBef>
+              <a:spcAft>
+                <a:spcPts val="0"/>
+              </a:spcAft>
+              <a:buSzPct val="100000"/>
+              <a:buFont typeface="Arial" pitchFamily="34"/>
+              <a:buChar char="•"/>
+              <a:tabLst/>
+              <a:defRPr lang="en-US" sz="1600" b="0" i="0" u="none" strike="noStrike" kern="1200" cap="none" spc="0" baseline="0">
+                <a:solidFill>
+                  <a:srgbClr val="000000"/>
+                </a:solidFill>
+                <a:uFillTx/>
+                <a:latin typeface="Calisto MT"/>
+              </a:defRPr>
+            </a:lvl3pPr>
+            <a:lvl4pPr marL="1600200" marR="0" lvl="3" indent="-228600" algn="l" defTabSz="914400" rtl="0" fontAlgn="auto" hangingPunct="1">
+              <a:lnSpc>
+                <a:spcPct val="110000"/>
+              </a:lnSpc>
+              <a:spcBef>
+                <a:spcPts val="500"/>
+              </a:spcBef>
+              <a:spcAft>
+                <a:spcPts val="0"/>
+              </a:spcAft>
+              <a:buSzPct val="100000"/>
+              <a:buFont typeface="Arial" pitchFamily="34"/>
+              <a:buChar char="•"/>
+              <a:tabLst/>
+              <a:defRPr lang="en-US" sz="1400" b="0" i="0" u="none" strike="noStrike" kern="1200" cap="none" spc="0" baseline="0">
+                <a:solidFill>
+                  <a:srgbClr val="000000"/>
+                </a:solidFill>
+                <a:uFillTx/>
+                <a:latin typeface="Calisto MT"/>
+              </a:defRPr>
+            </a:lvl4pPr>
+            <a:lvl5pPr marL="2057400" marR="0" lvl="4" indent="-228600" algn="l" defTabSz="914400" rtl="0" fontAlgn="auto" hangingPunct="1">
+              <a:lnSpc>
+                <a:spcPct val="110000"/>
+              </a:lnSpc>
+              <a:spcBef>
+                <a:spcPts val="500"/>
+              </a:spcBef>
+              <a:spcAft>
+                <a:spcPts val="0"/>
+              </a:spcAft>
+              <a:buSzPct val="100000"/>
+              <a:buFont typeface="Arial" pitchFamily="34"/>
+              <a:buChar char="•"/>
+              <a:tabLst/>
+              <a:defRPr lang="en-US" sz="1400" b="0" i="0" u="none" strike="noStrike" kern="1200" cap="none" spc="0" baseline="0">
+                <a:solidFill>
+                  <a:srgbClr val="000000"/>
+                </a:solidFill>
+                <a:uFillTx/>
+                <a:latin typeface="Calisto MT"/>
+              </a:defRPr>
+            </a:lvl5pPr>
+            <a:lvl6pPr marL="2514600" indent="-228600" algn="l" defTabSz="914400" rtl="0" eaLnBrk="1" latinLnBrk="0" hangingPunct="1">
+              <a:lnSpc>
+                <a:spcPct val="90000"/>
+              </a:lnSpc>
+              <a:spcBef>
+                <a:spcPts val="500"/>
+              </a:spcBef>
+              <a:buFont typeface="Arial" panose="020B0604020202020204" pitchFamily="34" charset="0"/>
+              <a:buChar char="•"/>
+              <a:defRPr sz="1800" kern="1200">
+                <a:solidFill>
+                  <a:schemeClr val="tx1"/>
+                </a:solidFill>
+                <a:latin typeface="+mn-lt"/>
+                <a:ea typeface="+mn-ea"/>
+                <a:cs typeface="+mn-cs"/>
+              </a:defRPr>
+            </a:lvl6pPr>
+            <a:lvl7pPr marL="2971800" indent="-228600" algn="l" defTabSz="914400" rtl="0" eaLnBrk="1" latinLnBrk="0" hangingPunct="1">
+              <a:lnSpc>
+                <a:spcPct val="90000"/>
+              </a:lnSpc>
+              <a:spcBef>
+                <a:spcPts val="500"/>
+              </a:spcBef>
+              <a:buFont typeface="Arial" panose="020B0604020202020204" pitchFamily="34" charset="0"/>
+              <a:buChar char="•"/>
+              <a:defRPr sz="1800" kern="1200">
+                <a:solidFill>
+                  <a:schemeClr val="tx1"/>
+                </a:solidFill>
+                <a:latin typeface="+mn-lt"/>
+                <a:ea typeface="+mn-ea"/>
+                <a:cs typeface="+mn-cs"/>
+              </a:defRPr>
+            </a:lvl7pPr>
+            <a:lvl8pPr marL="3429000" indent="-228600" algn="l" defTabSz="914400" rtl="0" eaLnBrk="1" latinLnBrk="0" hangingPunct="1">
+              <a:lnSpc>
+                <a:spcPct val="90000"/>
+              </a:lnSpc>
+              <a:spcBef>
+                <a:spcPts val="500"/>
+              </a:spcBef>
+              <a:buFont typeface="Arial" panose="020B0604020202020204" pitchFamily="34" charset="0"/>
+              <a:buChar char="•"/>
+              <a:defRPr sz="1800" kern="1200">
+                <a:solidFill>
+                  <a:schemeClr val="tx1"/>
+                </a:solidFill>
+                <a:latin typeface="+mn-lt"/>
+                <a:ea typeface="+mn-ea"/>
+                <a:cs typeface="+mn-cs"/>
+              </a:defRPr>
+            </a:lvl8pPr>
+            <a:lvl9pPr marL="3886200" indent="-228600" algn="l" defTabSz="914400" rtl="0" eaLnBrk="1" latinLnBrk="0" hangingPunct="1">
+              <a:lnSpc>
+                <a:spcPct val="90000"/>
+              </a:lnSpc>
+              <a:spcBef>
+                <a:spcPts val="500"/>
+              </a:spcBef>
+              <a:buFont typeface="Arial" panose="020B0604020202020204" pitchFamily="34" charset="0"/>
+              <a:buChar char="•"/>
+              <a:defRPr sz="1800" kern="1200">
+                <a:solidFill>
+                  <a:schemeClr val="tx1"/>
+                </a:solidFill>
+                <a:latin typeface="+mn-lt"/>
+                <a:ea typeface="+mn-ea"/>
+                <a:cs typeface="+mn-cs"/>
+              </a:defRPr>
+            </a:lvl9pPr>
+          </a:lstStyle>
+          <a:p>
+            <a:pPr marL="0" indent="0">
+              <a:buFont typeface="Arial" pitchFamily="34"/>
+              <a:buNone/>
+            </a:pPr>
+            <a:r>
+              <a:rPr lang="en-CA" dirty="0"/>
+              <a:t>Fairness With Threshold Optimizer</a:t>
+            </a:r>
+          </a:p>
+        </p:txBody>
+      </p:sp>
+      <p:pic>
+        <p:nvPicPr>
+          <p:cNvPr id="12" name="Picture 11" descr="A black background with white text&#10;&#10;AI-generated content may be incorrect.">
+            <a:extLst>
+              <a:ext uri="{FF2B5EF4-FFF2-40B4-BE49-F238E27FC236}">
+                <a16:creationId xmlns:a16="http://schemas.microsoft.com/office/drawing/2014/main" id="{0F4220D1-3800-83D6-EC19-97EED6E83ECB}"/>
+              </a:ext>
+            </a:extLst>
+          </p:cNvPr>
+          <p:cNvPicPr>
+            <a:picLocks noChangeAspect="1"/>
+          </p:cNvPicPr>
+          <p:nvPr/>
+        </p:nvPicPr>
+        <p:blipFill>
+          <a:blip r:embed="rId4">
+            <a:extLst>
+              <a:ext uri="{28A0092B-C50C-407E-A947-70E740481C1C}">
+                <a14:useLocalDpi xmlns:a14="http://schemas.microsoft.com/office/drawing/2010/main" val="0"/>
+              </a:ext>
+            </a:extLst>
+          </a:blip>
+          <a:stretch>
+            <a:fillRect/>
+          </a:stretch>
+        </p:blipFill>
+        <p:spPr>
+          <a:xfrm>
+            <a:off x="8121208" y="3114718"/>
+            <a:ext cx="3529033" cy="750858"/>
+          </a:xfrm>
+          <a:prstGeom prst="rect">
+            <a:avLst/>
+          </a:prstGeom>
+        </p:spPr>
+      </p:pic>
     </p:spTree>
   </p:cSld>
   <p:clrMapOvr>
     <a:masterClrMapping/>
   </p:clrMapOvr>
+  <mc:AlternateContent xmlns:mc="http://schemas.openxmlformats.org/markup-compatibility/2006">
+    <mc:Choice xmlns:p159="http://schemas.microsoft.com/office/powerpoint/2015/09/main" Requires="p159">
+      <p:transition xmlns:p14="http://schemas.microsoft.com/office/powerpoint/2010/main" spd="slow" p14:dur="2000">
+        <p159:morph option="byWord"/>
+      </p:transition>
+    </mc:Choice>
+    <mc:Fallback>
+      <p:transition spd="slow">
+        <p:fade/>
+      </p:transition>
+    </mc:Fallback>
+  </mc:AlternateContent>
+  <p:timing>
+    <p:tnLst>
+      <p:par>
+        <p:cTn id="1" dur="indefinite" restart="never" nodeType="tmRoot">
+          <p:childTnLst>
+            <p:seq concurrent="1" nextAc="seek">
+              <p:cTn id="2" dur="indefinite" nodeType="mainSeq">
+                <p:childTnLst>
+                  <p:par>
+                    <p:cTn id="3" fill="hold">
+                      <p:stCondLst>
+                        <p:cond delay="indefinite"/>
+                      </p:stCondLst>
+                      <p:childTnLst>
+                        <p:par>
+                          <p:cTn id="4" fill="hold">
+                            <p:stCondLst>
+                              <p:cond delay="0"/>
+                            </p:stCondLst>
+                            <p:childTnLst>
+                              <p:par>
+                                <p:cTn id="5" presetID="10" presetClass="entr" presetSubtype="0" fill="hold" grpId="0" nodeType="clickEffect">
+                                  <p:stCondLst>
+                                    <p:cond delay="0"/>
+                                  </p:stCondLst>
+                                  <p:childTnLst>
+                                    <p:set>
+                                      <p:cBhvr>
+                                        <p:cTn id="6" dur="1" fill="hold">
+                                          <p:stCondLst>
+                                            <p:cond delay="0"/>
+                                          </p:stCondLst>
+                                        </p:cTn>
+                                        <p:tgtEl>
+                                          <p:spTgt spid="13"/>
+                                        </p:tgtEl>
+                                        <p:attrNameLst>
+                                          <p:attrName>style.visibility</p:attrName>
+                                        </p:attrNameLst>
+                                      </p:cBhvr>
+                                      <p:to>
+                                        <p:strVal val="visible"/>
+                                      </p:to>
+                                    </p:set>
+                                    <p:animEffect transition="in" filter="fade">
+                                      <p:cBhvr>
+                                        <p:cTn id="7" dur="500"/>
+                                        <p:tgtEl>
+                                          <p:spTgt spid="13"/>
+                                        </p:tgtEl>
+                                      </p:cBhvr>
+                                    </p:animEffect>
+                                  </p:childTnLst>
+                                </p:cTn>
+                              </p:par>
+                            </p:childTnLst>
+                          </p:cTn>
+                        </p:par>
+                      </p:childTnLst>
+                    </p:cTn>
+                  </p:par>
+                </p:childTnLst>
+              </p:cTn>
+              <p:prevCondLst>
+                <p:cond evt="onPrev" delay="0">
+                  <p:tgtEl>
+                    <p:sldTgt/>
+                  </p:tgtEl>
+                </p:cond>
+              </p:prevCondLst>
+              <p:nextCondLst>
+                <p:cond evt="onNext" delay="0">
+                  <p:tgtEl>
+                    <p:sldTgt/>
+                  </p:tgtEl>
+                </p:cond>
+              </p:nextCondLst>
+            </p:seq>
+          </p:childTnLst>
+        </p:cTn>
+      </p:par>
+    </p:tnLst>
+    <p:bldLst>
+      <p:bldP spid="13" grpId="0" animBg="1"/>
+    </p:bldLst>
+  </p:timing>
 </p:sld>
 </file>
 
-<file path=ppt/slides/slide14.xml><?xml version="1.0" encoding="utf-8"?>
+<file path=ppt/slides/slide17.xml><?xml version="1.0" encoding="utf-8"?>
+<p:sld xmlns:a="http://schemas.openxmlformats.org/drawingml/2006/main" xmlns:r="http://schemas.openxmlformats.org/officeDocument/2006/relationships" xmlns:p="http://schemas.openxmlformats.org/presentationml/2006/main">
+  <p:cSld name="Slide11">
+    <p:spTree>
+      <p:nvGrpSpPr>
+        <p:cNvPr id="1" name=""/>
+        <p:cNvGrpSpPr/>
+        <p:nvPr/>
+      </p:nvGrpSpPr>
+      <p:grpSpPr>
+        <a:xfrm>
+          <a:off x="0" y="0"/>
+          <a:ext cx="0" cy="0"/>
+          <a:chOff x="0" y="0"/>
+          <a:chExt cx="0" cy="0"/>
+        </a:xfrm>
+      </p:grpSpPr>
+      <p:sp>
+        <p:nvSpPr>
+          <p:cNvPr id="2" name="Title 1">
+            <a:extLst>
+              <a:ext uri="{FF2B5EF4-FFF2-40B4-BE49-F238E27FC236}">
+                <a16:creationId xmlns:a16="http://schemas.microsoft.com/office/drawing/2014/main" id="{4A1593A6-F7DC-9F42-73D3-272E58014F50}"/>
+              </a:ext>
+            </a:extLst>
+          </p:cNvPr>
+          <p:cNvSpPr txBox="1">
+            <a:spLocks noGrp="1"/>
+          </p:cNvSpPr>
+          <p:nvPr>
+            <p:ph type="title"/>
+          </p:nvPr>
+        </p:nvSpPr>
+        <p:spPr/>
+        <p:txBody>
+          <a:bodyPr/>
+          <a:lstStyle/>
+          <a:p>
+            <a:pPr lvl="0"/>
+            <a:r>
+              <a:rPr lang="en-CA"/>
+              <a:t>Unfair vs fair model performance</a:t>
+            </a:r>
+          </a:p>
+        </p:txBody>
+      </p:sp>
+      <p:sp>
+        <p:nvSpPr>
+          <p:cNvPr id="4" name="Slide Number Placeholder 3">
+            <a:extLst>
+              <a:ext uri="{FF2B5EF4-FFF2-40B4-BE49-F238E27FC236}">
+                <a16:creationId xmlns:a16="http://schemas.microsoft.com/office/drawing/2014/main" id="{30091BAE-71B0-0C7C-F92E-5B10C681403E}"/>
+              </a:ext>
+            </a:extLst>
+          </p:cNvPr>
+          <p:cNvSpPr>
+            <a:spLocks noGrp="1"/>
+          </p:cNvSpPr>
+          <p:nvPr>
+            <p:ph type="sldNum" sz="quarter" idx="8"/>
+          </p:nvPr>
+        </p:nvSpPr>
+        <p:spPr/>
+        <p:txBody>
+          <a:bodyPr/>
+          <a:lstStyle/>
+          <a:p>
+            <a:pPr lvl="0"/>
+            <a:fld id="{D77B7DE3-5275-4141-B2BD-BBADDBD1929D}" type="slidenum">
+              <a:rPr lang="en-CH" smtClean="0"/>
+              <a:t>17</a:t>
+            </a:fld>
+            <a:endParaRPr lang="en-CH"/>
+          </a:p>
+        </p:txBody>
+      </p:sp>
+      <p:pic>
+        <p:nvPicPr>
+          <p:cNvPr id="5" name="Picture 4">
+            <a:extLst>
+              <a:ext uri="{FF2B5EF4-FFF2-40B4-BE49-F238E27FC236}">
+                <a16:creationId xmlns:a16="http://schemas.microsoft.com/office/drawing/2014/main" id="{D651D841-0B48-753A-278A-F4BE17D13216}"/>
+              </a:ext>
+            </a:extLst>
+          </p:cNvPr>
+          <p:cNvPicPr>
+            <a:picLocks noChangeAspect="1"/>
+          </p:cNvPicPr>
+          <p:nvPr/>
+        </p:nvPicPr>
+        <p:blipFill>
+          <a:blip r:embed="rId2"/>
+          <a:stretch>
+            <a:fillRect/>
+          </a:stretch>
+        </p:blipFill>
+        <p:spPr>
+          <a:xfrm>
+            <a:off x="800104" y="1934417"/>
+            <a:ext cx="10353547" cy="3764926"/>
+          </a:xfrm>
+          <a:prstGeom prst="rect">
+            <a:avLst/>
+          </a:prstGeom>
+        </p:spPr>
+      </p:pic>
+    </p:spTree>
+  </p:cSld>
+  <p:clrMapOvr>
+    <a:masterClrMapping/>
+  </p:clrMapOvr>
+  <mc:AlternateContent xmlns:mc="http://schemas.openxmlformats.org/markup-compatibility/2006">
+    <mc:Choice xmlns:p159="http://schemas.microsoft.com/office/powerpoint/2015/09/main" Requires="p159">
+      <p:transition xmlns:p14="http://schemas.microsoft.com/office/powerpoint/2010/main" spd="slow" p14:dur="2000">
+        <p159:morph option="byWord"/>
+      </p:transition>
+    </mc:Choice>
+    <mc:Fallback>
+      <p:transition spd="slow">
+        <p:fade/>
+      </p:transition>
+    </mc:Fallback>
+  </mc:AlternateContent>
+</p:sld>
+</file>
+
+<file path=ppt/slides/slide18.xml><?xml version="1.0" encoding="utf-8"?>
 <p:sld xmlns:a="http://schemas.openxmlformats.org/drawingml/2006/main" xmlns:r="http://schemas.openxmlformats.org/officeDocument/2006/relationships" xmlns:p="http://schemas.openxmlformats.org/presentationml/2006/main">
   <p:cSld name="Slide12">
     <p:spTree>
@@ -4367,18 +7045,18 @@
       </p:sp>
       <p:sp>
         <p:nvSpPr>
-          <p:cNvPr id="3" name="Content Placeholder 2">
-            <a:extLst>
-              <a:ext uri="{FF2B5EF4-FFF2-40B4-BE49-F238E27FC236}">
-                <a16:creationId xmlns:a16="http://schemas.microsoft.com/office/drawing/2014/main" id="{CD2D2293-6CAD-4569-6906-C03EC30AC711}"/>
-              </a:ext>
-            </a:extLst>
-          </p:cNvPr>
-          <p:cNvSpPr txBox="1">
-            <a:spLocks noGrp="1"/>
-          </p:cNvSpPr>
-          <p:nvPr>
-            <p:ph idx="1"/>
+          <p:cNvPr id="4" name="Slide Number Placeholder 3">
+            <a:extLst>
+              <a:ext uri="{FF2B5EF4-FFF2-40B4-BE49-F238E27FC236}">
+                <a16:creationId xmlns:a16="http://schemas.microsoft.com/office/drawing/2014/main" id="{3F944D9C-951B-C27F-FF1F-F565754BD9D6}"/>
+              </a:ext>
+            </a:extLst>
+          </p:cNvPr>
+          <p:cNvSpPr>
+            <a:spLocks noGrp="1"/>
+          </p:cNvSpPr>
+          <p:nvPr>
+            <p:ph type="sldNum" sz="quarter" idx="8"/>
           </p:nvPr>
         </p:nvSpPr>
         <p:spPr/>
@@ -4386,19 +7064,66 @@
           <a:bodyPr/>
           <a:lstStyle/>
           <a:p>
-            <a:endParaRPr lang="en-CA"/>
-          </a:p>
-        </p:txBody>
-      </p:sp>
+            <a:pPr lvl="0"/>
+            <a:fld id="{D77B7DE3-5275-4141-B2BD-BBADDBD1929D}" type="slidenum">
+              <a:rPr lang="en-CH" smtClean="0"/>
+              <a:t>18</a:t>
+            </a:fld>
+            <a:endParaRPr lang="en-CH"/>
+          </a:p>
+        </p:txBody>
+      </p:sp>
+      <p:pic>
+        <p:nvPicPr>
+          <p:cNvPr id="5" name="Picture 4">
+            <a:extLst>
+              <a:ext uri="{FF2B5EF4-FFF2-40B4-BE49-F238E27FC236}">
+                <a16:creationId xmlns:a16="http://schemas.microsoft.com/office/drawing/2014/main" id="{77381E32-CF1B-EC2D-90B1-A1FA054B354A}"/>
+              </a:ext>
+            </a:extLst>
+          </p:cNvPr>
+          <p:cNvPicPr>
+            <a:picLocks noChangeAspect="1"/>
+          </p:cNvPicPr>
+          <p:nvPr/>
+        </p:nvPicPr>
+        <p:blipFill>
+          <a:blip r:embed="rId2"/>
+          <a:stretch>
+            <a:fillRect/>
+          </a:stretch>
+        </p:blipFill>
+        <p:spPr>
+          <a:xfrm>
+            <a:off x="2899514" y="1665643"/>
+            <a:ext cx="6392971" cy="4327888"/>
+          </a:xfrm>
+          <a:prstGeom prst="rect">
+            <a:avLst/>
+          </a:prstGeom>
+        </p:spPr>
+      </p:pic>
     </p:spTree>
   </p:cSld>
   <p:clrMapOvr>
     <a:masterClrMapping/>
   </p:clrMapOvr>
+  <mc:AlternateContent xmlns:mc="http://schemas.openxmlformats.org/markup-compatibility/2006">
+    <mc:Choice xmlns:p159="http://schemas.microsoft.com/office/powerpoint/2015/09/main" Requires="p159">
+      <p:transition xmlns:p14="http://schemas.microsoft.com/office/powerpoint/2010/main" spd="slow" p14:dur="2000">
+        <p159:morph option="byWord"/>
+      </p:transition>
+    </mc:Choice>
+    <mc:Fallback>
+      <p:transition spd="slow">
+        <p:fade/>
+      </p:transition>
+    </mc:Fallback>
+  </mc:AlternateContent>
 </p:sld>
 </file>
 
-<file path=ppt/slides/slide15.xml><?xml version="1.0" encoding="utf-8"?>
+<file path=ppt/slides/slide19.xml><?xml version="1.0" encoding="utf-8"?>
 <p:sld xmlns:a="http://schemas.openxmlformats.org/drawingml/2006/main" xmlns:r="http://schemas.openxmlformats.org/officeDocument/2006/relationships" xmlns:p="http://schemas.openxmlformats.org/presentationml/2006/main">
   <p:cSld name="Slide13">
     <p:spTree>
@@ -4446,18 +7171,18 @@
       </p:sp>
       <p:sp>
         <p:nvSpPr>
-          <p:cNvPr id="3" name="Content Placeholder 2">
-            <a:extLst>
-              <a:ext uri="{FF2B5EF4-FFF2-40B4-BE49-F238E27FC236}">
-                <a16:creationId xmlns:a16="http://schemas.microsoft.com/office/drawing/2014/main" id="{7518755E-F957-A66A-A69B-B2CCF728A811}"/>
-              </a:ext>
-            </a:extLst>
-          </p:cNvPr>
-          <p:cNvSpPr txBox="1">
-            <a:spLocks noGrp="1"/>
-          </p:cNvSpPr>
-          <p:nvPr>
-            <p:ph idx="1"/>
+          <p:cNvPr id="4" name="Slide Number Placeholder 3">
+            <a:extLst>
+              <a:ext uri="{FF2B5EF4-FFF2-40B4-BE49-F238E27FC236}">
+                <a16:creationId xmlns:a16="http://schemas.microsoft.com/office/drawing/2014/main" id="{A1204830-BAAF-478F-A0DA-C0EF305C65AA}"/>
+              </a:ext>
+            </a:extLst>
+          </p:cNvPr>
+          <p:cNvSpPr>
+            <a:spLocks noGrp="1"/>
+          </p:cNvSpPr>
+          <p:nvPr>
+            <p:ph type="sldNum" sz="quarter" idx="8"/>
           </p:nvPr>
         </p:nvSpPr>
         <p:spPr/>
@@ -4465,331 +7190,62 @@
           <a:bodyPr/>
           <a:lstStyle/>
           <a:p>
-            <a:endParaRPr lang="en-CA"/>
-          </a:p>
-        </p:txBody>
-      </p:sp>
+            <a:pPr lvl="0"/>
+            <a:fld id="{D77B7DE3-5275-4141-B2BD-BBADDBD1929D}" type="slidenum">
+              <a:rPr lang="en-CH" smtClean="0"/>
+              <a:t>19</a:t>
+            </a:fld>
+            <a:endParaRPr lang="en-CH"/>
+          </a:p>
+        </p:txBody>
+      </p:sp>
+      <p:pic>
+        <p:nvPicPr>
+          <p:cNvPr id="5" name="Picture 4">
+            <a:extLst>
+              <a:ext uri="{FF2B5EF4-FFF2-40B4-BE49-F238E27FC236}">
+                <a16:creationId xmlns:a16="http://schemas.microsoft.com/office/drawing/2014/main" id="{4CE85942-99E7-AE7E-1962-7B8F85698819}"/>
+              </a:ext>
+            </a:extLst>
+          </p:cNvPr>
+          <p:cNvPicPr>
+            <a:picLocks noChangeAspect="1"/>
+          </p:cNvPicPr>
+          <p:nvPr/>
+        </p:nvPicPr>
+        <p:blipFill>
+          <a:blip r:embed="rId2"/>
+          <a:stretch>
+            <a:fillRect/>
+          </a:stretch>
+        </p:blipFill>
+        <p:spPr>
+          <a:xfrm>
+            <a:off x="1846458" y="1764649"/>
+            <a:ext cx="8499083" cy="4178951"/>
+          </a:xfrm>
+          <a:prstGeom prst="rect">
+            <a:avLst/>
+          </a:prstGeom>
+        </p:spPr>
+      </p:pic>
     </p:spTree>
   </p:cSld>
   <p:clrMapOvr>
     <a:masterClrMapping/>
   </p:clrMapOvr>
-</p:sld>
-</file>
-
-<file path=ppt/slides/slide16.xml><?xml version="1.0" encoding="utf-8"?>
-<p:sld xmlns:a="http://schemas.openxmlformats.org/drawingml/2006/main" xmlns:r="http://schemas.openxmlformats.org/officeDocument/2006/relationships" xmlns:p="http://schemas.openxmlformats.org/presentationml/2006/main">
-  <p:cSld name="Slide11">
-    <p:spTree>
-      <p:nvGrpSpPr>
-        <p:cNvPr id="1" name=""/>
-        <p:cNvGrpSpPr/>
-        <p:nvPr/>
-      </p:nvGrpSpPr>
-      <p:grpSpPr>
-        <a:xfrm>
-          <a:off x="0" y="0"/>
-          <a:ext cx="0" cy="0"/>
-          <a:chOff x="0" y="0"/>
-          <a:chExt cx="0" cy="0"/>
-        </a:xfrm>
-      </p:grpSpPr>
-      <p:sp>
-        <p:nvSpPr>
-          <p:cNvPr id="2" name="Title 1">
-            <a:extLst>
-              <a:ext uri="{FF2B5EF4-FFF2-40B4-BE49-F238E27FC236}">
-                <a16:creationId xmlns:a16="http://schemas.microsoft.com/office/drawing/2014/main" id="{4A1593A6-F7DC-9F42-73D3-272E58014F50}"/>
-              </a:ext>
-            </a:extLst>
-          </p:cNvPr>
-          <p:cNvSpPr txBox="1">
-            <a:spLocks noGrp="1"/>
-          </p:cNvSpPr>
-          <p:nvPr>
-            <p:ph type="title"/>
-          </p:nvPr>
-        </p:nvSpPr>
-        <p:spPr/>
-        <p:txBody>
-          <a:bodyPr/>
-          <a:lstStyle/>
-          <a:p>
-            <a:pPr lvl="0"/>
-            <a:r>
-              <a:rPr lang="en-CA"/>
-              <a:t>Unfair vs fair model performance</a:t>
-            </a:r>
-          </a:p>
-        </p:txBody>
-      </p:sp>
-      <p:sp>
-        <p:nvSpPr>
-          <p:cNvPr id="3" name="Content Placeholder 2">
-            <a:extLst>
-              <a:ext uri="{FF2B5EF4-FFF2-40B4-BE49-F238E27FC236}">
-                <a16:creationId xmlns:a16="http://schemas.microsoft.com/office/drawing/2014/main" id="{8D164ADA-88D3-E6B5-95EA-251A6E53E81B}"/>
-              </a:ext>
-            </a:extLst>
-          </p:cNvPr>
-          <p:cNvSpPr txBox="1">
-            <a:spLocks noGrp="1"/>
-          </p:cNvSpPr>
-          <p:nvPr>
-            <p:ph idx="1"/>
-          </p:nvPr>
-        </p:nvSpPr>
-        <p:spPr/>
-        <p:txBody>
-          <a:bodyPr/>
-          <a:lstStyle/>
-          <a:p>
-            <a:endParaRPr lang="en-CA"/>
-          </a:p>
-        </p:txBody>
-      </p:sp>
-    </p:spTree>
-  </p:cSld>
-  <p:clrMapOvr>
-    <a:masterClrMapping/>
-  </p:clrMapOvr>
-</p:sld>
-</file>
-
-<file path=ppt/slides/slide17.xml><?xml version="1.0" encoding="utf-8"?>
-<p:sld xmlns:a="http://schemas.openxmlformats.org/drawingml/2006/main" xmlns:r="http://schemas.openxmlformats.org/officeDocument/2006/relationships" xmlns:p="http://schemas.openxmlformats.org/presentationml/2006/main">
-  <p:cSld name="Slide17">
-    <p:spTree>
-      <p:nvGrpSpPr>
-        <p:cNvPr id="1" name=""/>
-        <p:cNvGrpSpPr/>
-        <p:nvPr/>
-      </p:nvGrpSpPr>
-      <p:grpSpPr>
-        <a:xfrm>
-          <a:off x="0" y="0"/>
-          <a:ext cx="0" cy="0"/>
-          <a:chOff x="0" y="0"/>
-          <a:chExt cx="0" cy="0"/>
-        </a:xfrm>
-      </p:grpSpPr>
-      <p:sp>
-        <p:nvSpPr>
-          <p:cNvPr id="2" name="Title 1">
-            <a:extLst>
-              <a:ext uri="{FF2B5EF4-FFF2-40B4-BE49-F238E27FC236}">
-                <a16:creationId xmlns:a16="http://schemas.microsoft.com/office/drawing/2014/main" id="{BB26F296-055E-92A7-3DFE-AF0669B5CA45}"/>
-              </a:ext>
-            </a:extLst>
-          </p:cNvPr>
-          <p:cNvSpPr txBox="1">
-            <a:spLocks noGrp="1"/>
-          </p:cNvSpPr>
-          <p:nvPr>
-            <p:ph type="title"/>
-          </p:nvPr>
-        </p:nvSpPr>
-        <p:spPr/>
-        <p:txBody>
-          <a:bodyPr/>
-          <a:lstStyle/>
-          <a:p>
-            <a:pPr lvl="0"/>
-            <a:r>
-              <a:rPr lang="en-CA"/>
-              <a:t>Explanation differences</a:t>
-            </a:r>
-          </a:p>
-        </p:txBody>
-      </p:sp>
-      <p:sp>
-        <p:nvSpPr>
-          <p:cNvPr id="3" name="Content Placeholder 2">
-            <a:extLst>
-              <a:ext uri="{FF2B5EF4-FFF2-40B4-BE49-F238E27FC236}">
-                <a16:creationId xmlns:a16="http://schemas.microsoft.com/office/drawing/2014/main" id="{297CDFCF-7E05-4ACD-FF5E-B88494B0C8C2}"/>
-              </a:ext>
-            </a:extLst>
-          </p:cNvPr>
-          <p:cNvSpPr txBox="1">
-            <a:spLocks noGrp="1"/>
-          </p:cNvSpPr>
-          <p:nvPr>
-            <p:ph idx="1"/>
-          </p:nvPr>
-        </p:nvSpPr>
-        <p:spPr/>
-        <p:txBody>
-          <a:bodyPr/>
-          <a:lstStyle/>
-          <a:p>
-            <a:endParaRPr lang="en-CA"/>
-          </a:p>
-        </p:txBody>
-      </p:sp>
-    </p:spTree>
-  </p:cSld>
-  <p:clrMapOvr>
-    <a:masterClrMapping/>
-  </p:clrMapOvr>
-</p:sld>
-</file>
-
-<file path=ppt/slides/slide18.xml><?xml version="1.0" encoding="utf-8"?>
-<p:sld xmlns:a="http://schemas.openxmlformats.org/drawingml/2006/main" xmlns:r="http://schemas.openxmlformats.org/officeDocument/2006/relationships" xmlns:p="http://schemas.openxmlformats.org/presentationml/2006/main">
-  <p:cSld name="Slide14">
-    <p:spTree>
-      <p:nvGrpSpPr>
-        <p:cNvPr id="1" name=""/>
-        <p:cNvGrpSpPr/>
-        <p:nvPr/>
-      </p:nvGrpSpPr>
-      <p:grpSpPr>
-        <a:xfrm>
-          <a:off x="0" y="0"/>
-          <a:ext cx="0" cy="0"/>
-          <a:chOff x="0" y="0"/>
-          <a:chExt cx="0" cy="0"/>
-        </a:xfrm>
-      </p:grpSpPr>
-      <p:sp>
-        <p:nvSpPr>
-          <p:cNvPr id="2" name="Title 1">
-            <a:extLst>
-              <a:ext uri="{FF2B5EF4-FFF2-40B4-BE49-F238E27FC236}">
-                <a16:creationId xmlns:a16="http://schemas.microsoft.com/office/drawing/2014/main" id="{94355767-44A9-8F1A-6633-E6C8B59B7BE8}"/>
-              </a:ext>
-            </a:extLst>
-          </p:cNvPr>
-          <p:cNvSpPr txBox="1">
-            <a:spLocks noGrp="1"/>
-          </p:cNvSpPr>
-          <p:nvPr>
-            <p:ph type="title"/>
-          </p:nvPr>
-        </p:nvSpPr>
-        <p:spPr/>
-        <p:txBody>
-          <a:bodyPr/>
-          <a:lstStyle/>
-          <a:p>
-            <a:pPr lvl="0"/>
-            <a:r>
-              <a:rPr lang="en-CA"/>
-              <a:t>conclusion</a:t>
-            </a:r>
-          </a:p>
-        </p:txBody>
-      </p:sp>
-      <p:sp>
-        <p:nvSpPr>
-          <p:cNvPr id="3" name="Content Placeholder 2">
-            <a:extLst>
-              <a:ext uri="{FF2B5EF4-FFF2-40B4-BE49-F238E27FC236}">
-                <a16:creationId xmlns:a16="http://schemas.microsoft.com/office/drawing/2014/main" id="{CD4DBEBE-C099-758D-4398-065051663E8D}"/>
-              </a:ext>
-            </a:extLst>
-          </p:cNvPr>
-          <p:cNvSpPr txBox="1">
-            <a:spLocks noGrp="1"/>
-          </p:cNvSpPr>
-          <p:nvPr>
-            <p:ph idx="1"/>
-          </p:nvPr>
-        </p:nvSpPr>
-        <p:spPr/>
-        <p:txBody>
-          <a:bodyPr/>
-          <a:lstStyle/>
-          <a:p>
-            <a:endParaRPr lang="en-CA"/>
-          </a:p>
-        </p:txBody>
-      </p:sp>
-    </p:spTree>
-  </p:cSld>
-  <p:clrMapOvr>
-    <a:masterClrMapping/>
-  </p:clrMapOvr>
-</p:sld>
-</file>
-
-<file path=ppt/slides/slide19.xml><?xml version="1.0" encoding="utf-8"?>
-<p:sld xmlns:a="http://schemas.openxmlformats.org/drawingml/2006/main" xmlns:r="http://schemas.openxmlformats.org/officeDocument/2006/relationships" xmlns:p="http://schemas.openxmlformats.org/presentationml/2006/main">
-  <p:cSld name="Slide15">
-    <p:spTree>
-      <p:nvGrpSpPr>
-        <p:cNvPr id="1" name=""/>
-        <p:cNvGrpSpPr/>
-        <p:nvPr/>
-      </p:nvGrpSpPr>
-      <p:grpSpPr>
-        <a:xfrm>
-          <a:off x="0" y="0"/>
-          <a:ext cx="0" cy="0"/>
-          <a:chOff x="0" y="0"/>
-          <a:chExt cx="0" cy="0"/>
-        </a:xfrm>
-      </p:grpSpPr>
-      <p:sp>
-        <p:nvSpPr>
-          <p:cNvPr id="2" name="Title 1">
-            <a:extLst>
-              <a:ext uri="{FF2B5EF4-FFF2-40B4-BE49-F238E27FC236}">
-                <a16:creationId xmlns:a16="http://schemas.microsoft.com/office/drawing/2014/main" id="{A3F1C86C-7775-46CE-88F6-18EF3EE146B7}"/>
-              </a:ext>
-            </a:extLst>
-          </p:cNvPr>
-          <p:cNvSpPr txBox="1">
-            <a:spLocks noGrp="1"/>
-          </p:cNvSpPr>
-          <p:nvPr>
-            <p:ph type="title"/>
-          </p:nvPr>
-        </p:nvSpPr>
-        <p:spPr/>
-        <p:txBody>
-          <a:bodyPr/>
-          <a:lstStyle/>
-          <a:p>
-            <a:pPr lvl="0"/>
-            <a:r>
-              <a:rPr lang="en-CA"/>
-              <a:t>Thank you q&amp;a</a:t>
-            </a:r>
-          </a:p>
-        </p:txBody>
-      </p:sp>
-      <p:sp>
-        <p:nvSpPr>
-          <p:cNvPr id="3" name="Content Placeholder 2">
-            <a:extLst>
-              <a:ext uri="{FF2B5EF4-FFF2-40B4-BE49-F238E27FC236}">
-                <a16:creationId xmlns:a16="http://schemas.microsoft.com/office/drawing/2014/main" id="{9FBED932-A40E-3639-284B-3A810514D279}"/>
-              </a:ext>
-            </a:extLst>
-          </p:cNvPr>
-          <p:cNvSpPr txBox="1">
-            <a:spLocks noGrp="1"/>
-          </p:cNvSpPr>
-          <p:nvPr>
-            <p:ph idx="1"/>
-          </p:nvPr>
-        </p:nvSpPr>
-        <p:spPr/>
-        <p:txBody>
-          <a:bodyPr/>
-          <a:lstStyle/>
-          <a:p>
-            <a:endParaRPr lang="en-CA"/>
-          </a:p>
-        </p:txBody>
-      </p:sp>
-    </p:spTree>
-  </p:cSld>
-  <p:clrMapOvr>
-    <a:masterClrMapping/>
-  </p:clrMapOvr>
+  <mc:AlternateContent xmlns:mc="http://schemas.openxmlformats.org/markup-compatibility/2006">
+    <mc:Choice xmlns:p159="http://schemas.microsoft.com/office/powerpoint/2015/09/main" Requires="p159">
+      <p:transition xmlns:p14="http://schemas.microsoft.com/office/powerpoint/2010/main" spd="slow" p14:dur="2000">
+        <p159:morph option="byWord"/>
+      </p:transition>
+    </mc:Choice>
+    <mc:Fallback>
+      <p:transition spd="slow">
+        <p:fade/>
+      </p:transition>
+    </mc:Fallback>
+  </mc:AlternateContent>
 </p:sld>
 </file>
 
@@ -4875,11 +7331,441 @@
           </a:p>
         </p:txBody>
       </p:sp>
+      <p:sp>
+        <p:nvSpPr>
+          <p:cNvPr id="4" name="Slide Number Placeholder 3">
+            <a:extLst>
+              <a:ext uri="{FF2B5EF4-FFF2-40B4-BE49-F238E27FC236}">
+                <a16:creationId xmlns:a16="http://schemas.microsoft.com/office/drawing/2014/main" id="{F396BDAD-2431-DA58-A0B1-0F8F8AE87088}"/>
+              </a:ext>
+            </a:extLst>
+          </p:cNvPr>
+          <p:cNvSpPr>
+            <a:spLocks noGrp="1"/>
+          </p:cNvSpPr>
+          <p:nvPr>
+            <p:ph type="sldNum" sz="quarter" idx="8"/>
+          </p:nvPr>
+        </p:nvSpPr>
+        <p:spPr/>
+        <p:txBody>
+          <a:bodyPr/>
+          <a:lstStyle/>
+          <a:p>
+            <a:pPr lvl="0"/>
+            <a:fld id="{D77B7DE3-5275-4141-B2BD-BBADDBD1929D}" type="slidenum">
+              <a:rPr lang="en-CH" smtClean="0"/>
+              <a:t>2</a:t>
+            </a:fld>
+            <a:endParaRPr lang="en-CH"/>
+          </a:p>
+        </p:txBody>
+      </p:sp>
     </p:spTree>
   </p:cSld>
   <p:clrMapOvr>
     <a:masterClrMapping/>
   </p:clrMapOvr>
+  <mc:AlternateContent xmlns:mc="http://schemas.openxmlformats.org/markup-compatibility/2006">
+    <mc:Choice xmlns:p159="http://schemas.microsoft.com/office/powerpoint/2015/09/main" Requires="p159">
+      <p:transition xmlns:p14="http://schemas.microsoft.com/office/powerpoint/2010/main" spd="slow" p14:dur="2000">
+        <p159:morph option="byWord"/>
+      </p:transition>
+    </mc:Choice>
+    <mc:Fallback>
+      <p:transition spd="slow">
+        <p:fade/>
+      </p:transition>
+    </mc:Fallback>
+  </mc:AlternateContent>
+</p:sld>
+</file>
+
+<file path=ppt/slides/slide20.xml><?xml version="1.0" encoding="utf-8"?>
+<p:sld xmlns:a="http://schemas.openxmlformats.org/drawingml/2006/main" xmlns:r="http://schemas.openxmlformats.org/officeDocument/2006/relationships" xmlns:p="http://schemas.openxmlformats.org/presentationml/2006/main">
+  <p:cSld name="Slide14">
+    <p:spTree>
+      <p:nvGrpSpPr>
+        <p:cNvPr id="1" name=""/>
+        <p:cNvGrpSpPr/>
+        <p:nvPr/>
+      </p:nvGrpSpPr>
+      <p:grpSpPr>
+        <a:xfrm>
+          <a:off x="0" y="0"/>
+          <a:ext cx="0" cy="0"/>
+          <a:chOff x="0" y="0"/>
+          <a:chExt cx="0" cy="0"/>
+        </a:xfrm>
+      </p:grpSpPr>
+      <p:sp>
+        <p:nvSpPr>
+          <p:cNvPr id="2" name="Title 1">
+            <a:extLst>
+              <a:ext uri="{FF2B5EF4-FFF2-40B4-BE49-F238E27FC236}">
+                <a16:creationId xmlns:a16="http://schemas.microsoft.com/office/drawing/2014/main" id="{94355767-44A9-8F1A-6633-E6C8B59B7BE8}"/>
+              </a:ext>
+            </a:extLst>
+          </p:cNvPr>
+          <p:cNvSpPr txBox="1">
+            <a:spLocks noGrp="1"/>
+          </p:cNvSpPr>
+          <p:nvPr>
+            <p:ph type="title"/>
+          </p:nvPr>
+        </p:nvSpPr>
+        <p:spPr/>
+        <p:txBody>
+          <a:bodyPr/>
+          <a:lstStyle/>
+          <a:p>
+            <a:pPr lvl="0"/>
+            <a:r>
+              <a:rPr lang="en-CA"/>
+              <a:t>conclusion</a:t>
+            </a:r>
+          </a:p>
+        </p:txBody>
+      </p:sp>
+      <p:sp>
+        <p:nvSpPr>
+          <p:cNvPr id="4" name="Slide Number Placeholder 3">
+            <a:extLst>
+              <a:ext uri="{FF2B5EF4-FFF2-40B4-BE49-F238E27FC236}">
+                <a16:creationId xmlns:a16="http://schemas.microsoft.com/office/drawing/2014/main" id="{F09ED3B7-71E9-D20E-5A43-A7E5BE45BBCC}"/>
+              </a:ext>
+            </a:extLst>
+          </p:cNvPr>
+          <p:cNvSpPr>
+            <a:spLocks noGrp="1"/>
+          </p:cNvSpPr>
+          <p:nvPr>
+            <p:ph type="sldNum" sz="quarter" idx="8"/>
+          </p:nvPr>
+        </p:nvSpPr>
+        <p:spPr/>
+        <p:txBody>
+          <a:bodyPr/>
+          <a:lstStyle/>
+          <a:p>
+            <a:pPr lvl="0"/>
+            <a:fld id="{D77B7DE3-5275-4141-B2BD-BBADDBD1929D}" type="slidenum">
+              <a:rPr lang="en-CH" smtClean="0"/>
+              <a:t>20</a:t>
+            </a:fld>
+            <a:endParaRPr lang="en-CH"/>
+          </a:p>
+        </p:txBody>
+      </p:sp>
+      <p:pic>
+        <p:nvPicPr>
+          <p:cNvPr id="6" name="Picture 5">
+            <a:extLst>
+              <a:ext uri="{FF2B5EF4-FFF2-40B4-BE49-F238E27FC236}">
+                <a16:creationId xmlns:a16="http://schemas.microsoft.com/office/drawing/2014/main" id="{AF0FA648-80FD-5327-1B11-7B3CFA0C67B8}"/>
+              </a:ext>
+            </a:extLst>
+          </p:cNvPr>
+          <p:cNvPicPr>
+            <a:picLocks noChangeAspect="1"/>
+          </p:cNvPicPr>
+          <p:nvPr/>
+        </p:nvPicPr>
+        <p:blipFill>
+          <a:blip r:embed="rId2"/>
+          <a:stretch>
+            <a:fillRect/>
+          </a:stretch>
+        </p:blipFill>
+        <p:spPr>
+          <a:xfrm>
+            <a:off x="3059395" y="1461891"/>
+            <a:ext cx="6073210" cy="4625709"/>
+          </a:xfrm>
+          <a:prstGeom prst="rect">
+            <a:avLst/>
+          </a:prstGeom>
+        </p:spPr>
+      </p:pic>
+    </p:spTree>
+  </p:cSld>
+  <p:clrMapOvr>
+    <a:masterClrMapping/>
+  </p:clrMapOvr>
+  <mc:AlternateContent xmlns:mc="http://schemas.openxmlformats.org/markup-compatibility/2006">
+    <mc:Choice xmlns:p159="http://schemas.microsoft.com/office/powerpoint/2015/09/main" Requires="p159">
+      <p:transition xmlns:p14="http://schemas.microsoft.com/office/powerpoint/2010/main" spd="slow" p14:dur="2000">
+        <p159:morph option="byWord"/>
+      </p:transition>
+    </mc:Choice>
+    <mc:Fallback>
+      <p:transition spd="slow">
+        <p:fade/>
+      </p:transition>
+    </mc:Fallback>
+  </mc:AlternateContent>
+</p:sld>
+</file>
+
+<file path=ppt/slides/slide21.xml><?xml version="1.0" encoding="utf-8"?>
+<p:sld xmlns:a="http://schemas.openxmlformats.org/drawingml/2006/main" xmlns:r="http://schemas.openxmlformats.org/officeDocument/2006/relationships" xmlns:p="http://schemas.openxmlformats.org/presentationml/2006/main">
+  <p:cSld>
+    <p:spTree>
+      <p:nvGrpSpPr>
+        <p:cNvPr id="1" name="">
+          <a:extLst>
+            <a:ext uri="{FF2B5EF4-FFF2-40B4-BE49-F238E27FC236}">
+              <a16:creationId xmlns:a16="http://schemas.microsoft.com/office/drawing/2014/main" id="{C4576750-F6B5-E1B6-0967-C8F6B518EA93}"/>
+            </a:ext>
+          </a:extLst>
+        </p:cNvPr>
+        <p:cNvGrpSpPr/>
+        <p:nvPr/>
+      </p:nvGrpSpPr>
+      <p:grpSpPr>
+        <a:xfrm>
+          <a:off x="0" y="0"/>
+          <a:ext cx="0" cy="0"/>
+          <a:chOff x="0" y="0"/>
+          <a:chExt cx="0" cy="0"/>
+        </a:xfrm>
+      </p:grpSpPr>
+      <p:sp>
+        <p:nvSpPr>
+          <p:cNvPr id="2" name="Title 1">
+            <a:extLst>
+              <a:ext uri="{FF2B5EF4-FFF2-40B4-BE49-F238E27FC236}">
+                <a16:creationId xmlns:a16="http://schemas.microsoft.com/office/drawing/2014/main" id="{CD8E019B-B110-924A-977F-CD979FF11729}"/>
+              </a:ext>
+            </a:extLst>
+          </p:cNvPr>
+          <p:cNvSpPr txBox="1">
+            <a:spLocks noGrp="1"/>
+          </p:cNvSpPr>
+          <p:nvPr>
+            <p:ph type="title"/>
+          </p:nvPr>
+        </p:nvSpPr>
+        <p:spPr/>
+        <p:txBody>
+          <a:bodyPr/>
+          <a:lstStyle/>
+          <a:p>
+            <a:pPr lvl="0"/>
+            <a:r>
+              <a:rPr lang="en-CA"/>
+              <a:t>conclusion</a:t>
+            </a:r>
+          </a:p>
+        </p:txBody>
+      </p:sp>
+      <p:sp>
+        <p:nvSpPr>
+          <p:cNvPr id="4" name="Slide Number Placeholder 3">
+            <a:extLst>
+              <a:ext uri="{FF2B5EF4-FFF2-40B4-BE49-F238E27FC236}">
+                <a16:creationId xmlns:a16="http://schemas.microsoft.com/office/drawing/2014/main" id="{03072D5F-E5EA-E0D3-5574-A314EB20D9A4}"/>
+              </a:ext>
+            </a:extLst>
+          </p:cNvPr>
+          <p:cNvSpPr>
+            <a:spLocks noGrp="1"/>
+          </p:cNvSpPr>
+          <p:nvPr>
+            <p:ph type="sldNum" sz="quarter" idx="8"/>
+          </p:nvPr>
+        </p:nvSpPr>
+        <p:spPr/>
+        <p:txBody>
+          <a:bodyPr/>
+          <a:lstStyle/>
+          <a:p>
+            <a:pPr lvl="0"/>
+            <a:fld id="{D77B7DE3-5275-4141-B2BD-BBADDBD1929D}" type="slidenum">
+              <a:rPr lang="en-CH" smtClean="0"/>
+              <a:t>21</a:t>
+            </a:fld>
+            <a:endParaRPr lang="en-CH"/>
+          </a:p>
+        </p:txBody>
+      </p:sp>
+      <p:pic>
+        <p:nvPicPr>
+          <p:cNvPr id="5" name="Picture 4">
+            <a:extLst>
+              <a:ext uri="{FF2B5EF4-FFF2-40B4-BE49-F238E27FC236}">
+                <a16:creationId xmlns:a16="http://schemas.microsoft.com/office/drawing/2014/main" id="{3B029FC3-CED3-73DF-E6AA-EE156B2D0C00}"/>
+              </a:ext>
+            </a:extLst>
+          </p:cNvPr>
+          <p:cNvPicPr>
+            <a:picLocks noChangeAspect="1"/>
+          </p:cNvPicPr>
+          <p:nvPr/>
+        </p:nvPicPr>
+        <p:blipFill>
+          <a:blip r:embed="rId2"/>
+          <a:stretch>
+            <a:fillRect/>
+          </a:stretch>
+        </p:blipFill>
+        <p:spPr>
+          <a:xfrm>
+            <a:off x="2209800" y="1550505"/>
+            <a:ext cx="7772400" cy="4393095"/>
+          </a:xfrm>
+          <a:prstGeom prst="rect">
+            <a:avLst/>
+          </a:prstGeom>
+        </p:spPr>
+      </p:pic>
+    </p:spTree>
+    <p:extLst>
+      <p:ext uri="{BB962C8B-B14F-4D97-AF65-F5344CB8AC3E}">
+        <p14:creationId xmlns:p14="http://schemas.microsoft.com/office/powerpoint/2010/main" val="501372113"/>
+      </p:ext>
+    </p:extLst>
+  </p:cSld>
+  <p:clrMapOvr>
+    <a:masterClrMapping/>
+  </p:clrMapOvr>
+  <mc:AlternateContent xmlns:mc="http://schemas.openxmlformats.org/markup-compatibility/2006">
+    <mc:Choice xmlns:p159="http://schemas.microsoft.com/office/powerpoint/2015/09/main" Requires="p159">
+      <p:transition xmlns:p14="http://schemas.microsoft.com/office/powerpoint/2010/main" spd="slow" p14:dur="2000">
+        <p159:morph option="byWord"/>
+      </p:transition>
+    </mc:Choice>
+    <mc:Fallback>
+      <p:transition spd="slow">
+        <p:fade/>
+      </p:transition>
+    </mc:Fallback>
+  </mc:AlternateContent>
+</p:sld>
+</file>
+
+<file path=ppt/slides/slide22.xml><?xml version="1.0" encoding="utf-8"?>
+<p:sld xmlns:a="http://schemas.openxmlformats.org/drawingml/2006/main" xmlns:r="http://schemas.openxmlformats.org/officeDocument/2006/relationships" xmlns:p="http://schemas.openxmlformats.org/presentationml/2006/main">
+  <p:cSld>
+    <p:spTree>
+      <p:nvGrpSpPr>
+        <p:cNvPr id="1" name=""/>
+        <p:cNvGrpSpPr/>
+        <p:nvPr/>
+      </p:nvGrpSpPr>
+      <p:grpSpPr>
+        <a:xfrm>
+          <a:off x="0" y="0"/>
+          <a:ext cx="0" cy="0"/>
+          <a:chOff x="0" y="0"/>
+          <a:chExt cx="0" cy="0"/>
+        </a:xfrm>
+      </p:grpSpPr>
+      <p:sp>
+        <p:nvSpPr>
+          <p:cNvPr id="2" name="Title 1">
+            <a:extLst>
+              <a:ext uri="{FF2B5EF4-FFF2-40B4-BE49-F238E27FC236}">
+                <a16:creationId xmlns:a16="http://schemas.microsoft.com/office/drawing/2014/main" id="{A3F1C86C-7775-46CE-88F6-18EF3EE146B7}"/>
+              </a:ext>
+            </a:extLst>
+          </p:cNvPr>
+          <p:cNvSpPr txBox="1">
+            <a:spLocks noGrp="1"/>
+          </p:cNvSpPr>
+          <p:nvPr>
+            <p:ph type="title"/>
+          </p:nvPr>
+        </p:nvSpPr>
+        <p:spPr>
+          <a:xfrm>
+            <a:off x="715380" y="1709735"/>
+            <a:ext cx="10632067" cy="2852735"/>
+          </a:xfrm>
+        </p:spPr>
+        <p:txBody>
+          <a:bodyPr wrap="square" anchor="b">
+            <a:normAutofit/>
+          </a:bodyPr>
+          <a:lstStyle/>
+          <a:p>
+            <a:pPr lvl="0"/>
+            <a:r>
+              <a:rPr lang="en-CA" dirty="0"/>
+              <a:t>Thank you</a:t>
+            </a:r>
+          </a:p>
+        </p:txBody>
+      </p:sp>
+      <p:sp>
+        <p:nvSpPr>
+          <p:cNvPr id="4" name="Slide Number Placeholder 3">
+            <a:extLst>
+              <a:ext uri="{FF2B5EF4-FFF2-40B4-BE49-F238E27FC236}">
+                <a16:creationId xmlns:a16="http://schemas.microsoft.com/office/drawing/2014/main" id="{6CF1C3E1-BE03-1136-859C-738DE5358940}"/>
+              </a:ext>
+            </a:extLst>
+          </p:cNvPr>
+          <p:cNvSpPr>
+            <a:spLocks noGrp="1"/>
+          </p:cNvSpPr>
+          <p:nvPr>
+            <p:ph type="sldNum" sz="quarter" idx="8"/>
+          </p:nvPr>
+        </p:nvSpPr>
+        <p:spPr>
+          <a:xfrm>
+            <a:off x="10919014" y="6356351"/>
+            <a:ext cx="672358" cy="365129"/>
+          </a:xfrm>
+        </p:spPr>
+        <p:txBody>
+          <a:bodyPr wrap="square" anchor="ctr">
+            <a:normAutofit/>
+          </a:bodyPr>
+          <a:lstStyle/>
+          <a:p>
+            <a:pPr lvl="0">
+              <a:lnSpc>
+                <a:spcPct val="90000"/>
+              </a:lnSpc>
+              <a:spcAft>
+                <a:spcPts val="600"/>
+              </a:spcAft>
+            </a:pPr>
+            <a:fld id="{D77B7DE3-5275-4141-B2BD-BBADDBD1929D}" type="slidenum">
+              <a:rPr lang="en-CH" smtClean="0"/>
+              <a:pPr lvl="0">
+                <a:lnSpc>
+                  <a:spcPct val="90000"/>
+                </a:lnSpc>
+                <a:spcAft>
+                  <a:spcPts val="600"/>
+                </a:spcAft>
+              </a:pPr>
+              <a:t>22</a:t>
+            </a:fld>
+            <a:endParaRPr lang="en-CH"/>
+          </a:p>
+        </p:txBody>
+      </p:sp>
+    </p:spTree>
+  </p:cSld>
+  <p:clrMapOvr>
+    <a:masterClrMapping/>
+  </p:clrMapOvr>
+  <mc:AlternateContent xmlns:mc="http://schemas.openxmlformats.org/markup-compatibility/2006">
+    <mc:Choice xmlns:p159="http://schemas.microsoft.com/office/powerpoint/2015/09/main" Requires="p159">
+      <p:transition xmlns:p14="http://schemas.microsoft.com/office/powerpoint/2010/main" spd="slow" p14:dur="2000">
+        <p159:morph option="byWord"/>
+      </p:transition>
+    </mc:Choice>
+    <mc:Fallback>
+      <p:transition spd="slow">
+        <p:fade/>
+      </p:transition>
+    </mc:Fallback>
+  </mc:AlternateContent>
 </p:sld>
 </file>
 
@@ -4994,11 +7880,53 @@
           </a:p>
         </p:txBody>
       </p:sp>
+      <p:sp>
+        <p:nvSpPr>
+          <p:cNvPr id="4" name="Slide Number Placeholder 3">
+            <a:extLst>
+              <a:ext uri="{FF2B5EF4-FFF2-40B4-BE49-F238E27FC236}">
+                <a16:creationId xmlns:a16="http://schemas.microsoft.com/office/drawing/2014/main" id="{354CB281-0522-4F20-7DDB-E96612BFD423}"/>
+              </a:ext>
+            </a:extLst>
+          </p:cNvPr>
+          <p:cNvSpPr>
+            <a:spLocks noGrp="1"/>
+          </p:cNvSpPr>
+          <p:nvPr>
+            <p:ph type="sldNum" sz="quarter" idx="8"/>
+          </p:nvPr>
+        </p:nvSpPr>
+        <p:spPr/>
+        <p:txBody>
+          <a:bodyPr/>
+          <a:lstStyle/>
+          <a:p>
+            <a:pPr lvl="0"/>
+            <a:fld id="{D77B7DE3-5275-4141-B2BD-BBADDBD1929D}" type="slidenum">
+              <a:rPr lang="en-CH" smtClean="0"/>
+              <a:t>3</a:t>
+            </a:fld>
+            <a:endParaRPr lang="en-CH"/>
+          </a:p>
+        </p:txBody>
+      </p:sp>
     </p:spTree>
   </p:cSld>
   <p:clrMapOvr>
     <a:masterClrMapping/>
   </p:clrMapOvr>
+  <mc:AlternateContent xmlns:mc="http://schemas.openxmlformats.org/markup-compatibility/2006">
+    <mc:Choice xmlns:p159="http://schemas.microsoft.com/office/powerpoint/2015/09/main" Requires="p159">
+      <p:transition xmlns:p14="http://schemas.microsoft.com/office/powerpoint/2010/main" spd="slow" p14:dur="2000">
+        <p159:morph option="byObject"/>
+      </p:transition>
+    </mc:Choice>
+    <mc:Fallback>
+      <p:transition spd="slow">
+        <p:fade/>
+      </p:transition>
+    </mc:Fallback>
+  </mc:AlternateContent>
 </p:sld>
 </file>
 
@@ -5124,15 +8052,245 @@
           </a:p>
         </p:txBody>
       </p:sp>
+      <p:sp>
+        <p:nvSpPr>
+          <p:cNvPr id="4" name="Slide Number Placeholder 3">
+            <a:extLst>
+              <a:ext uri="{FF2B5EF4-FFF2-40B4-BE49-F238E27FC236}">
+                <a16:creationId xmlns:a16="http://schemas.microsoft.com/office/drawing/2014/main" id="{C8AD1F23-62E5-97BA-1C85-6B89017A020C}"/>
+              </a:ext>
+            </a:extLst>
+          </p:cNvPr>
+          <p:cNvSpPr>
+            <a:spLocks noGrp="1"/>
+          </p:cNvSpPr>
+          <p:nvPr>
+            <p:ph type="sldNum" sz="quarter" idx="8"/>
+          </p:nvPr>
+        </p:nvSpPr>
+        <p:spPr/>
+        <p:txBody>
+          <a:bodyPr/>
+          <a:lstStyle/>
+          <a:p>
+            <a:pPr lvl="0"/>
+            <a:fld id="{D77B7DE3-5275-4141-B2BD-BBADDBD1929D}" type="slidenum">
+              <a:rPr lang="en-CH" smtClean="0"/>
+              <a:t>4</a:t>
+            </a:fld>
+            <a:endParaRPr lang="en-CH"/>
+          </a:p>
+        </p:txBody>
+      </p:sp>
     </p:spTree>
   </p:cSld>
   <p:clrMapOvr>
     <a:masterClrMapping/>
   </p:clrMapOvr>
+  <mc:AlternateContent xmlns:mc="http://schemas.openxmlformats.org/markup-compatibility/2006">
+    <mc:Choice xmlns:p159="http://schemas.microsoft.com/office/powerpoint/2015/09/main" Requires="p159">
+      <p:transition xmlns:p14="http://schemas.microsoft.com/office/powerpoint/2010/main" spd="slow" p14:dur="2000">
+        <p159:morph option="byObject"/>
+      </p:transition>
+    </mc:Choice>
+    <mc:Fallback>
+      <p:transition spd="slow">
+        <p:fade/>
+      </p:transition>
+    </mc:Fallback>
+  </mc:AlternateContent>
 </p:sld>
 </file>
 
 <file path=ppt/slides/slide5.xml><?xml version="1.0" encoding="utf-8"?>
+<p:sld xmlns:a="http://schemas.openxmlformats.org/drawingml/2006/main" xmlns:r="http://schemas.openxmlformats.org/officeDocument/2006/relationships" xmlns:p="http://schemas.openxmlformats.org/presentationml/2006/main">
+  <p:cSld>
+    <p:spTree>
+      <p:nvGrpSpPr>
+        <p:cNvPr id="1" name="">
+          <a:extLst>
+            <a:ext uri="{FF2B5EF4-FFF2-40B4-BE49-F238E27FC236}">
+              <a16:creationId xmlns:a16="http://schemas.microsoft.com/office/drawing/2014/main" id="{977948F2-08F6-8714-8F9B-E8C948D509EC}"/>
+            </a:ext>
+          </a:extLst>
+        </p:cNvPr>
+        <p:cNvGrpSpPr/>
+        <p:nvPr/>
+      </p:nvGrpSpPr>
+      <p:grpSpPr>
+        <a:xfrm>
+          <a:off x="0" y="0"/>
+          <a:ext cx="0" cy="0"/>
+          <a:chOff x="0" y="0"/>
+          <a:chExt cx="0" cy="0"/>
+        </a:xfrm>
+      </p:grpSpPr>
+      <p:sp>
+        <p:nvSpPr>
+          <p:cNvPr id="2" name="Title 1">
+            <a:extLst>
+              <a:ext uri="{FF2B5EF4-FFF2-40B4-BE49-F238E27FC236}">
+                <a16:creationId xmlns:a16="http://schemas.microsoft.com/office/drawing/2014/main" id="{192882B3-3B7E-CA52-67F9-5E1A7E511EC2}"/>
+              </a:ext>
+            </a:extLst>
+          </p:cNvPr>
+          <p:cNvSpPr txBox="1">
+            <a:spLocks noGrp="1"/>
+          </p:cNvSpPr>
+          <p:nvPr>
+            <p:ph type="title"/>
+          </p:nvPr>
+        </p:nvSpPr>
+        <p:spPr/>
+        <p:txBody>
+          <a:bodyPr/>
+          <a:lstStyle/>
+          <a:p>
+            <a:pPr lvl="0"/>
+            <a:r>
+              <a:rPr lang="en-CA"/>
+              <a:t>Dataset Description</a:t>
+            </a:r>
+          </a:p>
+        </p:txBody>
+      </p:sp>
+      <p:sp>
+        <p:nvSpPr>
+          <p:cNvPr id="3" name="Content Placeholder 2">
+            <a:extLst>
+              <a:ext uri="{FF2B5EF4-FFF2-40B4-BE49-F238E27FC236}">
+                <a16:creationId xmlns:a16="http://schemas.microsoft.com/office/drawing/2014/main" id="{41DEF9FC-95F1-3B83-AA11-0BBD12A80A01}"/>
+              </a:ext>
+            </a:extLst>
+          </p:cNvPr>
+          <p:cNvSpPr txBox="1">
+            <a:spLocks noGrp="1"/>
+          </p:cNvSpPr>
+          <p:nvPr>
+            <p:ph idx="1"/>
+          </p:nvPr>
+        </p:nvSpPr>
+        <p:spPr>
+          <a:xfrm>
+            <a:off x="700631" y="2221991"/>
+            <a:ext cx="10691265" cy="1876860"/>
+          </a:xfrm>
+        </p:spPr>
+        <p:txBody>
+          <a:bodyPr/>
+          <a:lstStyle/>
+          <a:p>
+            <a:pPr lvl="0"/>
+            <a:r>
+              <a:rPr lang="en-CA" dirty="0"/>
+              <a:t>German Credit Dataset</a:t>
+            </a:r>
+          </a:p>
+          <a:p>
+            <a:pPr lvl="0"/>
+            <a:r>
+              <a:rPr lang="en-CA" b="1" dirty="0">
+                <a:solidFill>
+                  <a:srgbClr val="FF0000"/>
+                </a:solidFill>
+              </a:rPr>
+              <a:t>57 </a:t>
+            </a:r>
+            <a:r>
+              <a:rPr lang="en-CA" dirty="0"/>
+              <a:t>Features</a:t>
+            </a:r>
+          </a:p>
+          <a:p>
+            <a:pPr lvl="0"/>
+            <a:r>
+              <a:rPr lang="en-CA" dirty="0"/>
+              <a:t>1000 Samples</a:t>
+            </a:r>
+          </a:p>
+          <a:p>
+            <a:pPr lvl="0"/>
+            <a:r>
+              <a:rPr lang="en-CA" b="1" dirty="0">
+                <a:solidFill>
+                  <a:srgbClr val="FF0000"/>
+                </a:solidFill>
+              </a:rPr>
+              <a:t>4</a:t>
+            </a:r>
+            <a:r>
+              <a:rPr lang="en-CA" dirty="0"/>
+              <a:t> Protected Features (initially selected) </a:t>
+            </a:r>
+            <a:r>
+              <a:rPr lang="en-CA" dirty="0">
+                <a:latin typeface="Wingdings" pitchFamily="2"/>
+              </a:rPr>
+              <a:t></a:t>
+            </a:r>
+            <a:r>
+              <a:rPr lang="en-CA" dirty="0"/>
+              <a:t> 1 Protected Feature in unbiasing </a:t>
+            </a:r>
+          </a:p>
+        </p:txBody>
+      </p:sp>
+      <p:sp>
+        <p:nvSpPr>
+          <p:cNvPr id="4" name="Slide Number Placeholder 3">
+            <a:extLst>
+              <a:ext uri="{FF2B5EF4-FFF2-40B4-BE49-F238E27FC236}">
+                <a16:creationId xmlns:a16="http://schemas.microsoft.com/office/drawing/2014/main" id="{CBE46ACD-ADD0-8D98-CC26-D5BF8CCF015A}"/>
+              </a:ext>
+            </a:extLst>
+          </p:cNvPr>
+          <p:cNvSpPr>
+            <a:spLocks noGrp="1"/>
+          </p:cNvSpPr>
+          <p:nvPr>
+            <p:ph type="sldNum" sz="quarter" idx="8"/>
+          </p:nvPr>
+        </p:nvSpPr>
+        <p:spPr/>
+        <p:txBody>
+          <a:bodyPr/>
+          <a:lstStyle/>
+          <a:p>
+            <a:pPr lvl="0"/>
+            <a:fld id="{D77B7DE3-5275-4141-B2BD-BBADDBD1929D}" type="slidenum">
+              <a:rPr lang="en-CH" smtClean="0"/>
+              <a:t>5</a:t>
+            </a:fld>
+            <a:endParaRPr lang="en-CH"/>
+          </a:p>
+        </p:txBody>
+      </p:sp>
+    </p:spTree>
+    <p:extLst>
+      <p:ext uri="{BB962C8B-B14F-4D97-AF65-F5344CB8AC3E}">
+        <p14:creationId xmlns:p14="http://schemas.microsoft.com/office/powerpoint/2010/main" val="2924498445"/>
+      </p:ext>
+    </p:extLst>
+  </p:cSld>
+  <p:clrMapOvr>
+    <a:masterClrMapping/>
+  </p:clrMapOvr>
+  <mc:AlternateContent xmlns:mc="http://schemas.openxmlformats.org/markup-compatibility/2006">
+    <mc:Choice xmlns:p159="http://schemas.microsoft.com/office/powerpoint/2015/09/main" Requires="p159">
+      <p:transition xmlns:p14="http://schemas.microsoft.com/office/powerpoint/2010/main" spd="slow" p14:dur="2000">
+        <p159:morph option="byObject"/>
+      </p:transition>
+    </mc:Choice>
+    <mc:Fallback>
+      <p:transition spd="slow">
+        <p:fade/>
+      </p:transition>
+    </mc:Fallback>
+  </mc:AlternateContent>
+</p:sld>
+</file>
+
+<file path=ppt/slides/slide6.xml><?xml version="1.0" encoding="utf-8"?>
 <p:sld xmlns:a="http://schemas.openxmlformats.org/drawingml/2006/main" xmlns:r="http://schemas.openxmlformats.org/officeDocument/2006/relationships" xmlns:p="http://schemas.openxmlformats.org/presentationml/2006/main">
   <p:cSld name="Slide5">
     <p:spTree>
@@ -5372,15 +8530,57 @@
           </a:ln>
         </p:spPr>
       </p:pic>
+      <p:sp>
+        <p:nvSpPr>
+          <p:cNvPr id="7" name="Slide Number Placeholder 6">
+            <a:extLst>
+              <a:ext uri="{FF2B5EF4-FFF2-40B4-BE49-F238E27FC236}">
+                <a16:creationId xmlns:a16="http://schemas.microsoft.com/office/drawing/2014/main" id="{6227E3FA-696B-F272-520C-B799A9E1D5B4}"/>
+              </a:ext>
+            </a:extLst>
+          </p:cNvPr>
+          <p:cNvSpPr>
+            <a:spLocks noGrp="1"/>
+          </p:cNvSpPr>
+          <p:nvPr>
+            <p:ph type="sldNum" sz="quarter" idx="8"/>
+          </p:nvPr>
+        </p:nvSpPr>
+        <p:spPr/>
+        <p:txBody>
+          <a:bodyPr/>
+          <a:lstStyle/>
+          <a:p>
+            <a:pPr lvl="0"/>
+            <a:fld id="{6F19EE8F-DA5D-4E21-9425-475A35DECB26}" type="slidenum">
+              <a:rPr lang="en-CH" smtClean="0"/>
+              <a:t>6</a:t>
+            </a:fld>
+            <a:endParaRPr lang="en-CH"/>
+          </a:p>
+        </p:txBody>
+      </p:sp>
     </p:spTree>
   </p:cSld>
   <p:clrMapOvr>
     <a:masterClrMapping/>
   </p:clrMapOvr>
+  <mc:AlternateContent xmlns:mc="http://schemas.openxmlformats.org/markup-compatibility/2006">
+    <mc:Choice xmlns:p159="http://schemas.microsoft.com/office/powerpoint/2015/09/main" Requires="p159">
+      <p:transition xmlns:p14="http://schemas.microsoft.com/office/powerpoint/2010/main" spd="slow" p14:dur="2000">
+        <p159:morph option="byWord"/>
+      </p:transition>
+    </mc:Choice>
+    <mc:Fallback>
+      <p:transition spd="slow">
+        <p:fade/>
+      </p:transition>
+    </mc:Fallback>
+  </mc:AlternateContent>
 </p:sld>
 </file>
 
-<file path=ppt/slides/slide6.xml><?xml version="1.0" encoding="utf-8"?>
+<file path=ppt/slides/slide7.xml><?xml version="1.0" encoding="utf-8"?>
 <p:sld xmlns:a="http://schemas.openxmlformats.org/drawingml/2006/main" xmlns:r="http://schemas.openxmlformats.org/officeDocument/2006/relationships" xmlns:p="http://schemas.openxmlformats.org/presentationml/2006/main">
   <p:cSld name="Slide18">
     <p:spTree>
@@ -5426,12 +8626,48 @@
           </a:p>
         </p:txBody>
       </p:sp>
+      <p:sp>
+        <p:nvSpPr>
+          <p:cNvPr id="4" name="Content Placeholder 2">
+            <a:extLst>
+              <a:ext uri="{FF2B5EF4-FFF2-40B4-BE49-F238E27FC236}">
+                <a16:creationId xmlns:a16="http://schemas.microsoft.com/office/drawing/2014/main" id="{108A90AF-3C99-67FA-B4D0-F4CCD7437F71}"/>
+              </a:ext>
+            </a:extLst>
+          </p:cNvPr>
+          <p:cNvSpPr txBox="1">
+            <a:spLocks noGrp="1"/>
+          </p:cNvSpPr>
+          <p:nvPr>
+            <p:ph type="body" idx="2"/>
+          </p:nvPr>
+        </p:nvSpPr>
+        <p:spPr>
+          <a:xfrm>
+            <a:off x="1001962" y="3273140"/>
+            <a:ext cx="4103434" cy="1317522"/>
+          </a:xfrm>
+        </p:spPr>
+        <p:txBody>
+          <a:bodyPr/>
+          <a:lstStyle/>
+          <a:p>
+            <a:pPr marL="342900" lvl="0" indent="-342900">
+              <a:buChar char="•"/>
+            </a:pPr>
+            <a:r>
+              <a:rPr lang="en-CA" sz="2400"/>
+              <a:t>Protected feature correlation with each other and target class</a:t>
+            </a:r>
+          </a:p>
+        </p:txBody>
+      </p:sp>
       <p:pic>
         <p:nvPicPr>
-          <p:cNvPr id="3" name="Picture 5">
-            <a:extLst>
-              <a:ext uri="{FF2B5EF4-FFF2-40B4-BE49-F238E27FC236}">
-                <a16:creationId xmlns:a16="http://schemas.microsoft.com/office/drawing/2014/main" id="{B1DC3457-BB18-3A4C-F097-AF8B421D5B2D}"/>
+          <p:cNvPr id="6" name="Picture 5" descr="A screenshot of a graph&#10;&#10;AI-generated content may be incorrect.">
+            <a:extLst>
+              <a:ext uri="{FF2B5EF4-FFF2-40B4-BE49-F238E27FC236}">
+                <a16:creationId xmlns:a16="http://schemas.microsoft.com/office/drawing/2014/main" id="{68E36947-4DC6-5079-13D4-13D665FD82E2}"/>
               </a:ext>
             </a:extLst>
           </p:cNvPr>
@@ -5441,58 +8677,54 @@
           <p:nvPr/>
         </p:nvPicPr>
         <p:blipFill>
-          <a:blip r:embed="rId2"/>
+          <a:blip r:embed="rId2">
+            <a:extLst>
+              <a:ext uri="{28A0092B-C50C-407E-A947-70E740481C1C}">
+                <a14:useLocalDpi xmlns:a14="http://schemas.microsoft.com/office/drawing/2010/main" val="0"/>
+              </a:ext>
+            </a:extLst>
+          </a:blip>
           <a:stretch>
             <a:fillRect/>
           </a:stretch>
         </p:blipFill>
         <p:spPr>
           <a:xfrm>
-            <a:off x="5430978" y="1066803"/>
-            <a:ext cx="5450976" cy="5001265"/>
+            <a:off x="5570970" y="928367"/>
+            <a:ext cx="5619068" cy="5001265"/>
           </a:xfrm>
           <a:prstGeom prst="rect">
             <a:avLst/>
           </a:prstGeom>
-          <a:noFill/>
-          <a:ln cap="flat">
-            <a:noFill/>
-          </a:ln>
         </p:spPr>
       </p:pic>
       <p:sp>
         <p:nvSpPr>
-          <p:cNvPr id="4" name="Content Placeholder 2">
-            <a:extLst>
-              <a:ext uri="{FF2B5EF4-FFF2-40B4-BE49-F238E27FC236}">
-                <a16:creationId xmlns:a16="http://schemas.microsoft.com/office/drawing/2014/main" id="{108A90AF-3C99-67FA-B4D0-F4CCD7437F71}"/>
-              </a:ext>
-            </a:extLst>
-          </p:cNvPr>
-          <p:cNvSpPr txBox="1">
-            <a:spLocks noGrp="1"/>
-          </p:cNvSpPr>
-          <p:nvPr>
-            <p:ph type="body" idx="2"/>
-          </p:nvPr>
-        </p:nvSpPr>
-        <p:spPr>
-          <a:xfrm>
-            <a:off x="1001962" y="3273140"/>
-            <a:ext cx="4103434" cy="1317522"/>
-          </a:xfrm>
-        </p:spPr>
+          <p:cNvPr id="7" name="Slide Number Placeholder 6">
+            <a:extLst>
+              <a:ext uri="{FF2B5EF4-FFF2-40B4-BE49-F238E27FC236}">
+                <a16:creationId xmlns:a16="http://schemas.microsoft.com/office/drawing/2014/main" id="{57596CF5-DE9C-95B4-A4CC-693C0F329135}"/>
+              </a:ext>
+            </a:extLst>
+          </p:cNvPr>
+          <p:cNvSpPr>
+            <a:spLocks noGrp="1"/>
+          </p:cNvSpPr>
+          <p:nvPr>
+            <p:ph type="sldNum" sz="quarter" idx="8"/>
+          </p:nvPr>
+        </p:nvSpPr>
+        <p:spPr/>
         <p:txBody>
           <a:bodyPr/>
           <a:lstStyle/>
           <a:p>
-            <a:pPr marL="342900" lvl="0" indent="-342900">
-              <a:buChar char="•"/>
-            </a:pPr>
-            <a:r>
-              <a:rPr lang="en-CA" sz="2400"/>
-              <a:t>Protected feature correlation with each other and target class</a:t>
-            </a:r>
+            <a:pPr lvl="0"/>
+            <a:fld id="{6F19EE8F-DA5D-4E21-9425-475A35DECB26}" type="slidenum">
+              <a:rPr lang="en-CH" smtClean="0"/>
+              <a:t>7</a:t>
+            </a:fld>
+            <a:endParaRPr lang="en-CH"/>
           </a:p>
         </p:txBody>
       </p:sp>
@@ -5501,11 +8733,23 @@
   <p:clrMapOvr>
     <a:masterClrMapping/>
   </p:clrMapOvr>
+  <mc:AlternateContent xmlns:mc="http://schemas.openxmlformats.org/markup-compatibility/2006">
+    <mc:Choice xmlns:p159="http://schemas.microsoft.com/office/powerpoint/2015/09/main" Requires="p159">
+      <p:transition xmlns:p14="http://schemas.microsoft.com/office/powerpoint/2010/main" spd="slow" p14:dur="2000">
+        <p159:morph option="byWord"/>
+      </p:transition>
+    </mc:Choice>
+    <mc:Fallback>
+      <p:transition spd="slow">
+        <p:fade/>
+      </p:transition>
+    </mc:Fallback>
+  </mc:AlternateContent>
 </p:sld>
 </file>
 
-<file path=ppt/slides/slide7.xml><?xml version="1.0" encoding="utf-8"?>
-<p:sld xmlns:a="http://schemas.openxmlformats.org/drawingml/2006/main" xmlns:r="http://schemas.openxmlformats.org/officeDocument/2006/relationships" xmlns:p="http://schemas.openxmlformats.org/presentationml/2006/main">
+<file path=ppt/slides/slide8.xml><?xml version="1.0" encoding="utf-8"?>
+<p:sld xmlns:a="http://schemas.openxmlformats.org/drawingml/2006/main" xmlns:r="http://schemas.openxmlformats.org/officeDocument/2006/relationships" xmlns:p="http://schemas.openxmlformats.org/presentationml/2006/main" show="0">
   <p:cSld name="Slide19">
     <p:spTree>
       <p:nvGrpSpPr>
@@ -6406,11 +9650,53 @@
           </a:p>
         </p:txBody>
       </p:sp>
+      <p:sp>
+        <p:nvSpPr>
+          <p:cNvPr id="17" name="Slide Number Placeholder 16">
+            <a:extLst>
+              <a:ext uri="{FF2B5EF4-FFF2-40B4-BE49-F238E27FC236}">
+                <a16:creationId xmlns:a16="http://schemas.microsoft.com/office/drawing/2014/main" id="{1FBDB774-59F5-E7E2-B864-195F75C635C8}"/>
+              </a:ext>
+            </a:extLst>
+          </p:cNvPr>
+          <p:cNvSpPr>
+            <a:spLocks noGrp="1"/>
+          </p:cNvSpPr>
+          <p:nvPr>
+            <p:ph type="sldNum" sz="quarter" idx="8"/>
+          </p:nvPr>
+        </p:nvSpPr>
+        <p:spPr/>
+        <p:txBody>
+          <a:bodyPr/>
+          <a:lstStyle/>
+          <a:p>
+            <a:pPr lvl="0"/>
+            <a:fld id="{6F19EE8F-DA5D-4E21-9425-475A35DECB26}" type="slidenum">
+              <a:rPr lang="en-CH" smtClean="0"/>
+              <a:t>8</a:t>
+            </a:fld>
+            <a:endParaRPr lang="en-CH"/>
+          </a:p>
+        </p:txBody>
+      </p:sp>
     </p:spTree>
   </p:cSld>
   <p:clrMapOvr>
     <a:masterClrMapping/>
   </p:clrMapOvr>
+  <mc:AlternateContent xmlns:mc="http://schemas.openxmlformats.org/markup-compatibility/2006">
+    <mc:Choice xmlns:p159="http://schemas.microsoft.com/office/powerpoint/2015/09/main" Requires="p159">
+      <p:transition xmlns:p14="http://schemas.microsoft.com/office/powerpoint/2010/main" spd="slow" p14:dur="2000">
+        <p159:morph option="byWord"/>
+      </p:transition>
+    </mc:Choice>
+    <mc:Fallback>
+      <p:transition spd="slow">
+        <p:fade/>
+      </p:transition>
+    </mc:Fallback>
+  </mc:AlternateContent>
   <p:timing>
     <p:tnLst>
       <p:par>
@@ -7462,12 +10748,18 @@
 </p:sld>
 </file>
 
-<file path=ppt/slides/slide8.xml><?xml version="1.0" encoding="utf-8"?>
+<file path=ppt/slides/slide9.xml><?xml version="1.0" encoding="utf-8"?>
 <p:sld xmlns:a="http://schemas.openxmlformats.org/drawingml/2006/main" xmlns:r="http://schemas.openxmlformats.org/officeDocument/2006/relationships" xmlns:p="http://schemas.openxmlformats.org/presentationml/2006/main">
-  <p:cSld name="Slide6">
+  <p:cSld>
     <p:spTree>
       <p:nvGrpSpPr>
-        <p:cNvPr id="1" name=""/>
+        <p:cNvPr id="1" name="">
+          <a:extLst>
+            <a:ext uri="{FF2B5EF4-FFF2-40B4-BE49-F238E27FC236}">
+              <a16:creationId xmlns:a16="http://schemas.microsoft.com/office/drawing/2014/main" id="{C0BF3585-94D7-B918-1F29-6DE9D3B4EAE6}"/>
+            </a:ext>
+          </a:extLst>
+        </p:cNvPr>
         <p:cNvGrpSpPr/>
         <p:nvPr/>
       </p:nvGrpSpPr>
@@ -7484,7 +10776,7 @@
           <p:cNvPr id="2" name="Title 1">
             <a:extLst>
               <a:ext uri="{FF2B5EF4-FFF2-40B4-BE49-F238E27FC236}">
-                <a16:creationId xmlns:a16="http://schemas.microsoft.com/office/drawing/2014/main" id="{55EB9E50-01A2-9DD3-B3D8-5870874889CD}"/>
+                <a16:creationId xmlns:a16="http://schemas.microsoft.com/office/drawing/2014/main" id="{555F86D8-B22E-B041-7DAC-5EA9D8A987FA}"/>
               </a:ext>
             </a:extLst>
           </p:cNvPr>
@@ -7493,831 +10785,63 @@
           </p:cNvSpPr>
           <p:nvPr>
             <p:ph type="title"/>
+          </p:nvPr>
+        </p:nvSpPr>
+        <p:spPr/>
+        <p:txBody>
+          <a:bodyPr/>
+          <a:lstStyle/>
+          <a:p>
+            <a:pPr lvl="0"/>
+            <a:r>
+              <a:rPr lang="en-CA"/>
+              <a:t>Exploratory Data Analysis</a:t>
+            </a:r>
+          </a:p>
+        </p:txBody>
+      </p:sp>
+      <p:sp>
+        <p:nvSpPr>
+          <p:cNvPr id="3" name="Content Placeholder 2">
+            <a:extLst>
+              <a:ext uri="{FF2B5EF4-FFF2-40B4-BE49-F238E27FC236}">
+                <a16:creationId xmlns:a16="http://schemas.microsoft.com/office/drawing/2014/main" id="{8EE11E78-E1A4-C913-FB19-D9BB468CFB2D}"/>
+              </a:ext>
+            </a:extLst>
+          </p:cNvPr>
+          <p:cNvSpPr txBox="1">
+            <a:spLocks noGrp="1"/>
+          </p:cNvSpPr>
+          <p:nvPr>
+            <p:ph type="body" idx="2"/>
           </p:nvPr>
         </p:nvSpPr>
         <p:spPr>
           <a:xfrm>
-            <a:off x="700631" y="1065376"/>
-            <a:ext cx="10691265" cy="782918"/>
+            <a:off x="1001962" y="3273140"/>
+            <a:ext cx="4103434" cy="1317522"/>
           </a:xfrm>
         </p:spPr>
         <p:txBody>
           <a:bodyPr/>
           <a:lstStyle/>
           <a:p>
-            <a:pPr lvl="0"/>
-            <a:r>
-              <a:rPr lang="en-CA" sz="3600"/>
-              <a:t>Initial Models development and prioritization</a:t>
-            </a:r>
-          </a:p>
-        </p:txBody>
-      </p:sp>
-      <p:sp>
-        <p:nvSpPr>
-          <p:cNvPr id="3" name="Content Placeholder 2">
-            <a:extLst>
-              <a:ext uri="{FF2B5EF4-FFF2-40B4-BE49-F238E27FC236}">
-                <a16:creationId xmlns:a16="http://schemas.microsoft.com/office/drawing/2014/main" id="{7FAAE895-101C-3E39-1114-96B5602607E3}"/>
-              </a:ext>
-            </a:extLst>
-          </p:cNvPr>
-          <p:cNvSpPr txBox="1">
-            <a:spLocks noGrp="1"/>
-          </p:cNvSpPr>
-          <p:nvPr>
-            <p:ph idx="1"/>
-          </p:nvPr>
-        </p:nvSpPr>
-        <p:spPr>
-          <a:xfrm>
-            <a:off x="700631" y="3040764"/>
-            <a:ext cx="3429109" cy="3288319"/>
-          </a:xfrm>
-        </p:spPr>
-        <p:txBody>
-          <a:bodyPr/>
-          <a:lstStyle/>
-          <a:p>
-            <a:pPr lvl="0"/>
-            <a:r>
-              <a:rPr lang="en-CA"/>
-              <a:t>Model 1</a:t>
-            </a:r>
-          </a:p>
-          <a:p>
-            <a:pPr lvl="1"/>
-            <a:r>
-              <a:rPr lang="en-CA"/>
-              <a:t>Random forest classifier</a:t>
-            </a:r>
-          </a:p>
-          <a:p>
-            <a:pPr marL="457200" lvl="1" indent="0">
-              <a:buNone/>
+            <a:pPr marL="342900" lvl="0" indent="-342900">
+              <a:buChar char="•"/>
             </a:pPr>
             <a:r>
-              <a:rPr lang="en-CA"/>
-              <a:t>	- min leaf sample: 2</a:t>
-            </a:r>
-          </a:p>
-          <a:p>
-            <a:pPr marL="457200" lvl="1" indent="0">
-              <a:buNone/>
-            </a:pPr>
-            <a:r>
-              <a:rPr lang="en-CA"/>
-              <a:t>	- min sample split: 5</a:t>
-            </a:r>
-          </a:p>
-          <a:p>
-            <a:pPr marL="457200" lvl="1" indent="0">
-              <a:buNone/>
-            </a:pPr>
-            <a:r>
-              <a:rPr lang="en-CA"/>
-              <a:t>	- n_estimators: 155</a:t>
-            </a:r>
-          </a:p>
-        </p:txBody>
-      </p:sp>
-      <p:sp>
-        <p:nvSpPr>
-          <p:cNvPr id="4" name="Content Placeholder 2">
-            <a:extLst>
-              <a:ext uri="{FF2B5EF4-FFF2-40B4-BE49-F238E27FC236}">
-                <a16:creationId xmlns:a16="http://schemas.microsoft.com/office/drawing/2014/main" id="{19CE05BA-753C-8E01-85A6-7269046F5EAF}"/>
-              </a:ext>
-            </a:extLst>
-          </p:cNvPr>
-          <p:cNvSpPr txBox="1"/>
-          <p:nvPr/>
-        </p:nvSpPr>
-        <p:spPr>
-          <a:xfrm>
-            <a:off x="4331704" y="3040764"/>
-            <a:ext cx="3429109" cy="3288319"/>
-          </a:xfrm>
-          <a:prstGeom prst="rect">
-            <a:avLst/>
-          </a:prstGeom>
-          <a:noFill/>
-          <a:ln cap="flat">
-            <a:noFill/>
-          </a:ln>
-        </p:spPr>
-        <p:txBody>
-          <a:bodyPr vert="horz" wrap="square" lIns="91440" tIns="45720" rIns="91440" bIns="45720" anchor="t" anchorCtr="0" compatLnSpc="1">
-            <a:normAutofit/>
-          </a:bodyPr>
-          <a:lstStyle/>
-          <a:p>
-            <a:pPr marL="228600" marR="0" lvl="0" indent="-228600" algn="l" defTabSz="914400" rtl="0" fontAlgn="auto" hangingPunct="1">
-              <a:lnSpc>
-                <a:spcPct val="110000"/>
-              </a:lnSpc>
-              <a:spcBef>
-                <a:spcPts val="1000"/>
-              </a:spcBef>
-              <a:spcAft>
-                <a:spcPts val="0"/>
-              </a:spcAft>
-              <a:buSzPct val="100000"/>
-              <a:buFont typeface="Arial" pitchFamily="34"/>
-              <a:buChar char="•"/>
-              <a:tabLst/>
-              <a:defRPr sz="1800" b="0" i="0" u="none" strike="noStrike" kern="0" cap="none" spc="0" baseline="0">
-                <a:solidFill>
-                  <a:srgbClr val="000000"/>
-                </a:solidFill>
-                <a:uFillTx/>
-              </a:defRPr>
-            </a:pPr>
-            <a:r>
-              <a:rPr lang="en-CA" sz="2000" b="0" i="0" u="none" strike="noStrike" kern="1200" cap="none" spc="0" baseline="0">
-                <a:solidFill>
-                  <a:srgbClr val="000000"/>
-                </a:solidFill>
-                <a:uFillTx/>
-                <a:latin typeface="Calisto MT"/>
-              </a:rPr>
-              <a:t>Model 2</a:t>
-            </a:r>
-          </a:p>
-          <a:p>
-            <a:pPr marL="685800" marR="0" lvl="1" indent="-228600" algn="l" defTabSz="914400" rtl="0" fontAlgn="auto" hangingPunct="1">
-              <a:lnSpc>
-                <a:spcPct val="110000"/>
-              </a:lnSpc>
-              <a:spcBef>
-                <a:spcPts val="500"/>
-              </a:spcBef>
-              <a:spcAft>
-                <a:spcPts val="0"/>
-              </a:spcAft>
-              <a:buSzPct val="100000"/>
-              <a:buFont typeface="Arial" pitchFamily="34"/>
-              <a:buChar char="•"/>
-              <a:tabLst/>
-              <a:defRPr sz="1800" b="0" i="0" u="none" strike="noStrike" kern="0" cap="none" spc="0" baseline="0">
-                <a:solidFill>
-                  <a:srgbClr val="000000"/>
-                </a:solidFill>
-                <a:uFillTx/>
-              </a:defRPr>
-            </a:pPr>
-            <a:r>
-              <a:rPr lang="en-CA" sz="1800" b="0" i="0" u="none" strike="noStrike" kern="1200" cap="none" spc="0" baseline="0">
-                <a:solidFill>
-                  <a:srgbClr val="000000"/>
-                </a:solidFill>
-                <a:uFillTx/>
-                <a:latin typeface="Calisto MT"/>
-              </a:rPr>
-              <a:t>XGB classifier</a:t>
-            </a:r>
-          </a:p>
-          <a:p>
-            <a:pPr marL="457200" marR="0" lvl="1" indent="0" algn="l" defTabSz="914400" rtl="0" fontAlgn="auto" hangingPunct="1">
-              <a:lnSpc>
-                <a:spcPct val="110000"/>
-              </a:lnSpc>
-              <a:spcBef>
-                <a:spcPts val="500"/>
-              </a:spcBef>
-              <a:spcAft>
-                <a:spcPts val="0"/>
-              </a:spcAft>
-              <a:buNone/>
-              <a:tabLst/>
-              <a:defRPr sz="1800" b="0" i="0" u="none" strike="noStrike" kern="0" cap="none" spc="0" baseline="0">
-                <a:solidFill>
-                  <a:srgbClr val="000000"/>
-                </a:solidFill>
-                <a:uFillTx/>
-              </a:defRPr>
-            </a:pPr>
-            <a:r>
-              <a:rPr lang="en-CA" sz="1800" b="0" i="0" u="none" strike="noStrike" kern="1200" cap="none" spc="0" baseline="0">
-                <a:solidFill>
-                  <a:srgbClr val="000000"/>
-                </a:solidFill>
-                <a:uFillTx/>
-                <a:latin typeface="Calisto MT"/>
-              </a:rPr>
-              <a:t>	- learning rate: 0.1</a:t>
-            </a:r>
-          </a:p>
-          <a:p>
-            <a:pPr marL="457200" marR="0" lvl="1" indent="0" algn="l" defTabSz="914400" rtl="0" fontAlgn="auto" hangingPunct="1">
-              <a:lnSpc>
-                <a:spcPct val="110000"/>
-              </a:lnSpc>
-              <a:spcBef>
-                <a:spcPts val="500"/>
-              </a:spcBef>
-              <a:spcAft>
-                <a:spcPts val="0"/>
-              </a:spcAft>
-              <a:buNone/>
-              <a:tabLst/>
-              <a:defRPr sz="1800" b="0" i="0" u="none" strike="noStrike" kern="0" cap="none" spc="0" baseline="0">
-                <a:solidFill>
-                  <a:srgbClr val="000000"/>
-                </a:solidFill>
-                <a:uFillTx/>
-              </a:defRPr>
-            </a:pPr>
-            <a:r>
-              <a:rPr lang="en-CA" sz="1800" b="0" i="0" u="none" strike="noStrike" kern="1200" cap="none" spc="0" baseline="0">
-                <a:solidFill>
-                  <a:srgbClr val="000000"/>
-                </a:solidFill>
-                <a:uFillTx/>
-                <a:latin typeface="Calisto MT"/>
-              </a:rPr>
-              <a:t>	- max_depth: 4</a:t>
-            </a:r>
-          </a:p>
-          <a:p>
-            <a:pPr marL="457200" marR="0" lvl="1" indent="0" algn="l" defTabSz="914400" rtl="0" fontAlgn="auto" hangingPunct="1">
-              <a:lnSpc>
-                <a:spcPct val="110000"/>
-              </a:lnSpc>
-              <a:spcBef>
-                <a:spcPts val="500"/>
-              </a:spcBef>
-              <a:spcAft>
-                <a:spcPts val="0"/>
-              </a:spcAft>
-              <a:buNone/>
-              <a:tabLst/>
-              <a:defRPr sz="1800" b="0" i="0" u="none" strike="noStrike" kern="0" cap="none" spc="0" baseline="0">
-                <a:solidFill>
-                  <a:srgbClr val="000000"/>
-                </a:solidFill>
-                <a:uFillTx/>
-              </a:defRPr>
-            </a:pPr>
-            <a:r>
-              <a:rPr lang="en-CA" sz="1800" b="0" i="0" u="none" strike="noStrike" kern="1200" cap="none" spc="0" baseline="0">
-                <a:solidFill>
-                  <a:srgbClr val="000000"/>
-                </a:solidFill>
-                <a:uFillTx/>
-                <a:latin typeface="Calisto MT"/>
-              </a:rPr>
-              <a:t>	- n_estimators: 95</a:t>
-            </a:r>
-          </a:p>
-        </p:txBody>
-      </p:sp>
-      <p:sp>
-        <p:nvSpPr>
-          <p:cNvPr id="5" name="Content Placeholder 2">
-            <a:extLst>
-              <a:ext uri="{FF2B5EF4-FFF2-40B4-BE49-F238E27FC236}">
-                <a16:creationId xmlns:a16="http://schemas.microsoft.com/office/drawing/2014/main" id="{AD49F45B-5D49-E225-E2D2-75ACE2E6FC9A}"/>
-              </a:ext>
-            </a:extLst>
-          </p:cNvPr>
-          <p:cNvSpPr txBox="1"/>
-          <p:nvPr/>
-        </p:nvSpPr>
-        <p:spPr>
-          <a:xfrm>
-            <a:off x="7962787" y="3040764"/>
-            <a:ext cx="3631082" cy="3288319"/>
-          </a:xfrm>
-          <a:prstGeom prst="rect">
-            <a:avLst/>
-          </a:prstGeom>
-          <a:noFill/>
-          <a:ln cap="flat">
-            <a:noFill/>
-          </a:ln>
-        </p:spPr>
-        <p:txBody>
-          <a:bodyPr vert="horz" wrap="square" lIns="91440" tIns="45720" rIns="91440" bIns="45720" anchor="t" anchorCtr="0" compatLnSpc="1">
-            <a:normAutofit/>
-          </a:bodyPr>
-          <a:lstStyle/>
-          <a:p>
-            <a:pPr marL="228600" marR="0" lvl="0" indent="-228600" algn="l" defTabSz="914400" rtl="0" fontAlgn="auto" hangingPunct="1">
-              <a:lnSpc>
-                <a:spcPct val="110000"/>
-              </a:lnSpc>
-              <a:spcBef>
-                <a:spcPts val="1000"/>
-              </a:spcBef>
-              <a:spcAft>
-                <a:spcPts val="0"/>
-              </a:spcAft>
-              <a:buSzPct val="100000"/>
-              <a:buFont typeface="Arial" pitchFamily="34"/>
-              <a:buChar char="•"/>
-              <a:tabLst/>
-              <a:defRPr sz="1800" b="0" i="0" u="none" strike="noStrike" kern="0" cap="none" spc="0" baseline="0">
-                <a:solidFill>
-                  <a:srgbClr val="000000"/>
-                </a:solidFill>
-                <a:uFillTx/>
-              </a:defRPr>
-            </a:pPr>
-            <a:r>
-              <a:rPr lang="en-CA" sz="2000" b="0" i="0" u="none" strike="noStrike" kern="1200" cap="none" spc="0" baseline="0">
-                <a:solidFill>
-                  <a:srgbClr val="000000"/>
-                </a:solidFill>
-                <a:uFillTx/>
-                <a:latin typeface="Calisto MT"/>
-              </a:rPr>
-              <a:t>Model 3</a:t>
-            </a:r>
-          </a:p>
-          <a:p>
-            <a:pPr marL="685800" marR="0" lvl="1" indent="-228600" algn="l" defTabSz="914400" rtl="0" fontAlgn="auto" hangingPunct="1">
-              <a:lnSpc>
-                <a:spcPct val="110000"/>
-              </a:lnSpc>
-              <a:spcBef>
-                <a:spcPts val="500"/>
-              </a:spcBef>
-              <a:spcAft>
-                <a:spcPts val="0"/>
-              </a:spcAft>
-              <a:buSzPct val="100000"/>
-              <a:buFont typeface="Arial" pitchFamily="34"/>
-              <a:buChar char="•"/>
-              <a:tabLst/>
-              <a:defRPr sz="1800" b="0" i="0" u="none" strike="noStrike" kern="0" cap="none" spc="0" baseline="0">
-                <a:solidFill>
-                  <a:srgbClr val="000000"/>
-                </a:solidFill>
-                <a:uFillTx/>
-              </a:defRPr>
-            </a:pPr>
-            <a:r>
-              <a:rPr lang="en-CA" sz="1800" b="0" i="0" u="none" strike="noStrike" kern="1200" cap="none" spc="0" baseline="0">
-                <a:solidFill>
-                  <a:srgbClr val="000000"/>
-                </a:solidFill>
-                <a:uFillTx/>
-                <a:latin typeface="Calisto MT"/>
-              </a:rPr>
-              <a:t>MLP classifier</a:t>
-            </a:r>
-          </a:p>
-          <a:p>
-            <a:pPr marL="457200" marR="0" lvl="1" indent="0" algn="l" defTabSz="914400" rtl="0" fontAlgn="auto" hangingPunct="1">
-              <a:lnSpc>
-                <a:spcPct val="110000"/>
-              </a:lnSpc>
-              <a:spcBef>
-                <a:spcPts val="500"/>
-              </a:spcBef>
-              <a:spcAft>
-                <a:spcPts val="0"/>
-              </a:spcAft>
-              <a:buNone/>
-              <a:tabLst/>
-              <a:defRPr sz="1800" b="0" i="0" u="none" strike="noStrike" kern="0" cap="none" spc="0" baseline="0">
-                <a:solidFill>
-                  <a:srgbClr val="000000"/>
-                </a:solidFill>
-                <a:uFillTx/>
-              </a:defRPr>
-            </a:pPr>
-            <a:r>
-              <a:rPr lang="en-CA" sz="1800" b="0" i="0" u="none" strike="noStrike" kern="1200" cap="none" spc="0" baseline="0">
-                <a:solidFill>
-                  <a:srgbClr val="000000"/>
-                </a:solidFill>
-                <a:uFillTx/>
-                <a:latin typeface="Calisto MT"/>
-              </a:rPr>
-              <a:t>	- activation: tanh</a:t>
-            </a:r>
-          </a:p>
-          <a:p>
-            <a:pPr marL="457200" marR="0" lvl="1" indent="0" algn="l" defTabSz="914400" rtl="0" fontAlgn="auto" hangingPunct="1">
-              <a:lnSpc>
-                <a:spcPct val="110000"/>
-              </a:lnSpc>
-              <a:spcBef>
-                <a:spcPts val="500"/>
-              </a:spcBef>
-              <a:spcAft>
-                <a:spcPts val="0"/>
-              </a:spcAft>
-              <a:buNone/>
-              <a:tabLst/>
-              <a:defRPr sz="1800" b="0" i="0" u="none" strike="noStrike" kern="0" cap="none" spc="0" baseline="0">
-                <a:solidFill>
-                  <a:srgbClr val="000000"/>
-                </a:solidFill>
-                <a:uFillTx/>
-              </a:defRPr>
-            </a:pPr>
-            <a:r>
-              <a:rPr lang="en-CA" sz="1800" b="0" i="0" u="none" strike="noStrike" kern="1200" cap="none" spc="0" baseline="0">
-                <a:solidFill>
-                  <a:srgbClr val="000000"/>
-                </a:solidFill>
-                <a:uFillTx/>
-                <a:latin typeface="Calisto MT"/>
-              </a:rPr>
-              <a:t>	- alpha: 0.1</a:t>
-            </a:r>
-          </a:p>
-          <a:p>
-            <a:pPr marL="457200" marR="0" lvl="1" indent="0" algn="l" defTabSz="914400" rtl="0" fontAlgn="auto" hangingPunct="1">
-              <a:lnSpc>
-                <a:spcPct val="110000"/>
-              </a:lnSpc>
-              <a:spcBef>
-                <a:spcPts val="500"/>
-              </a:spcBef>
-              <a:spcAft>
-                <a:spcPts val="0"/>
-              </a:spcAft>
-              <a:buNone/>
-              <a:tabLst/>
-              <a:defRPr sz="1800" b="0" i="0" u="none" strike="noStrike" kern="0" cap="none" spc="0" baseline="0">
-                <a:solidFill>
-                  <a:srgbClr val="000000"/>
-                </a:solidFill>
-                <a:uFillTx/>
-              </a:defRPr>
-            </a:pPr>
-            <a:r>
-              <a:rPr lang="en-CA" sz="1800" b="0" i="0" u="none" strike="noStrike" kern="1200" cap="none" spc="0" baseline="0">
-                <a:solidFill>
-                  <a:srgbClr val="000000"/>
-                </a:solidFill>
-                <a:uFillTx/>
-                <a:latin typeface="Calisto MT"/>
-              </a:rPr>
-              <a:t>	- hidden layer size: (100, )</a:t>
-            </a:r>
-          </a:p>
-        </p:txBody>
-      </p:sp>
-      <p:sp>
-        <p:nvSpPr>
-          <p:cNvPr id="6" name="TextBox 6">
-            <a:extLst>
-              <a:ext uri="{FF2B5EF4-FFF2-40B4-BE49-F238E27FC236}">
-                <a16:creationId xmlns:a16="http://schemas.microsoft.com/office/drawing/2014/main" id="{1ED96FDD-153D-1CE7-9B71-88C3F6075DA6}"/>
-              </a:ext>
-            </a:extLst>
-          </p:cNvPr>
-          <p:cNvSpPr txBox="1"/>
-          <p:nvPr/>
-        </p:nvSpPr>
-        <p:spPr>
-          <a:xfrm>
-            <a:off x="3237570" y="2107280"/>
-            <a:ext cx="5716865" cy="415494"/>
-          </a:xfrm>
-          <a:prstGeom prst="rect">
-            <a:avLst/>
-          </a:prstGeom>
-          <a:noFill/>
-          <a:ln cap="flat">
-            <a:noFill/>
-          </a:ln>
-        </p:spPr>
-        <p:txBody>
-          <a:bodyPr vert="horz" wrap="square" lIns="91440" tIns="45720" rIns="91440" bIns="45720" anchor="t" anchorCtr="0" compatLnSpc="1">
-            <a:spAutoFit/>
-          </a:bodyPr>
-          <a:lstStyle/>
-          <a:p>
-            <a:pPr marL="0" marR="0" lvl="0" indent="0" algn="l" defTabSz="914400" rtl="0" fontAlgn="auto" hangingPunct="1">
-              <a:lnSpc>
-                <a:spcPct val="100000"/>
-              </a:lnSpc>
-              <a:spcBef>
-                <a:spcPts val="0"/>
-              </a:spcBef>
-              <a:spcAft>
-                <a:spcPts val="0"/>
-              </a:spcAft>
-              <a:buNone/>
-              <a:tabLst/>
-              <a:defRPr sz="1800" b="0" i="0" u="none" strike="noStrike" kern="0" cap="none" spc="0" baseline="0">
-                <a:solidFill>
-                  <a:srgbClr val="000000"/>
-                </a:solidFill>
-                <a:uFillTx/>
-              </a:defRPr>
-            </a:pPr>
-            <a:r>
-              <a:rPr lang="en-CA" sz="2100" b="1" i="0" u="none" strike="noStrike" kern="1200" cap="none" spc="0" baseline="0">
-                <a:solidFill>
-                  <a:srgbClr val="000000"/>
-                </a:solidFill>
-                <a:uFillTx/>
-                <a:latin typeface="Aptos"/>
-              </a:rPr>
-              <a:t>Optimize parameters using Grid Search CV (5)</a:t>
-            </a:r>
-          </a:p>
-        </p:txBody>
-      </p:sp>
-    </p:spTree>
-  </p:cSld>
-  <p:clrMapOvr>
-    <a:masterClrMapping/>
-  </p:clrMapOvr>
-</p:sld>
-</file>
-
-<file path=ppt/slides/slide9.xml><?xml version="1.0" encoding="utf-8"?>
-<p:sld xmlns:a="http://schemas.openxmlformats.org/drawingml/2006/main" xmlns:r="http://schemas.openxmlformats.org/officeDocument/2006/relationships" xmlns:p="http://schemas.openxmlformats.org/presentationml/2006/main">
-  <p:cSld name="Slide7">
-    <p:spTree>
-      <p:nvGrpSpPr>
-        <p:cNvPr id="1" name=""/>
-        <p:cNvGrpSpPr/>
-        <p:nvPr/>
-      </p:nvGrpSpPr>
-      <p:grpSpPr>
-        <a:xfrm>
-          <a:off x="0" y="0"/>
-          <a:ext cx="0" cy="0"/>
-          <a:chOff x="0" y="0"/>
-          <a:chExt cx="0" cy="0"/>
-        </a:xfrm>
-      </p:grpSpPr>
-      <p:sp>
-        <p:nvSpPr>
-          <p:cNvPr id="2" name="Rectangle 11">
-            <a:extLst>
-              <a:ext uri="{FF2B5EF4-FFF2-40B4-BE49-F238E27FC236}">
-                <a16:creationId xmlns:a16="http://schemas.microsoft.com/office/drawing/2014/main" id="{B90C477B-4DBC-865E-2CED-51CDBF63F2C5}"/>
-              </a:ext>
-            </a:extLst>
-          </p:cNvPr>
-          <p:cNvSpPr/>
-          <p:nvPr/>
-        </p:nvSpPr>
-        <p:spPr>
-          <a:xfrm>
-            <a:off x="3974357" y="2014066"/>
-            <a:ext cx="3913732" cy="4046073"/>
-          </a:xfrm>
-          <a:prstGeom prst="rect">
-            <a:avLst/>
-          </a:prstGeom>
-          <a:solidFill>
-            <a:srgbClr val="B4E5A2">
-              <a:alpha val="85000"/>
-            </a:srgbClr>
-          </a:solidFill>
-          <a:ln w="19046" cap="flat">
-            <a:solidFill>
-              <a:srgbClr val="042433"/>
-            </a:solidFill>
-            <a:prstDash val="solid"/>
-            <a:miter/>
-          </a:ln>
-        </p:spPr>
-        <p:txBody>
-          <a:bodyPr vert="horz" wrap="square" lIns="91440" tIns="45720" rIns="91440" bIns="45720" anchor="ctr" anchorCtr="1" compatLnSpc="1">
-            <a:noAutofit/>
-          </a:bodyPr>
-          <a:lstStyle/>
-          <a:p>
-            <a:pPr marL="0" marR="0" lvl="0" indent="0" algn="ctr" defTabSz="914400" rtl="0" fontAlgn="auto" hangingPunct="1">
-              <a:lnSpc>
-                <a:spcPct val="100000"/>
-              </a:lnSpc>
-              <a:spcBef>
-                <a:spcPts val="0"/>
-              </a:spcBef>
-              <a:spcAft>
-                <a:spcPts val="0"/>
-              </a:spcAft>
-              <a:buNone/>
-              <a:tabLst/>
-              <a:defRPr sz="1800" b="0" i="0" u="none" strike="noStrike" kern="0" cap="none" spc="0" baseline="0">
-                <a:solidFill>
-                  <a:srgbClr val="000000"/>
-                </a:solidFill>
-                <a:uFillTx/>
-              </a:defRPr>
-            </a:pPr>
-            <a:endParaRPr lang="en-CA" sz="1800" b="0" i="0" u="none" strike="noStrike" kern="1200" cap="none" spc="0" baseline="0">
-              <a:solidFill>
-                <a:srgbClr val="FFFFFF"/>
-              </a:solidFill>
-              <a:uFillTx/>
-              <a:latin typeface="Aptos"/>
-            </a:endParaRPr>
-          </a:p>
-        </p:txBody>
-      </p:sp>
-      <p:sp>
-        <p:nvSpPr>
-          <p:cNvPr id="3" name="Title 1">
-            <a:extLst>
-              <a:ext uri="{FF2B5EF4-FFF2-40B4-BE49-F238E27FC236}">
-                <a16:creationId xmlns:a16="http://schemas.microsoft.com/office/drawing/2014/main" id="{5DEA9B52-A07A-DC47-8CEB-21EB889EEF0D}"/>
-              </a:ext>
-            </a:extLst>
-          </p:cNvPr>
-          <p:cNvSpPr txBox="1">
-            <a:spLocks noGrp="1"/>
-          </p:cNvSpPr>
-          <p:nvPr>
-            <p:ph type="title"/>
-          </p:nvPr>
-        </p:nvSpPr>
-        <p:spPr/>
-        <p:txBody>
-          <a:bodyPr/>
-          <a:lstStyle/>
-          <a:p>
-            <a:pPr lvl="0"/>
-            <a:r>
-              <a:rPr lang="en-CA"/>
-              <a:t>Model performance metrics</a:t>
-            </a:r>
-          </a:p>
-        </p:txBody>
-      </p:sp>
-      <p:sp>
-        <p:nvSpPr>
-          <p:cNvPr id="4" name="Content Placeholder 2">
-            <a:extLst>
-              <a:ext uri="{FF2B5EF4-FFF2-40B4-BE49-F238E27FC236}">
-                <a16:creationId xmlns:a16="http://schemas.microsoft.com/office/drawing/2014/main" id="{016BACA2-99A1-783B-1280-D777F9A53DB8}"/>
-              </a:ext>
-            </a:extLst>
-          </p:cNvPr>
-          <p:cNvSpPr txBox="1">
-            <a:spLocks noGrp="1"/>
-          </p:cNvSpPr>
-          <p:nvPr>
-            <p:ph idx="1"/>
-          </p:nvPr>
-        </p:nvSpPr>
-        <p:spPr>
-          <a:xfrm>
-            <a:off x="423211" y="2337279"/>
-            <a:ext cx="3245223" cy="467422"/>
-          </a:xfrm>
-        </p:spPr>
-        <p:txBody>
-          <a:bodyPr/>
-          <a:lstStyle/>
-          <a:p>
-            <a:pPr lvl="0"/>
-            <a:r>
-              <a:rPr lang="en-CA"/>
-              <a:t>Random Forest Classifier</a:t>
-            </a:r>
-          </a:p>
-        </p:txBody>
-      </p:sp>
-      <p:sp>
-        <p:nvSpPr>
-          <p:cNvPr id="5" name="Content Placeholder 2">
-            <a:extLst>
-              <a:ext uri="{FF2B5EF4-FFF2-40B4-BE49-F238E27FC236}">
-                <a16:creationId xmlns:a16="http://schemas.microsoft.com/office/drawing/2014/main" id="{1AB1BAD2-2C9D-6C14-3C84-8785F937C993}"/>
-              </a:ext>
-            </a:extLst>
-          </p:cNvPr>
-          <p:cNvSpPr txBox="1"/>
-          <p:nvPr/>
-        </p:nvSpPr>
-        <p:spPr>
-          <a:xfrm>
-            <a:off x="4853159" y="2337279"/>
-            <a:ext cx="2156118" cy="467422"/>
-          </a:xfrm>
-          <a:prstGeom prst="rect">
-            <a:avLst/>
-          </a:prstGeom>
-          <a:noFill/>
-          <a:ln cap="flat">
-            <a:noFill/>
-          </a:ln>
-        </p:spPr>
-        <p:txBody>
-          <a:bodyPr vert="horz" wrap="square" lIns="91440" tIns="45720" rIns="91440" bIns="45720" anchor="t" anchorCtr="0" compatLnSpc="1">
-            <a:normAutofit/>
-          </a:bodyPr>
-          <a:lstStyle/>
-          <a:p>
-            <a:pPr marL="228600" marR="0" lvl="0" indent="-228600" algn="l" defTabSz="914400" rtl="0" fontAlgn="auto" hangingPunct="1">
-              <a:lnSpc>
-                <a:spcPct val="110000"/>
-              </a:lnSpc>
-              <a:spcBef>
-                <a:spcPts val="1000"/>
-              </a:spcBef>
-              <a:spcAft>
-                <a:spcPts val="0"/>
-              </a:spcAft>
-              <a:buSzPct val="100000"/>
-              <a:buFont typeface="Arial" pitchFamily="34"/>
-              <a:buChar char="•"/>
-              <a:tabLst/>
-              <a:defRPr sz="1800" b="0" i="0" u="none" strike="noStrike" kern="0" cap="none" spc="0" baseline="0">
-                <a:solidFill>
-                  <a:srgbClr val="000000"/>
-                </a:solidFill>
-                <a:uFillTx/>
-              </a:defRPr>
-            </a:pPr>
-            <a:r>
-              <a:rPr lang="en-CA" sz="2000" b="0" i="0" u="none" strike="noStrike" kern="1200" cap="none" spc="0" baseline="0">
-                <a:solidFill>
-                  <a:srgbClr val="000000"/>
-                </a:solidFill>
-                <a:uFillTx/>
-                <a:latin typeface="Calisto MT"/>
-              </a:rPr>
-              <a:t>XGB Classifier</a:t>
-            </a:r>
-          </a:p>
-        </p:txBody>
-      </p:sp>
-      <p:sp>
-        <p:nvSpPr>
-          <p:cNvPr id="6" name="Content Placeholder 2">
-            <a:extLst>
-              <a:ext uri="{FF2B5EF4-FFF2-40B4-BE49-F238E27FC236}">
-                <a16:creationId xmlns:a16="http://schemas.microsoft.com/office/drawing/2014/main" id="{9BFC8251-35A0-3420-17A7-4DD4B51A7D57}"/>
-              </a:ext>
-            </a:extLst>
-          </p:cNvPr>
-          <p:cNvSpPr txBox="1"/>
-          <p:nvPr/>
-        </p:nvSpPr>
-        <p:spPr>
-          <a:xfrm>
-            <a:off x="8756998" y="2337755"/>
-            <a:ext cx="2156118" cy="467422"/>
-          </a:xfrm>
-          <a:prstGeom prst="rect">
-            <a:avLst/>
-          </a:prstGeom>
-          <a:noFill/>
-          <a:ln cap="flat">
-            <a:noFill/>
-          </a:ln>
-        </p:spPr>
-        <p:txBody>
-          <a:bodyPr vert="horz" wrap="square" lIns="91440" tIns="45720" rIns="91440" bIns="45720" anchor="t" anchorCtr="0" compatLnSpc="1">
-            <a:normAutofit/>
-          </a:bodyPr>
-          <a:lstStyle/>
-          <a:p>
-            <a:pPr marL="228600" marR="0" lvl="0" indent="-228600" algn="l" defTabSz="914400" rtl="0" fontAlgn="auto" hangingPunct="1">
-              <a:lnSpc>
-                <a:spcPct val="110000"/>
-              </a:lnSpc>
-              <a:spcBef>
-                <a:spcPts val="1000"/>
-              </a:spcBef>
-              <a:spcAft>
-                <a:spcPts val="0"/>
-              </a:spcAft>
-              <a:buSzPct val="100000"/>
-              <a:buFont typeface="Arial" pitchFamily="34"/>
-              <a:buChar char="•"/>
-              <a:tabLst/>
-              <a:defRPr sz="1800" b="0" i="0" u="none" strike="noStrike" kern="0" cap="none" spc="0" baseline="0">
-                <a:solidFill>
-                  <a:srgbClr val="000000"/>
-                </a:solidFill>
-                <a:uFillTx/>
-              </a:defRPr>
-            </a:pPr>
-            <a:r>
-              <a:rPr lang="en-CA" sz="2000" b="0" i="0" u="none" strike="noStrike" kern="1200" cap="none" spc="0" baseline="0">
-                <a:solidFill>
-                  <a:srgbClr val="000000"/>
-                </a:solidFill>
-                <a:uFillTx/>
-                <a:latin typeface="Calisto MT"/>
-              </a:rPr>
-              <a:t>MLP Classifier</a:t>
+              <a:rPr lang="en-CA" sz="2400"/>
+              <a:t>Protected feature distribution in regards of target class</a:t>
             </a:r>
           </a:p>
         </p:txBody>
       </p:sp>
       <p:pic>
         <p:nvPicPr>
-          <p:cNvPr id="7" name="Picture 6">
-            <a:extLst>
-              <a:ext uri="{FF2B5EF4-FFF2-40B4-BE49-F238E27FC236}">
-                <a16:creationId xmlns:a16="http://schemas.microsoft.com/office/drawing/2014/main" id="{DCB01C65-02C4-C622-1036-6662F440588F}"/>
+          <p:cNvPr id="18" name="Picture 17" descr="A screenshot of a graph&#10;&#10;AI-generated content may be incorrect.">
+            <a:extLst>
+              <a:ext uri="{FF2B5EF4-FFF2-40B4-BE49-F238E27FC236}">
+                <a16:creationId xmlns:a16="http://schemas.microsoft.com/office/drawing/2014/main" id="{67A35317-ECF0-1BAF-D780-6F83DCD41C89}"/>
               </a:ext>
             </a:extLst>
           </p:cNvPr>
@@ -8327,98 +10851,523 @@
           <p:nvPr/>
         </p:nvPicPr>
         <p:blipFill>
-          <a:blip r:embed="rId2"/>
+          <a:blip r:embed="rId2">
+            <a:extLst>
+              <a:ext uri="{28A0092B-C50C-407E-A947-70E740481C1C}">
+                <a14:useLocalDpi xmlns:a14="http://schemas.microsoft.com/office/drawing/2010/main" val="0"/>
+              </a:ext>
+            </a:extLst>
+          </a:blip>
           <a:stretch>
             <a:fillRect/>
           </a:stretch>
         </p:blipFill>
         <p:spPr>
           <a:xfrm>
-            <a:off x="117299" y="3641872"/>
-            <a:ext cx="3857048" cy="1638111"/>
+            <a:off x="5105396" y="929927"/>
+            <a:ext cx="6264568" cy="4998145"/>
           </a:xfrm>
           <a:prstGeom prst="rect">
             <a:avLst/>
           </a:prstGeom>
-          <a:noFill/>
-          <a:ln cap="flat">
-            <a:noFill/>
+        </p:spPr>
+      </p:pic>
+      <p:sp>
+        <p:nvSpPr>
+          <p:cNvPr id="19" name="Rounded Rectangle 18">
+            <a:extLst>
+              <a:ext uri="{FF2B5EF4-FFF2-40B4-BE49-F238E27FC236}">
+                <a16:creationId xmlns:a16="http://schemas.microsoft.com/office/drawing/2014/main" id="{62C4FD58-9121-A826-530B-C4D8BA9E67DE}"/>
+              </a:ext>
+            </a:extLst>
+          </p:cNvPr>
+          <p:cNvSpPr/>
+          <p:nvPr/>
+        </p:nvSpPr>
+        <p:spPr>
+          <a:xfrm>
+            <a:off x="5172364" y="929927"/>
+            <a:ext cx="3232727" cy="2477655"/>
+          </a:xfrm>
+          <a:prstGeom prst="roundRect">
+            <a:avLst/>
+          </a:prstGeom>
+          <a:ln>
+            <a:solidFill>
+              <a:schemeClr val="bg1"/>
+            </a:solidFill>
           </a:ln>
         </p:spPr>
-      </p:pic>
-      <p:pic>
-        <p:nvPicPr>
-          <p:cNvPr id="8" name="Picture 8">
-            <a:extLst>
-              <a:ext uri="{FF2B5EF4-FFF2-40B4-BE49-F238E27FC236}">
-                <a16:creationId xmlns:a16="http://schemas.microsoft.com/office/drawing/2014/main" id="{17B6FACB-DE41-8CF4-3E4C-B23916D2463F}"/>
-              </a:ext>
-            </a:extLst>
-          </p:cNvPr>
-          <p:cNvPicPr>
-            <a:picLocks noChangeAspect="1"/>
-          </p:cNvPicPr>
+        <p:style>
+          <a:lnRef idx="2">
+            <a:schemeClr val="dk1"/>
+          </a:lnRef>
+          <a:fillRef idx="1">
+            <a:schemeClr val="lt1"/>
+          </a:fillRef>
+          <a:effectRef idx="0">
+            <a:schemeClr val="dk1"/>
+          </a:effectRef>
+          <a:fontRef idx="minor">
+            <a:schemeClr val="dk1"/>
+          </a:fontRef>
+        </p:style>
+        <p:txBody>
+          <a:bodyPr rtlCol="0" anchor="ctr"/>
+          <a:lstStyle/>
+          <a:p>
+            <a:pPr algn="ctr"/>
+            <a:endParaRPr lang="en-GB"/>
+          </a:p>
+        </p:txBody>
+      </p:sp>
+      <p:sp>
+        <p:nvSpPr>
+          <p:cNvPr id="20" name="Rounded Rectangle 19">
+            <a:extLst>
+              <a:ext uri="{FF2B5EF4-FFF2-40B4-BE49-F238E27FC236}">
+                <a16:creationId xmlns:a16="http://schemas.microsoft.com/office/drawing/2014/main" id="{B590F94A-2B61-6764-83EE-0264B26FF6FF}"/>
+              </a:ext>
+            </a:extLst>
+          </p:cNvPr>
+          <p:cNvSpPr/>
           <p:nvPr/>
-        </p:nvPicPr>
-        <p:blipFill>
-          <a:blip r:embed="rId3"/>
-          <a:stretch>
-            <a:fillRect/>
-          </a:stretch>
-        </p:blipFill>
+        </p:nvSpPr>
         <p:spPr>
           <a:xfrm>
-            <a:off x="4039535" y="3641872"/>
-            <a:ext cx="3783366" cy="1638111"/>
+            <a:off x="8271164" y="929926"/>
+            <a:ext cx="3232727" cy="2477655"/>
           </a:xfrm>
-          <a:prstGeom prst="rect">
+          <a:prstGeom prst="roundRect">
             <a:avLst/>
           </a:prstGeom>
-          <a:noFill/>
-          <a:ln cap="flat">
-            <a:noFill/>
+          <a:ln>
+            <a:solidFill>
+              <a:schemeClr val="bg1"/>
+            </a:solidFill>
           </a:ln>
         </p:spPr>
-      </p:pic>
-      <p:pic>
-        <p:nvPicPr>
-          <p:cNvPr id="9" name="Picture 10">
-            <a:extLst>
-              <a:ext uri="{FF2B5EF4-FFF2-40B4-BE49-F238E27FC236}">
-                <a16:creationId xmlns:a16="http://schemas.microsoft.com/office/drawing/2014/main" id="{7E24AA97-7137-B1D4-8F58-4094550EC724}"/>
-              </a:ext>
-            </a:extLst>
-          </p:cNvPr>
-          <p:cNvPicPr>
-            <a:picLocks noChangeAspect="1"/>
-          </p:cNvPicPr>
+        <p:style>
+          <a:lnRef idx="2">
+            <a:schemeClr val="dk1"/>
+          </a:lnRef>
+          <a:fillRef idx="1">
+            <a:schemeClr val="lt1"/>
+          </a:fillRef>
+          <a:effectRef idx="0">
+            <a:schemeClr val="dk1"/>
+          </a:effectRef>
+          <a:fontRef idx="minor">
+            <a:schemeClr val="dk1"/>
+          </a:fontRef>
+        </p:style>
+        <p:txBody>
+          <a:bodyPr rtlCol="0" anchor="ctr"/>
+          <a:lstStyle/>
+          <a:p>
+            <a:pPr algn="ctr"/>
+            <a:endParaRPr lang="en-GB"/>
+          </a:p>
+        </p:txBody>
+      </p:sp>
+      <p:sp>
+        <p:nvSpPr>
+          <p:cNvPr id="21" name="Rounded Rectangle 20">
+            <a:extLst>
+              <a:ext uri="{FF2B5EF4-FFF2-40B4-BE49-F238E27FC236}">
+                <a16:creationId xmlns:a16="http://schemas.microsoft.com/office/drawing/2014/main" id="{6B0193F9-ED28-E19D-4775-43A298BE7D0E}"/>
+              </a:ext>
+            </a:extLst>
+          </p:cNvPr>
+          <p:cNvSpPr/>
           <p:nvPr/>
-        </p:nvPicPr>
-        <p:blipFill>
-          <a:blip r:embed="rId4"/>
-          <a:stretch>
-            <a:fillRect/>
-          </a:stretch>
-        </p:blipFill>
+        </p:nvSpPr>
         <p:spPr>
           <a:xfrm>
-            <a:off x="7888089" y="3641872"/>
-            <a:ext cx="3893954" cy="1638111"/>
+            <a:off x="8271164" y="3450417"/>
+            <a:ext cx="3232727" cy="2477655"/>
           </a:xfrm>
-          <a:prstGeom prst="rect">
+          <a:prstGeom prst="roundRect">
             <a:avLst/>
           </a:prstGeom>
-          <a:noFill/>
-          <a:ln cap="flat">
-            <a:noFill/>
+          <a:ln>
+            <a:solidFill>
+              <a:schemeClr val="bg1"/>
+            </a:solidFill>
           </a:ln>
         </p:spPr>
-      </p:pic>
+        <p:style>
+          <a:lnRef idx="2">
+            <a:schemeClr val="dk1"/>
+          </a:lnRef>
+          <a:fillRef idx="1">
+            <a:schemeClr val="lt1"/>
+          </a:fillRef>
+          <a:effectRef idx="0">
+            <a:schemeClr val="dk1"/>
+          </a:effectRef>
+          <a:fontRef idx="minor">
+            <a:schemeClr val="dk1"/>
+          </a:fontRef>
+        </p:style>
+        <p:txBody>
+          <a:bodyPr rtlCol="0" anchor="ctr"/>
+          <a:lstStyle/>
+          <a:p>
+            <a:pPr algn="ctr"/>
+            <a:endParaRPr lang="en-GB"/>
+          </a:p>
+        </p:txBody>
+      </p:sp>
+      <p:sp>
+        <p:nvSpPr>
+          <p:cNvPr id="22" name="Rounded Rectangle 21">
+            <a:extLst>
+              <a:ext uri="{FF2B5EF4-FFF2-40B4-BE49-F238E27FC236}">
+                <a16:creationId xmlns:a16="http://schemas.microsoft.com/office/drawing/2014/main" id="{E36624AE-4166-A09F-3346-FEB51C40A15C}"/>
+              </a:ext>
+            </a:extLst>
+          </p:cNvPr>
+          <p:cNvSpPr/>
+          <p:nvPr/>
+        </p:nvSpPr>
+        <p:spPr>
+          <a:xfrm>
+            <a:off x="5105396" y="3450416"/>
+            <a:ext cx="3232727" cy="2477655"/>
+          </a:xfrm>
+          <a:prstGeom prst="roundRect">
+            <a:avLst/>
+          </a:prstGeom>
+          <a:ln>
+            <a:solidFill>
+              <a:schemeClr val="bg1"/>
+            </a:solidFill>
+          </a:ln>
+        </p:spPr>
+        <p:style>
+          <a:lnRef idx="2">
+            <a:schemeClr val="dk1"/>
+          </a:lnRef>
+          <a:fillRef idx="1">
+            <a:schemeClr val="lt1"/>
+          </a:fillRef>
+          <a:effectRef idx="0">
+            <a:schemeClr val="dk1"/>
+          </a:effectRef>
+          <a:fontRef idx="minor">
+            <a:schemeClr val="dk1"/>
+          </a:fontRef>
+        </p:style>
+        <p:txBody>
+          <a:bodyPr rtlCol="0" anchor="ctr"/>
+          <a:lstStyle/>
+          <a:p>
+            <a:pPr algn="ctr"/>
+            <a:endParaRPr lang="en-GB"/>
+          </a:p>
+        </p:txBody>
+      </p:sp>
+      <p:sp>
+        <p:nvSpPr>
+          <p:cNvPr id="23" name="Slide Number Placeholder 22">
+            <a:extLst>
+              <a:ext uri="{FF2B5EF4-FFF2-40B4-BE49-F238E27FC236}">
+                <a16:creationId xmlns:a16="http://schemas.microsoft.com/office/drawing/2014/main" id="{C7DDCE6E-73E2-4CE5-123F-2F1C43DFFFBD}"/>
+              </a:ext>
+            </a:extLst>
+          </p:cNvPr>
+          <p:cNvSpPr>
+            <a:spLocks noGrp="1"/>
+          </p:cNvSpPr>
+          <p:nvPr>
+            <p:ph type="sldNum" sz="quarter" idx="8"/>
+          </p:nvPr>
+        </p:nvSpPr>
+        <p:spPr/>
+        <p:txBody>
+          <a:bodyPr/>
+          <a:lstStyle/>
+          <a:p>
+            <a:pPr lvl="0"/>
+            <a:fld id="{6F19EE8F-DA5D-4E21-9425-475A35DECB26}" type="slidenum">
+              <a:rPr lang="en-CH" smtClean="0"/>
+              <a:t>9</a:t>
+            </a:fld>
+            <a:endParaRPr lang="en-CH"/>
+          </a:p>
+        </p:txBody>
+      </p:sp>
     </p:spTree>
+    <p:extLst>
+      <p:ext uri="{BB962C8B-B14F-4D97-AF65-F5344CB8AC3E}">
+        <p14:creationId xmlns:p14="http://schemas.microsoft.com/office/powerpoint/2010/main" val="3586646974"/>
+      </p:ext>
+    </p:extLst>
   </p:cSld>
   <p:clrMapOvr>
     <a:masterClrMapping/>
   </p:clrMapOvr>
+  <mc:AlternateContent xmlns:mc="http://schemas.openxmlformats.org/markup-compatibility/2006">
+    <mc:Choice xmlns:p159="http://schemas.microsoft.com/office/powerpoint/2015/09/main" Requires="p159">
+      <p:transition xmlns:p14="http://schemas.microsoft.com/office/powerpoint/2010/main" spd="slow" p14:dur="2000">
+        <p159:morph option="byWord"/>
+      </p:transition>
+    </mc:Choice>
+    <mc:Fallback>
+      <p:transition spd="slow">
+        <p:fade/>
+      </p:transition>
+    </mc:Fallback>
+  </mc:AlternateContent>
+  <p:timing>
+    <p:tnLst>
+      <p:par>
+        <p:cTn id="1" dur="indefinite" restart="never" nodeType="tmRoot">
+          <p:childTnLst>
+            <p:seq concurrent="1" nextAc="seek">
+              <p:cTn id="2" dur="indefinite" nodeType="mainSeq">
+                <p:childTnLst>
+                  <p:par>
+                    <p:cTn id="3" fill="hold">
+                      <p:stCondLst>
+                        <p:cond delay="indefinite"/>
+                      </p:stCondLst>
+                      <p:childTnLst>
+                        <p:par>
+                          <p:cTn id="4" fill="hold">
+                            <p:stCondLst>
+                              <p:cond delay="0"/>
+                            </p:stCondLst>
+                            <p:childTnLst>
+                              <p:par>
+                                <p:cTn id="5" presetID="9" presetClass="exit" presetSubtype="0" fill="hold" grpId="0" nodeType="clickEffect">
+                                  <p:stCondLst>
+                                    <p:cond delay="0"/>
+                                  </p:stCondLst>
+                                  <p:childTnLst>
+                                    <p:animEffect transition="out" filter="dissolve">
+                                      <p:cBhvr>
+                                        <p:cTn id="6" dur="500"/>
+                                        <p:tgtEl>
+                                          <p:spTgt spid="19"/>
+                                        </p:tgtEl>
+                                      </p:cBhvr>
+                                    </p:animEffect>
+                                    <p:set>
+                                      <p:cBhvr>
+                                        <p:cTn id="7" dur="1" fill="hold">
+                                          <p:stCondLst>
+                                            <p:cond delay="499"/>
+                                          </p:stCondLst>
+                                        </p:cTn>
+                                        <p:tgtEl>
+                                          <p:spTgt spid="19"/>
+                                        </p:tgtEl>
+                                        <p:attrNameLst>
+                                          <p:attrName>style.visibility</p:attrName>
+                                        </p:attrNameLst>
+                                      </p:cBhvr>
+                                      <p:to>
+                                        <p:strVal val="hidden"/>
+                                      </p:to>
+                                    </p:set>
+                                  </p:childTnLst>
+                                </p:cTn>
+                              </p:par>
+                            </p:childTnLst>
+                          </p:cTn>
+                        </p:par>
+                      </p:childTnLst>
+                    </p:cTn>
+                  </p:par>
+                  <p:par>
+                    <p:cTn id="8" fill="hold">
+                      <p:stCondLst>
+                        <p:cond delay="indefinite"/>
+                      </p:stCondLst>
+                      <p:childTnLst>
+                        <p:par>
+                          <p:cTn id="9" fill="hold">
+                            <p:stCondLst>
+                              <p:cond delay="0"/>
+                            </p:stCondLst>
+                            <p:childTnLst>
+                              <p:par>
+                                <p:cTn id="10" presetID="9" presetClass="exit" presetSubtype="0" fill="hold" grpId="0" nodeType="clickEffect">
+                                  <p:stCondLst>
+                                    <p:cond delay="0"/>
+                                  </p:stCondLst>
+                                  <p:childTnLst>
+                                    <p:animEffect transition="out" filter="dissolve">
+                                      <p:cBhvr>
+                                        <p:cTn id="11" dur="500"/>
+                                        <p:tgtEl>
+                                          <p:spTgt spid="20"/>
+                                        </p:tgtEl>
+                                      </p:cBhvr>
+                                    </p:animEffect>
+                                    <p:set>
+                                      <p:cBhvr>
+                                        <p:cTn id="12" dur="1" fill="hold">
+                                          <p:stCondLst>
+                                            <p:cond delay="499"/>
+                                          </p:stCondLst>
+                                        </p:cTn>
+                                        <p:tgtEl>
+                                          <p:spTgt spid="20"/>
+                                        </p:tgtEl>
+                                        <p:attrNameLst>
+                                          <p:attrName>style.visibility</p:attrName>
+                                        </p:attrNameLst>
+                                      </p:cBhvr>
+                                      <p:to>
+                                        <p:strVal val="hidden"/>
+                                      </p:to>
+                                    </p:set>
+                                  </p:childTnLst>
+                                </p:cTn>
+                              </p:par>
+                            </p:childTnLst>
+                          </p:cTn>
+                        </p:par>
+                      </p:childTnLst>
+                    </p:cTn>
+                  </p:par>
+                  <p:par>
+                    <p:cTn id="13" fill="hold">
+                      <p:stCondLst>
+                        <p:cond delay="indefinite"/>
+                      </p:stCondLst>
+                      <p:childTnLst>
+                        <p:par>
+                          <p:cTn id="14" fill="hold">
+                            <p:stCondLst>
+                              <p:cond delay="0"/>
+                            </p:stCondLst>
+                            <p:childTnLst>
+                              <p:par>
+                                <p:cTn id="15" presetID="9" presetClass="exit" presetSubtype="0" fill="hold" grpId="0" nodeType="clickEffect">
+                                  <p:stCondLst>
+                                    <p:cond delay="0"/>
+                                  </p:stCondLst>
+                                  <p:childTnLst>
+                                    <p:animEffect transition="out" filter="dissolve">
+                                      <p:cBhvr>
+                                        <p:cTn id="16" dur="500"/>
+                                        <p:tgtEl>
+                                          <p:spTgt spid="21"/>
+                                        </p:tgtEl>
+                                      </p:cBhvr>
+                                    </p:animEffect>
+                                    <p:set>
+                                      <p:cBhvr>
+                                        <p:cTn id="17" dur="1" fill="hold">
+                                          <p:stCondLst>
+                                            <p:cond delay="499"/>
+                                          </p:stCondLst>
+                                        </p:cTn>
+                                        <p:tgtEl>
+                                          <p:spTgt spid="21"/>
+                                        </p:tgtEl>
+                                        <p:attrNameLst>
+                                          <p:attrName>style.visibility</p:attrName>
+                                        </p:attrNameLst>
+                                      </p:cBhvr>
+                                      <p:to>
+                                        <p:strVal val="hidden"/>
+                                      </p:to>
+                                    </p:set>
+                                  </p:childTnLst>
+                                </p:cTn>
+                              </p:par>
+                            </p:childTnLst>
+                          </p:cTn>
+                        </p:par>
+                      </p:childTnLst>
+                    </p:cTn>
+                  </p:par>
+                  <p:par>
+                    <p:cTn id="18" fill="hold">
+                      <p:stCondLst>
+                        <p:cond delay="indefinite"/>
+                      </p:stCondLst>
+                      <p:childTnLst>
+                        <p:par>
+                          <p:cTn id="19" fill="hold">
+                            <p:stCondLst>
+                              <p:cond delay="0"/>
+                            </p:stCondLst>
+                            <p:childTnLst>
+                              <p:par>
+                                <p:cTn id="20" presetID="9" presetClass="exit" presetSubtype="0" fill="hold" grpId="0" nodeType="clickEffect">
+                                  <p:stCondLst>
+                                    <p:cond delay="0"/>
+                                  </p:stCondLst>
+                                  <p:childTnLst>
+                                    <p:animEffect transition="out" filter="dissolve">
+                                      <p:cBhvr>
+                                        <p:cTn id="21" dur="500"/>
+                                        <p:tgtEl>
+                                          <p:spTgt spid="22"/>
+                                        </p:tgtEl>
+                                      </p:cBhvr>
+                                    </p:animEffect>
+                                    <p:set>
+                                      <p:cBhvr>
+                                        <p:cTn id="22" dur="1" fill="hold">
+                                          <p:stCondLst>
+                                            <p:cond delay="499"/>
+                                          </p:stCondLst>
+                                        </p:cTn>
+                                        <p:tgtEl>
+                                          <p:spTgt spid="22"/>
+                                        </p:tgtEl>
+                                        <p:attrNameLst>
+                                          <p:attrName>style.visibility</p:attrName>
+                                        </p:attrNameLst>
+                                      </p:cBhvr>
+                                      <p:to>
+                                        <p:strVal val="hidden"/>
+                                      </p:to>
+                                    </p:set>
+                                  </p:childTnLst>
+                                </p:cTn>
+                              </p:par>
+                            </p:childTnLst>
+                          </p:cTn>
+                        </p:par>
+                      </p:childTnLst>
+                    </p:cTn>
+                  </p:par>
+                </p:childTnLst>
+              </p:cTn>
+              <p:prevCondLst>
+                <p:cond evt="onPrev" delay="0">
+                  <p:tgtEl>
+                    <p:sldTgt/>
+                  </p:tgtEl>
+                </p:cond>
+              </p:prevCondLst>
+              <p:nextCondLst>
+                <p:cond evt="onNext" delay="0">
+                  <p:tgtEl>
+                    <p:sldTgt/>
+                  </p:tgtEl>
+                </p:cond>
+              </p:nextCondLst>
+            </p:seq>
+          </p:childTnLst>
+        </p:cTn>
+      </p:par>
+    </p:tnLst>
+    <p:bldLst>
+      <p:bldP spid="19" grpId="0" animBg="1"/>
+      <p:bldP spid="20" grpId="0" animBg="1"/>
+      <p:bldP spid="21" grpId="0" animBg="1"/>
+      <p:bldP spid="22" grpId="0" animBg="1"/>
+    </p:bldLst>
+  </p:timing>
 </p:sld>
 </file>
 
@@ -8735,4 +11684,319 @@
     </a:ext>
   </a:extLst>
 </a:theme>
+</file>
+
+<file path=ppt/theme/theme2.xml><?xml version="1.0" encoding="utf-8"?>
+<a:theme xmlns:a="http://schemas.openxmlformats.org/drawingml/2006/main" name="Office Theme">
+  <a:themeElements>
+    <a:clrScheme name="Office">
+      <a:dk1>
+        <a:sysClr val="windowText" lastClr="000000"/>
+      </a:dk1>
+      <a:lt1>
+        <a:sysClr val="window" lastClr="FFFFFF"/>
+      </a:lt1>
+      <a:dk2>
+        <a:srgbClr val="0E2841"/>
+      </a:dk2>
+      <a:lt2>
+        <a:srgbClr val="E8E8E8"/>
+      </a:lt2>
+      <a:accent1>
+        <a:srgbClr val="156082"/>
+      </a:accent1>
+      <a:accent2>
+        <a:srgbClr val="E97132"/>
+      </a:accent2>
+      <a:accent3>
+        <a:srgbClr val="196B24"/>
+      </a:accent3>
+      <a:accent4>
+        <a:srgbClr val="0F9ED5"/>
+      </a:accent4>
+      <a:accent5>
+        <a:srgbClr val="A02B93"/>
+      </a:accent5>
+      <a:accent6>
+        <a:srgbClr val="4EA72E"/>
+      </a:accent6>
+      <a:hlink>
+        <a:srgbClr val="467886"/>
+      </a:hlink>
+      <a:folHlink>
+        <a:srgbClr val="96607D"/>
+      </a:folHlink>
+    </a:clrScheme>
+    <a:fontScheme name="Office">
+      <a:majorFont>
+        <a:latin typeface="Aptos Display" panose="02110004020202020204"/>
+        <a:ea typeface=""/>
+        <a:cs typeface=""/>
+        <a:font script="Jpan" typeface="游ゴシック Light"/>
+        <a:font script="Hang" typeface="맑은 고딕"/>
+        <a:font script="Hans" typeface="等线 Light"/>
+        <a:font script="Hant" typeface="新細明體"/>
+        <a:font script="Arab" typeface="Times New Roman"/>
+        <a:font script="Hebr" typeface="Times New Roman"/>
+        <a:font script="Thai" typeface="Angsana New"/>
+        <a:font script="Ethi" typeface="Nyala"/>
+        <a:font script="Beng" typeface="Vrinda"/>
+        <a:font script="Gujr" typeface="Shruti"/>
+        <a:font script="Khmr" typeface="MoolBoran"/>
+        <a:font script="Knda" typeface="Tunga"/>
+        <a:font script="Guru" typeface="Raavi"/>
+        <a:font script="Cans" typeface="Euphemia"/>
+        <a:font script="Cher" typeface="Plantagenet Cherokee"/>
+        <a:font script="Yiii" typeface="Microsoft Yi Baiti"/>
+        <a:font script="Tibt" typeface="Microsoft Himalaya"/>
+        <a:font script="Thaa" typeface="MV Boli"/>
+        <a:font script="Deva" typeface="Mangal"/>
+        <a:font script="Telu" typeface="Gautami"/>
+        <a:font script="Taml" typeface="Latha"/>
+        <a:font script="Syrc" typeface="Estrangelo Edessa"/>
+        <a:font script="Orya" typeface="Kalinga"/>
+        <a:font script="Mlym" typeface="Kartika"/>
+        <a:font script="Laoo" typeface="DokChampa"/>
+        <a:font script="Sinh" typeface="Iskoola Pota"/>
+        <a:font script="Mong" typeface="Mongolian Baiti"/>
+        <a:font script="Viet" typeface="Times New Roman"/>
+        <a:font script="Uigh" typeface="Microsoft Uighur"/>
+        <a:font script="Geor" typeface="Sylfaen"/>
+        <a:font script="Armn" typeface="Arial"/>
+        <a:font script="Bugi" typeface="Leelawadee UI"/>
+        <a:font script="Bopo" typeface="Microsoft JhengHei"/>
+        <a:font script="Java" typeface="Javanese Text"/>
+        <a:font script="Lisu" typeface="Segoe UI"/>
+        <a:font script="Mymr" typeface="Myanmar Text"/>
+        <a:font script="Nkoo" typeface="Ebrima"/>
+        <a:font script="Olck" typeface="Nirmala UI"/>
+        <a:font script="Osma" typeface="Ebrima"/>
+        <a:font script="Phag" typeface="Phagspa"/>
+        <a:font script="Syrn" typeface="Estrangelo Edessa"/>
+        <a:font script="Syrj" typeface="Estrangelo Edessa"/>
+        <a:font script="Syre" typeface="Estrangelo Edessa"/>
+        <a:font script="Sora" typeface="Nirmala UI"/>
+        <a:font script="Tale" typeface="Microsoft Tai Le"/>
+        <a:font script="Talu" typeface="Microsoft New Tai Lue"/>
+        <a:font script="Tfng" typeface="Ebrima"/>
+      </a:majorFont>
+      <a:minorFont>
+        <a:latin typeface="Aptos" panose="02110004020202020204"/>
+        <a:ea typeface=""/>
+        <a:cs typeface=""/>
+        <a:font script="Jpan" typeface="游ゴシック"/>
+        <a:font script="Hang" typeface="맑은 고딕"/>
+        <a:font script="Hans" typeface="等线"/>
+        <a:font script="Hant" typeface="新細明體"/>
+        <a:font script="Arab" typeface="Arial"/>
+        <a:font script="Hebr" typeface="Arial"/>
+        <a:font script="Thai" typeface="Cordia New"/>
+        <a:font script="Ethi" typeface="Nyala"/>
+        <a:font script="Beng" typeface="Vrinda"/>
+        <a:font script="Gujr" typeface="Shruti"/>
+        <a:font script="Khmr" typeface="DaunPenh"/>
+        <a:font script="Knda" typeface="Tunga"/>
+        <a:font script="Guru" typeface="Raavi"/>
+        <a:font script="Cans" typeface="Euphemia"/>
+        <a:font script="Cher" typeface="Plantagenet Cherokee"/>
+        <a:font script="Yiii" typeface="Microsoft Yi Baiti"/>
+        <a:font script="Tibt" typeface="Microsoft Himalaya"/>
+        <a:font script="Thaa" typeface="MV Boli"/>
+        <a:font script="Deva" typeface="Mangal"/>
+        <a:font script="Telu" typeface="Gautami"/>
+        <a:font script="Taml" typeface="Latha"/>
+        <a:font script="Syrc" typeface="Estrangelo Edessa"/>
+        <a:font script="Orya" typeface="Kalinga"/>
+        <a:font script="Mlym" typeface="Kartika"/>
+        <a:font script="Laoo" typeface="DokChampa"/>
+        <a:font script="Sinh" typeface="Iskoola Pota"/>
+        <a:font script="Mong" typeface="Mongolian Baiti"/>
+        <a:font script="Viet" typeface="Arial"/>
+        <a:font script="Uigh" typeface="Microsoft Uighur"/>
+        <a:font script="Geor" typeface="Sylfaen"/>
+        <a:font script="Armn" typeface="Arial"/>
+        <a:font script="Bugi" typeface="Leelawadee UI"/>
+        <a:font script="Bopo" typeface="Microsoft JhengHei"/>
+        <a:font script="Java" typeface="Javanese Text"/>
+        <a:font script="Lisu" typeface="Segoe UI"/>
+        <a:font script="Mymr" typeface="Myanmar Text"/>
+        <a:font script="Nkoo" typeface="Ebrima"/>
+        <a:font script="Olck" typeface="Nirmala UI"/>
+        <a:font script="Osma" typeface="Ebrima"/>
+        <a:font script="Phag" typeface="Phagspa"/>
+        <a:font script="Syrn" typeface="Estrangelo Edessa"/>
+        <a:font script="Syrj" typeface="Estrangelo Edessa"/>
+        <a:font script="Syre" typeface="Estrangelo Edessa"/>
+        <a:font script="Sora" typeface="Nirmala UI"/>
+        <a:font script="Tale" typeface="Microsoft Tai Le"/>
+        <a:font script="Talu" typeface="Microsoft New Tai Lue"/>
+        <a:font script="Tfng" typeface="Ebrima"/>
+      </a:minorFont>
+    </a:fontScheme>
+    <a:fmtScheme name="Office">
+      <a:fillStyleLst>
+        <a:solidFill>
+          <a:schemeClr val="phClr"/>
+        </a:solidFill>
+        <a:gradFill rotWithShape="1">
+          <a:gsLst>
+            <a:gs pos="0">
+              <a:schemeClr val="phClr">
+                <a:lumMod val="110000"/>
+                <a:satMod val="105000"/>
+                <a:tint val="67000"/>
+              </a:schemeClr>
+            </a:gs>
+            <a:gs pos="50000">
+              <a:schemeClr val="phClr">
+                <a:lumMod val="105000"/>
+                <a:satMod val="103000"/>
+                <a:tint val="73000"/>
+              </a:schemeClr>
+            </a:gs>
+            <a:gs pos="100000">
+              <a:schemeClr val="phClr">
+                <a:lumMod val="105000"/>
+                <a:satMod val="109000"/>
+                <a:tint val="81000"/>
+              </a:schemeClr>
+            </a:gs>
+          </a:gsLst>
+          <a:lin ang="5400000" scaled="0"/>
+        </a:gradFill>
+        <a:gradFill rotWithShape="1">
+          <a:gsLst>
+            <a:gs pos="0">
+              <a:schemeClr val="phClr">
+                <a:satMod val="103000"/>
+                <a:lumMod val="102000"/>
+                <a:tint val="94000"/>
+              </a:schemeClr>
+            </a:gs>
+            <a:gs pos="50000">
+              <a:schemeClr val="phClr">
+                <a:satMod val="110000"/>
+                <a:lumMod val="100000"/>
+                <a:shade val="100000"/>
+              </a:schemeClr>
+            </a:gs>
+            <a:gs pos="100000">
+              <a:schemeClr val="phClr">
+                <a:lumMod val="99000"/>
+                <a:satMod val="120000"/>
+                <a:shade val="78000"/>
+              </a:schemeClr>
+            </a:gs>
+          </a:gsLst>
+          <a:lin ang="5400000" scaled="0"/>
+        </a:gradFill>
+      </a:fillStyleLst>
+      <a:lnStyleLst>
+        <a:ln w="12700" cap="flat" cmpd="sng" algn="ctr">
+          <a:solidFill>
+            <a:schemeClr val="phClr"/>
+          </a:solidFill>
+          <a:prstDash val="solid"/>
+          <a:miter lim="800000"/>
+        </a:ln>
+        <a:ln w="19050" cap="flat" cmpd="sng" algn="ctr">
+          <a:solidFill>
+            <a:schemeClr val="phClr"/>
+          </a:solidFill>
+          <a:prstDash val="solid"/>
+          <a:miter lim="800000"/>
+        </a:ln>
+        <a:ln w="25400" cap="flat" cmpd="sng" algn="ctr">
+          <a:solidFill>
+            <a:schemeClr val="phClr"/>
+          </a:solidFill>
+          <a:prstDash val="solid"/>
+          <a:miter lim="800000"/>
+        </a:ln>
+      </a:lnStyleLst>
+      <a:effectStyleLst>
+        <a:effectStyle>
+          <a:effectLst/>
+        </a:effectStyle>
+        <a:effectStyle>
+          <a:effectLst/>
+        </a:effectStyle>
+        <a:effectStyle>
+          <a:effectLst>
+            <a:outerShdw blurRad="57150" dist="19050" dir="5400000" algn="ctr" rotWithShape="0">
+              <a:srgbClr val="000000">
+                <a:alpha val="63000"/>
+              </a:srgbClr>
+            </a:outerShdw>
+          </a:effectLst>
+        </a:effectStyle>
+      </a:effectStyleLst>
+      <a:bgFillStyleLst>
+        <a:solidFill>
+          <a:schemeClr val="phClr"/>
+        </a:solidFill>
+        <a:solidFill>
+          <a:schemeClr val="phClr">
+            <a:tint val="95000"/>
+            <a:satMod val="170000"/>
+          </a:schemeClr>
+        </a:solidFill>
+        <a:gradFill rotWithShape="1">
+          <a:gsLst>
+            <a:gs pos="0">
+              <a:schemeClr val="phClr">
+                <a:tint val="93000"/>
+                <a:satMod val="150000"/>
+                <a:shade val="98000"/>
+                <a:lumMod val="102000"/>
+              </a:schemeClr>
+            </a:gs>
+            <a:gs pos="50000">
+              <a:schemeClr val="phClr">
+                <a:tint val="98000"/>
+                <a:satMod val="130000"/>
+                <a:shade val="90000"/>
+                <a:lumMod val="103000"/>
+              </a:schemeClr>
+            </a:gs>
+            <a:gs pos="100000">
+              <a:schemeClr val="phClr">
+                <a:shade val="63000"/>
+                <a:satMod val="120000"/>
+              </a:schemeClr>
+            </a:gs>
+          </a:gsLst>
+          <a:lin ang="5400000" scaled="0"/>
+        </a:gradFill>
+      </a:bgFillStyleLst>
+    </a:fmtScheme>
+  </a:themeElements>
+  <a:objectDefaults>
+    <a:lnDef>
+      <a:spPr/>
+      <a:bodyPr/>
+      <a:lstStyle/>
+      <a:style>
+        <a:lnRef idx="2">
+          <a:schemeClr val="accent1"/>
+        </a:lnRef>
+        <a:fillRef idx="0">
+          <a:schemeClr val="accent1"/>
+        </a:fillRef>
+        <a:effectRef idx="1">
+          <a:schemeClr val="accent1"/>
+        </a:effectRef>
+        <a:fontRef idx="minor">
+          <a:schemeClr val="tx1"/>
+        </a:fontRef>
+      </a:style>
+    </a:lnDef>
+  </a:objectDefaults>
+  <a:extraClrSchemeLst/>
+  <a:extLst>
+    <a:ext uri="{05A4C25C-085E-4340-85A3-A5531E510DB2}">
+      <thm15:themeFamily xmlns:thm15="http://schemas.microsoft.com/office/thememl/2012/main" name="Office Theme" id="{2E142A2C-CD16-42D6-873A-C26D2A0506FA}" vid="{1BDDFF52-6CD6-40A5-AB3C-68EB2F1E4D0A}"/>
+    </a:ext>
+  </a:extLst>
+</a:theme>
 </file>